--- a/docs/Presentation.pptx
+++ b/docs/Presentation.pptx
@@ -4,11 +4,35 @@
   <p:sldMasterIdLst>
     <p:sldMasterId id="2147483660" r:id="rId1"/>
   </p:sldMasterIdLst>
+  <p:notesMasterIdLst>
+    <p:notesMasterId r:id="rId27"/>
+  </p:notesMasterIdLst>
   <p:sldIdLst>
     <p:sldId id="256" r:id="rId2"/>
-    <p:sldId id="258" r:id="rId3"/>
-    <p:sldId id="259" r:id="rId4"/>
-    <p:sldId id="257" r:id="rId5"/>
+    <p:sldId id="260" r:id="rId3"/>
+    <p:sldId id="261" r:id="rId4"/>
+    <p:sldId id="258" r:id="rId5"/>
+    <p:sldId id="259" r:id="rId6"/>
+    <p:sldId id="262" r:id="rId7"/>
+    <p:sldId id="270" r:id="rId8"/>
+    <p:sldId id="277" r:id="rId9"/>
+    <p:sldId id="278" r:id="rId10"/>
+    <p:sldId id="271" r:id="rId11"/>
+    <p:sldId id="272" r:id="rId12"/>
+    <p:sldId id="263" r:id="rId13"/>
+    <p:sldId id="264" r:id="rId14"/>
+    <p:sldId id="273" r:id="rId15"/>
+    <p:sldId id="274" r:id="rId16"/>
+    <p:sldId id="265" r:id="rId17"/>
+    <p:sldId id="275" r:id="rId18"/>
+    <p:sldId id="266" r:id="rId19"/>
+    <p:sldId id="267" r:id="rId20"/>
+    <p:sldId id="268" r:id="rId21"/>
+    <p:sldId id="280" r:id="rId22"/>
+    <p:sldId id="281" r:id="rId23"/>
+    <p:sldId id="269" r:id="rId24"/>
+    <p:sldId id="276" r:id="rId25"/>
+    <p:sldId id="257" r:id="rId26"/>
   </p:sldIdLst>
   <p:sldSz cx="12192000" cy="6858000"/>
   <p:notesSz cx="6858000" cy="9144000"/>
@@ -107,6 +131,11 @@
       </a:defRPr>
     </a:lvl9pPr>
   </p:defaultTextStyle>
+  <p:extLst>
+    <p:ext uri="{EFAFB233-063F-42B5-8137-9DF3F51BA10A}">
+      <p15:sldGuideLst xmlns:p15="http://schemas.microsoft.com/office/powerpoint/2012/main"/>
+    </p:ext>
+  </p:extLst>
 </p:presentation>
 </file>
 
@@ -248,6 +277,1889 @@
 </pc:chgInfo>
 </file>
 
+<file path=ppt/notesMasters/notesMaster1.xml><?xml version="1.0" encoding="utf-8"?>
+<p:notesMaster xmlns:a="http://schemas.openxmlformats.org/drawingml/2006/main" xmlns:r="http://schemas.openxmlformats.org/officeDocument/2006/relationships" xmlns:p="http://schemas.openxmlformats.org/presentationml/2006/main">
+  <p:cSld>
+    <p:bg>
+      <p:bgRef idx="1001">
+        <a:schemeClr val="bg1"/>
+      </p:bgRef>
+    </p:bg>
+    <p:spTree>
+      <p:nvGrpSpPr>
+        <p:cNvPr id="1" name=""/>
+        <p:cNvGrpSpPr/>
+        <p:nvPr/>
+      </p:nvGrpSpPr>
+      <p:grpSpPr>
+        <a:xfrm>
+          <a:off x="0" y="0"/>
+          <a:ext cx="0" cy="0"/>
+          <a:chOff x="0" y="0"/>
+          <a:chExt cx="0" cy="0"/>
+        </a:xfrm>
+      </p:grpSpPr>
+      <p:sp>
+        <p:nvSpPr>
+          <p:cNvPr id="2" name="Header Placeholder 1"/>
+          <p:cNvSpPr>
+            <a:spLocks noGrp="1"/>
+          </p:cNvSpPr>
+          <p:nvPr>
+            <p:ph type="hdr" sz="quarter"/>
+          </p:nvPr>
+        </p:nvSpPr>
+        <p:spPr>
+          <a:xfrm>
+            <a:off x="0" y="0"/>
+            <a:ext cx="2971800" cy="458788"/>
+          </a:xfrm>
+          <a:prstGeom prst="rect">
+            <a:avLst/>
+          </a:prstGeom>
+        </p:spPr>
+        <p:txBody>
+          <a:bodyPr vert="horz" lIns="91440" tIns="45720" rIns="91440" bIns="45720" rtlCol="0"/>
+          <a:lstStyle>
+            <a:lvl1pPr algn="l">
+              <a:defRPr sz="1200"/>
+            </a:lvl1pPr>
+          </a:lstStyle>
+          <a:p>
+            <a:endParaRPr lang="en-US"/>
+          </a:p>
+        </p:txBody>
+      </p:sp>
+      <p:sp>
+        <p:nvSpPr>
+          <p:cNvPr id="3" name="Date Placeholder 2"/>
+          <p:cNvSpPr>
+            <a:spLocks noGrp="1"/>
+          </p:cNvSpPr>
+          <p:nvPr>
+            <p:ph type="dt" idx="1"/>
+          </p:nvPr>
+        </p:nvSpPr>
+        <p:spPr>
+          <a:xfrm>
+            <a:off x="3884613" y="0"/>
+            <a:ext cx="2971800" cy="458788"/>
+          </a:xfrm>
+          <a:prstGeom prst="rect">
+            <a:avLst/>
+          </a:prstGeom>
+        </p:spPr>
+        <p:txBody>
+          <a:bodyPr vert="horz" lIns="91440" tIns="45720" rIns="91440" bIns="45720" rtlCol="0"/>
+          <a:lstStyle>
+            <a:lvl1pPr algn="r">
+              <a:defRPr sz="1200"/>
+            </a:lvl1pPr>
+          </a:lstStyle>
+          <a:p>
+            <a:fld id="{6D95FCB9-4A1A-A848-AF04-B430DAE530F2}" type="datetimeFigureOut">
+              <a:rPr lang="en-US" smtClean="0"/>
+              <a:t>12/11/23</a:t>
+            </a:fld>
+            <a:endParaRPr lang="en-US"/>
+          </a:p>
+        </p:txBody>
+      </p:sp>
+      <p:sp>
+        <p:nvSpPr>
+          <p:cNvPr id="4" name="Slide Image Placeholder 3"/>
+          <p:cNvSpPr>
+            <a:spLocks noGrp="1" noRot="1" noChangeAspect="1"/>
+          </p:cNvSpPr>
+          <p:nvPr>
+            <p:ph type="sldImg" idx="2"/>
+          </p:nvPr>
+        </p:nvSpPr>
+        <p:spPr>
+          <a:xfrm>
+            <a:off x="685800" y="1143000"/>
+            <a:ext cx="5486400" cy="3086100"/>
+          </a:xfrm>
+          <a:prstGeom prst="rect">
+            <a:avLst/>
+          </a:prstGeom>
+          <a:noFill/>
+          <a:ln w="12700">
+            <a:solidFill>
+              <a:prstClr val="black"/>
+            </a:solidFill>
+          </a:ln>
+        </p:spPr>
+        <p:txBody>
+          <a:bodyPr vert="horz" lIns="91440" tIns="45720" rIns="91440" bIns="45720" rtlCol="0" anchor="ctr"/>
+          <a:lstStyle/>
+          <a:p>
+            <a:endParaRPr lang="en-US"/>
+          </a:p>
+        </p:txBody>
+      </p:sp>
+      <p:sp>
+        <p:nvSpPr>
+          <p:cNvPr id="5" name="Notes Placeholder 4"/>
+          <p:cNvSpPr>
+            <a:spLocks noGrp="1"/>
+          </p:cNvSpPr>
+          <p:nvPr>
+            <p:ph type="body" sz="quarter" idx="3"/>
+          </p:nvPr>
+        </p:nvSpPr>
+        <p:spPr>
+          <a:xfrm>
+            <a:off x="685800" y="4400550"/>
+            <a:ext cx="5486400" cy="3600450"/>
+          </a:xfrm>
+          <a:prstGeom prst="rect">
+            <a:avLst/>
+          </a:prstGeom>
+        </p:spPr>
+        <p:txBody>
+          <a:bodyPr vert="horz" lIns="91440" tIns="45720" rIns="91440" bIns="45720" rtlCol="0"/>
+          <a:lstStyle/>
+          <a:p>
+            <a:pPr lvl="0"/>
+            <a:r>
+              <a:rPr lang="en-US"/>
+              <a:t>Click to edit Master text styles</a:t>
+            </a:r>
+          </a:p>
+          <a:p>
+            <a:pPr lvl="1"/>
+            <a:r>
+              <a:rPr lang="en-US"/>
+              <a:t>Second level</a:t>
+            </a:r>
+          </a:p>
+          <a:p>
+            <a:pPr lvl="2"/>
+            <a:r>
+              <a:rPr lang="en-US"/>
+              <a:t>Third level</a:t>
+            </a:r>
+          </a:p>
+          <a:p>
+            <a:pPr lvl="3"/>
+            <a:r>
+              <a:rPr lang="en-US"/>
+              <a:t>Fourth level</a:t>
+            </a:r>
+          </a:p>
+          <a:p>
+            <a:pPr lvl="4"/>
+            <a:r>
+              <a:rPr lang="en-US"/>
+              <a:t>Fifth level</a:t>
+            </a:r>
+          </a:p>
+        </p:txBody>
+      </p:sp>
+      <p:sp>
+        <p:nvSpPr>
+          <p:cNvPr id="6" name="Footer Placeholder 5"/>
+          <p:cNvSpPr>
+            <a:spLocks noGrp="1"/>
+          </p:cNvSpPr>
+          <p:nvPr>
+            <p:ph type="ftr" sz="quarter" idx="4"/>
+          </p:nvPr>
+        </p:nvSpPr>
+        <p:spPr>
+          <a:xfrm>
+            <a:off x="0" y="8685213"/>
+            <a:ext cx="2971800" cy="458787"/>
+          </a:xfrm>
+          <a:prstGeom prst="rect">
+            <a:avLst/>
+          </a:prstGeom>
+        </p:spPr>
+        <p:txBody>
+          <a:bodyPr vert="horz" lIns="91440" tIns="45720" rIns="91440" bIns="45720" rtlCol="0" anchor="b"/>
+          <a:lstStyle>
+            <a:lvl1pPr algn="l">
+              <a:defRPr sz="1200"/>
+            </a:lvl1pPr>
+          </a:lstStyle>
+          <a:p>
+            <a:endParaRPr lang="en-US"/>
+          </a:p>
+        </p:txBody>
+      </p:sp>
+      <p:sp>
+        <p:nvSpPr>
+          <p:cNvPr id="7" name="Slide Number Placeholder 6"/>
+          <p:cNvSpPr>
+            <a:spLocks noGrp="1"/>
+          </p:cNvSpPr>
+          <p:nvPr>
+            <p:ph type="sldNum" sz="quarter" idx="5"/>
+          </p:nvPr>
+        </p:nvSpPr>
+        <p:spPr>
+          <a:xfrm>
+            <a:off x="3884613" y="8685213"/>
+            <a:ext cx="2971800" cy="458787"/>
+          </a:xfrm>
+          <a:prstGeom prst="rect">
+            <a:avLst/>
+          </a:prstGeom>
+        </p:spPr>
+        <p:txBody>
+          <a:bodyPr vert="horz" lIns="91440" tIns="45720" rIns="91440" bIns="45720" rtlCol="0" anchor="b"/>
+          <a:lstStyle>
+            <a:lvl1pPr algn="r">
+              <a:defRPr sz="1200"/>
+            </a:lvl1pPr>
+          </a:lstStyle>
+          <a:p>
+            <a:fld id="{AD221FBB-2E6F-254F-B5D4-FA154ECC3022}" type="slidenum">
+              <a:rPr lang="en-US" smtClean="0"/>
+              <a:t>‹#›</a:t>
+            </a:fld>
+            <a:endParaRPr lang="en-US"/>
+          </a:p>
+        </p:txBody>
+      </p:sp>
+    </p:spTree>
+    <p:extLst>
+      <p:ext uri="{BB962C8B-B14F-4D97-AF65-F5344CB8AC3E}">
+        <p14:creationId xmlns:p14="http://schemas.microsoft.com/office/powerpoint/2010/main" val="3229976300"/>
+      </p:ext>
+    </p:extLst>
+  </p:cSld>
+  <p:clrMap bg1="lt1" tx1="dk1" bg2="lt2" tx2="dk2" accent1="accent1" accent2="accent2" accent3="accent3" accent4="accent4" accent5="accent5" accent6="accent6" hlink="hlink" folHlink="folHlink"/>
+  <p:notesStyle>
+    <a:lvl1pPr marL="0" algn="l" defTabSz="914400" rtl="0" eaLnBrk="1" latinLnBrk="0" hangingPunct="1">
+      <a:defRPr sz="1200" kern="1200">
+        <a:solidFill>
+          <a:schemeClr val="tx1"/>
+        </a:solidFill>
+        <a:latin typeface="+mn-lt"/>
+        <a:ea typeface="+mn-ea"/>
+        <a:cs typeface="+mn-cs"/>
+      </a:defRPr>
+    </a:lvl1pPr>
+    <a:lvl2pPr marL="457200" algn="l" defTabSz="914400" rtl="0" eaLnBrk="1" latinLnBrk="0" hangingPunct="1">
+      <a:defRPr sz="1200" kern="1200">
+        <a:solidFill>
+          <a:schemeClr val="tx1"/>
+        </a:solidFill>
+        <a:latin typeface="+mn-lt"/>
+        <a:ea typeface="+mn-ea"/>
+        <a:cs typeface="+mn-cs"/>
+      </a:defRPr>
+    </a:lvl2pPr>
+    <a:lvl3pPr marL="914400" algn="l" defTabSz="914400" rtl="0" eaLnBrk="1" latinLnBrk="0" hangingPunct="1">
+      <a:defRPr sz="1200" kern="1200">
+        <a:solidFill>
+          <a:schemeClr val="tx1"/>
+        </a:solidFill>
+        <a:latin typeface="+mn-lt"/>
+        <a:ea typeface="+mn-ea"/>
+        <a:cs typeface="+mn-cs"/>
+      </a:defRPr>
+    </a:lvl3pPr>
+    <a:lvl4pPr marL="1371600" algn="l" defTabSz="914400" rtl="0" eaLnBrk="1" latinLnBrk="0" hangingPunct="1">
+      <a:defRPr sz="1200" kern="1200">
+        <a:solidFill>
+          <a:schemeClr val="tx1"/>
+        </a:solidFill>
+        <a:latin typeface="+mn-lt"/>
+        <a:ea typeface="+mn-ea"/>
+        <a:cs typeface="+mn-cs"/>
+      </a:defRPr>
+    </a:lvl4pPr>
+    <a:lvl5pPr marL="1828800" algn="l" defTabSz="914400" rtl="0" eaLnBrk="1" latinLnBrk="0" hangingPunct="1">
+      <a:defRPr sz="1200" kern="1200">
+        <a:solidFill>
+          <a:schemeClr val="tx1"/>
+        </a:solidFill>
+        <a:latin typeface="+mn-lt"/>
+        <a:ea typeface="+mn-ea"/>
+        <a:cs typeface="+mn-cs"/>
+      </a:defRPr>
+    </a:lvl5pPr>
+    <a:lvl6pPr marL="2286000" algn="l" defTabSz="914400" rtl="0" eaLnBrk="1" latinLnBrk="0" hangingPunct="1">
+      <a:defRPr sz="1200" kern="1200">
+        <a:solidFill>
+          <a:schemeClr val="tx1"/>
+        </a:solidFill>
+        <a:latin typeface="+mn-lt"/>
+        <a:ea typeface="+mn-ea"/>
+        <a:cs typeface="+mn-cs"/>
+      </a:defRPr>
+    </a:lvl6pPr>
+    <a:lvl7pPr marL="2743200" algn="l" defTabSz="914400" rtl="0" eaLnBrk="1" latinLnBrk="0" hangingPunct="1">
+      <a:defRPr sz="1200" kern="1200">
+        <a:solidFill>
+          <a:schemeClr val="tx1"/>
+        </a:solidFill>
+        <a:latin typeface="+mn-lt"/>
+        <a:ea typeface="+mn-ea"/>
+        <a:cs typeface="+mn-cs"/>
+      </a:defRPr>
+    </a:lvl7pPr>
+    <a:lvl8pPr marL="3200400" algn="l" defTabSz="914400" rtl="0" eaLnBrk="1" latinLnBrk="0" hangingPunct="1">
+      <a:defRPr sz="1200" kern="1200">
+        <a:solidFill>
+          <a:schemeClr val="tx1"/>
+        </a:solidFill>
+        <a:latin typeface="+mn-lt"/>
+        <a:ea typeface="+mn-ea"/>
+        <a:cs typeface="+mn-cs"/>
+      </a:defRPr>
+    </a:lvl8pPr>
+    <a:lvl9pPr marL="3657600" algn="l" defTabSz="914400" rtl="0" eaLnBrk="1" latinLnBrk="0" hangingPunct="1">
+      <a:defRPr sz="1200" kern="1200">
+        <a:solidFill>
+          <a:schemeClr val="tx1"/>
+        </a:solidFill>
+        <a:latin typeface="+mn-lt"/>
+        <a:ea typeface="+mn-ea"/>
+        <a:cs typeface="+mn-cs"/>
+      </a:defRPr>
+    </a:lvl9pPr>
+  </p:notesStyle>
+</p:notesMaster>
+</file>
+
+<file path=ppt/notesSlides/notesSlide1.xml><?xml version="1.0" encoding="utf-8"?>
+<p:notes xmlns:a="http://schemas.openxmlformats.org/drawingml/2006/main" xmlns:r="http://schemas.openxmlformats.org/officeDocument/2006/relationships" xmlns:p="http://schemas.openxmlformats.org/presentationml/2006/main">
+  <p:cSld>
+    <p:spTree>
+      <p:nvGrpSpPr>
+        <p:cNvPr id="1" name=""/>
+        <p:cNvGrpSpPr/>
+        <p:nvPr/>
+      </p:nvGrpSpPr>
+      <p:grpSpPr>
+        <a:xfrm>
+          <a:off x="0" y="0"/>
+          <a:ext cx="0" cy="0"/>
+          <a:chOff x="0" y="0"/>
+          <a:chExt cx="0" cy="0"/>
+        </a:xfrm>
+      </p:grpSpPr>
+      <p:sp>
+        <p:nvSpPr>
+          <p:cNvPr id="2" name="Slide Image Placeholder 1"/>
+          <p:cNvSpPr>
+            <a:spLocks noGrp="1" noRot="1" noChangeAspect="1"/>
+          </p:cNvSpPr>
+          <p:nvPr>
+            <p:ph type="sldImg"/>
+          </p:nvPr>
+        </p:nvSpPr>
+        <p:spPr/>
+      </p:sp>
+      <p:sp>
+        <p:nvSpPr>
+          <p:cNvPr id="3" name="Notes Placeholder 2"/>
+          <p:cNvSpPr>
+            <a:spLocks noGrp="1"/>
+          </p:cNvSpPr>
+          <p:nvPr>
+            <p:ph type="body" idx="1"/>
+          </p:nvPr>
+        </p:nvSpPr>
+        <p:spPr/>
+        <p:txBody>
+          <a:bodyPr/>
+          <a:lstStyle/>
+          <a:p>
+            <a:endParaRPr lang="en-US" dirty="0"/>
+          </a:p>
+        </p:txBody>
+      </p:sp>
+      <p:sp>
+        <p:nvSpPr>
+          <p:cNvPr id="4" name="Slide Number Placeholder 3"/>
+          <p:cNvSpPr>
+            <a:spLocks noGrp="1"/>
+          </p:cNvSpPr>
+          <p:nvPr>
+            <p:ph type="sldNum" sz="quarter" idx="5"/>
+          </p:nvPr>
+        </p:nvSpPr>
+        <p:spPr/>
+        <p:txBody>
+          <a:bodyPr/>
+          <a:lstStyle/>
+          <a:p>
+            <a:fld id="{AD221FBB-2E6F-254F-B5D4-FA154ECC3022}" type="slidenum">
+              <a:rPr lang="en-US" smtClean="0"/>
+              <a:t>3</a:t>
+            </a:fld>
+            <a:endParaRPr lang="en-US"/>
+          </a:p>
+        </p:txBody>
+      </p:sp>
+    </p:spTree>
+    <p:extLst>
+      <p:ext uri="{BB962C8B-B14F-4D97-AF65-F5344CB8AC3E}">
+        <p14:creationId xmlns:p14="http://schemas.microsoft.com/office/powerpoint/2010/main" val="3350065850"/>
+      </p:ext>
+    </p:extLst>
+  </p:cSld>
+  <p:clrMapOvr>
+    <a:masterClrMapping/>
+  </p:clrMapOvr>
+</p:notes>
+</file>
+
+<file path=ppt/notesSlides/notesSlide10.xml><?xml version="1.0" encoding="utf-8"?>
+<p:notes xmlns:a="http://schemas.openxmlformats.org/drawingml/2006/main" xmlns:r="http://schemas.openxmlformats.org/officeDocument/2006/relationships" xmlns:p="http://schemas.openxmlformats.org/presentationml/2006/main">
+  <p:cSld>
+    <p:spTree>
+      <p:nvGrpSpPr>
+        <p:cNvPr id="1" name=""/>
+        <p:cNvGrpSpPr/>
+        <p:nvPr/>
+      </p:nvGrpSpPr>
+      <p:grpSpPr>
+        <a:xfrm>
+          <a:off x="0" y="0"/>
+          <a:ext cx="0" cy="0"/>
+          <a:chOff x="0" y="0"/>
+          <a:chExt cx="0" cy="0"/>
+        </a:xfrm>
+      </p:grpSpPr>
+      <p:sp>
+        <p:nvSpPr>
+          <p:cNvPr id="2" name="Slide Image Placeholder 1"/>
+          <p:cNvSpPr>
+            <a:spLocks noGrp="1" noRot="1" noChangeAspect="1"/>
+          </p:cNvSpPr>
+          <p:nvPr>
+            <p:ph type="sldImg"/>
+          </p:nvPr>
+        </p:nvSpPr>
+        <p:spPr/>
+      </p:sp>
+      <p:sp>
+        <p:nvSpPr>
+          <p:cNvPr id="3" name="Notes Placeholder 2"/>
+          <p:cNvSpPr>
+            <a:spLocks noGrp="1"/>
+          </p:cNvSpPr>
+          <p:nvPr>
+            <p:ph type="body" idx="1"/>
+          </p:nvPr>
+        </p:nvSpPr>
+        <p:spPr/>
+        <p:txBody>
+          <a:bodyPr/>
+          <a:lstStyle/>
+          <a:p>
+            <a:r>
+              <a:rPr lang="en-US" dirty="0"/>
+              <a:t>Shows the item name, selected toppings of the items, quantity, and price of each item</a:t>
+            </a:r>
+          </a:p>
+          <a:p>
+            <a:endParaRPr lang="en-US" dirty="0"/>
+          </a:p>
+          <a:p>
+            <a:r>
+              <a:rPr lang="en-US" dirty="0"/>
+              <a:t>Includes the customer’s name and email</a:t>
+            </a:r>
+          </a:p>
+          <a:p>
+            <a:endParaRPr lang="en-US" dirty="0"/>
+          </a:p>
+          <a:p>
+            <a:r>
+              <a:rPr lang="en-US" dirty="0"/>
+              <a:t>Features the order number and payment method</a:t>
+            </a:r>
+          </a:p>
+          <a:p>
+            <a:endParaRPr lang="en-US" dirty="0"/>
+          </a:p>
+          <a:p>
+            <a:r>
+              <a:rPr lang="en-US" dirty="0"/>
+              <a:t>Gives the customer an estimated time of when the order will be completed</a:t>
+            </a:r>
+          </a:p>
+          <a:p>
+            <a:endParaRPr lang="en-US" dirty="0"/>
+          </a:p>
+          <a:p>
+            <a:endParaRPr lang="en-US" dirty="0"/>
+          </a:p>
+        </p:txBody>
+      </p:sp>
+      <p:sp>
+        <p:nvSpPr>
+          <p:cNvPr id="4" name="Slide Number Placeholder 3"/>
+          <p:cNvSpPr>
+            <a:spLocks noGrp="1"/>
+          </p:cNvSpPr>
+          <p:nvPr>
+            <p:ph type="sldNum" sz="quarter" idx="5"/>
+          </p:nvPr>
+        </p:nvSpPr>
+        <p:spPr/>
+        <p:txBody>
+          <a:bodyPr/>
+          <a:lstStyle/>
+          <a:p>
+            <a:fld id="{AD221FBB-2E6F-254F-B5D4-FA154ECC3022}" type="slidenum">
+              <a:rPr lang="en-US" smtClean="0"/>
+              <a:t>15</a:t>
+            </a:fld>
+            <a:endParaRPr lang="en-US"/>
+          </a:p>
+        </p:txBody>
+      </p:sp>
+    </p:spTree>
+    <p:extLst>
+      <p:ext uri="{BB962C8B-B14F-4D97-AF65-F5344CB8AC3E}">
+        <p14:creationId xmlns:p14="http://schemas.microsoft.com/office/powerpoint/2010/main" val="3919547588"/>
+      </p:ext>
+    </p:extLst>
+  </p:cSld>
+  <p:clrMapOvr>
+    <a:masterClrMapping/>
+  </p:clrMapOvr>
+</p:notes>
+</file>
+
+<file path=ppt/notesSlides/notesSlide11.xml><?xml version="1.0" encoding="utf-8"?>
+<p:notes xmlns:a="http://schemas.openxmlformats.org/drawingml/2006/main" xmlns:r="http://schemas.openxmlformats.org/officeDocument/2006/relationships" xmlns:p="http://schemas.openxmlformats.org/presentationml/2006/main">
+  <p:cSld>
+    <p:spTree>
+      <p:nvGrpSpPr>
+        <p:cNvPr id="1" name=""/>
+        <p:cNvGrpSpPr/>
+        <p:nvPr/>
+      </p:nvGrpSpPr>
+      <p:grpSpPr>
+        <a:xfrm>
+          <a:off x="0" y="0"/>
+          <a:ext cx="0" cy="0"/>
+          <a:chOff x="0" y="0"/>
+          <a:chExt cx="0" cy="0"/>
+        </a:xfrm>
+      </p:grpSpPr>
+      <p:sp>
+        <p:nvSpPr>
+          <p:cNvPr id="2" name="Slide Image Placeholder 1"/>
+          <p:cNvSpPr>
+            <a:spLocks noGrp="1" noRot="1" noChangeAspect="1"/>
+          </p:cNvSpPr>
+          <p:nvPr>
+            <p:ph type="sldImg"/>
+          </p:nvPr>
+        </p:nvSpPr>
+        <p:spPr/>
+      </p:sp>
+      <p:sp>
+        <p:nvSpPr>
+          <p:cNvPr id="3" name="Notes Placeholder 2"/>
+          <p:cNvSpPr>
+            <a:spLocks noGrp="1"/>
+          </p:cNvSpPr>
+          <p:nvPr>
+            <p:ph type="body" idx="1"/>
+          </p:nvPr>
+        </p:nvSpPr>
+        <p:spPr/>
+        <p:txBody>
+          <a:bodyPr/>
+          <a:lstStyle/>
+          <a:p>
+            <a:endParaRPr lang="en-US" dirty="0"/>
+          </a:p>
+        </p:txBody>
+      </p:sp>
+      <p:sp>
+        <p:nvSpPr>
+          <p:cNvPr id="4" name="Slide Number Placeholder 3"/>
+          <p:cNvSpPr>
+            <a:spLocks noGrp="1"/>
+          </p:cNvSpPr>
+          <p:nvPr>
+            <p:ph type="sldNum" sz="quarter" idx="5"/>
+          </p:nvPr>
+        </p:nvSpPr>
+        <p:spPr/>
+        <p:txBody>
+          <a:bodyPr/>
+          <a:lstStyle/>
+          <a:p>
+            <a:fld id="{AD221FBB-2E6F-254F-B5D4-FA154ECC3022}" type="slidenum">
+              <a:rPr lang="en-US" smtClean="0"/>
+              <a:t>16</a:t>
+            </a:fld>
+            <a:endParaRPr lang="en-US"/>
+          </a:p>
+        </p:txBody>
+      </p:sp>
+    </p:spTree>
+    <p:extLst>
+      <p:ext uri="{BB962C8B-B14F-4D97-AF65-F5344CB8AC3E}">
+        <p14:creationId xmlns:p14="http://schemas.microsoft.com/office/powerpoint/2010/main" val="3231014660"/>
+      </p:ext>
+    </p:extLst>
+  </p:cSld>
+  <p:clrMapOvr>
+    <a:masterClrMapping/>
+  </p:clrMapOvr>
+</p:notes>
+</file>
+
+<file path=ppt/notesSlides/notesSlide12.xml><?xml version="1.0" encoding="utf-8"?>
+<p:notes xmlns:a="http://schemas.openxmlformats.org/drawingml/2006/main" xmlns:r="http://schemas.openxmlformats.org/officeDocument/2006/relationships" xmlns:p="http://schemas.openxmlformats.org/presentationml/2006/main">
+  <p:cSld>
+    <p:spTree>
+      <p:nvGrpSpPr>
+        <p:cNvPr id="1" name=""/>
+        <p:cNvGrpSpPr/>
+        <p:nvPr/>
+      </p:nvGrpSpPr>
+      <p:grpSpPr>
+        <a:xfrm>
+          <a:off x="0" y="0"/>
+          <a:ext cx="0" cy="0"/>
+          <a:chOff x="0" y="0"/>
+          <a:chExt cx="0" cy="0"/>
+        </a:xfrm>
+      </p:grpSpPr>
+      <p:sp>
+        <p:nvSpPr>
+          <p:cNvPr id="2" name="Slide Image Placeholder 1"/>
+          <p:cNvSpPr>
+            <a:spLocks noGrp="1" noRot="1" noChangeAspect="1"/>
+          </p:cNvSpPr>
+          <p:nvPr>
+            <p:ph type="sldImg"/>
+          </p:nvPr>
+        </p:nvSpPr>
+        <p:spPr/>
+      </p:sp>
+      <p:sp>
+        <p:nvSpPr>
+          <p:cNvPr id="3" name="Notes Placeholder 2"/>
+          <p:cNvSpPr>
+            <a:spLocks noGrp="1"/>
+          </p:cNvSpPr>
+          <p:nvPr>
+            <p:ph type="body" idx="1"/>
+          </p:nvPr>
+        </p:nvSpPr>
+        <p:spPr/>
+        <p:txBody>
+          <a:bodyPr/>
+          <a:lstStyle/>
+          <a:p>
+            <a:r>
+              <a:rPr lang="en-US" dirty="0"/>
+              <a:t>Manager can enable and disable items and toppings </a:t>
+            </a:r>
+          </a:p>
+        </p:txBody>
+      </p:sp>
+      <p:sp>
+        <p:nvSpPr>
+          <p:cNvPr id="4" name="Slide Number Placeholder 3"/>
+          <p:cNvSpPr>
+            <a:spLocks noGrp="1"/>
+          </p:cNvSpPr>
+          <p:nvPr>
+            <p:ph type="sldNum" sz="quarter" idx="5"/>
+          </p:nvPr>
+        </p:nvSpPr>
+        <p:spPr/>
+        <p:txBody>
+          <a:bodyPr/>
+          <a:lstStyle/>
+          <a:p>
+            <a:fld id="{AD221FBB-2E6F-254F-B5D4-FA154ECC3022}" type="slidenum">
+              <a:rPr lang="en-US" smtClean="0"/>
+              <a:t>17</a:t>
+            </a:fld>
+            <a:endParaRPr lang="en-US"/>
+          </a:p>
+        </p:txBody>
+      </p:sp>
+    </p:spTree>
+    <p:extLst>
+      <p:ext uri="{BB962C8B-B14F-4D97-AF65-F5344CB8AC3E}">
+        <p14:creationId xmlns:p14="http://schemas.microsoft.com/office/powerpoint/2010/main" val="3606940041"/>
+      </p:ext>
+    </p:extLst>
+  </p:cSld>
+  <p:clrMapOvr>
+    <a:masterClrMapping/>
+  </p:clrMapOvr>
+</p:notes>
+</file>
+
+<file path=ppt/notesSlides/notesSlide13.xml><?xml version="1.0" encoding="utf-8"?>
+<p:notes xmlns:a="http://schemas.openxmlformats.org/drawingml/2006/main" xmlns:r="http://schemas.openxmlformats.org/officeDocument/2006/relationships" xmlns:p="http://schemas.openxmlformats.org/presentationml/2006/main">
+  <p:cSld>
+    <p:spTree>
+      <p:nvGrpSpPr>
+        <p:cNvPr id="1" name=""/>
+        <p:cNvGrpSpPr/>
+        <p:nvPr/>
+      </p:nvGrpSpPr>
+      <p:grpSpPr>
+        <a:xfrm>
+          <a:off x="0" y="0"/>
+          <a:ext cx="0" cy="0"/>
+          <a:chOff x="0" y="0"/>
+          <a:chExt cx="0" cy="0"/>
+        </a:xfrm>
+      </p:grpSpPr>
+      <p:sp>
+        <p:nvSpPr>
+          <p:cNvPr id="2" name="Slide Image Placeholder 1"/>
+          <p:cNvSpPr>
+            <a:spLocks noGrp="1" noRot="1" noChangeAspect="1"/>
+          </p:cNvSpPr>
+          <p:nvPr>
+            <p:ph type="sldImg"/>
+          </p:nvPr>
+        </p:nvSpPr>
+        <p:spPr/>
+      </p:sp>
+      <p:sp>
+        <p:nvSpPr>
+          <p:cNvPr id="3" name="Notes Placeholder 2"/>
+          <p:cNvSpPr>
+            <a:spLocks noGrp="1"/>
+          </p:cNvSpPr>
+          <p:nvPr>
+            <p:ph type="body" idx="1"/>
+          </p:nvPr>
+        </p:nvSpPr>
+        <p:spPr/>
+        <p:txBody>
+          <a:bodyPr/>
+          <a:lstStyle/>
+          <a:p>
+            <a:endParaRPr lang="en-US" dirty="0"/>
+          </a:p>
+        </p:txBody>
+      </p:sp>
+      <p:sp>
+        <p:nvSpPr>
+          <p:cNvPr id="4" name="Slide Number Placeholder 3"/>
+          <p:cNvSpPr>
+            <a:spLocks noGrp="1"/>
+          </p:cNvSpPr>
+          <p:nvPr>
+            <p:ph type="sldNum" sz="quarter" idx="5"/>
+          </p:nvPr>
+        </p:nvSpPr>
+        <p:spPr/>
+        <p:txBody>
+          <a:bodyPr/>
+          <a:lstStyle/>
+          <a:p>
+            <a:fld id="{AD221FBB-2E6F-254F-B5D4-FA154ECC3022}" type="slidenum">
+              <a:rPr lang="en-US" smtClean="0"/>
+              <a:t>18</a:t>
+            </a:fld>
+            <a:endParaRPr lang="en-US"/>
+          </a:p>
+        </p:txBody>
+      </p:sp>
+    </p:spTree>
+    <p:extLst>
+      <p:ext uri="{BB962C8B-B14F-4D97-AF65-F5344CB8AC3E}">
+        <p14:creationId xmlns:p14="http://schemas.microsoft.com/office/powerpoint/2010/main" val="124440519"/>
+      </p:ext>
+    </p:extLst>
+  </p:cSld>
+  <p:clrMapOvr>
+    <a:masterClrMapping/>
+  </p:clrMapOvr>
+</p:notes>
+</file>
+
+<file path=ppt/notesSlides/notesSlide14.xml><?xml version="1.0" encoding="utf-8"?>
+<p:notes xmlns:a="http://schemas.openxmlformats.org/drawingml/2006/main" xmlns:r="http://schemas.openxmlformats.org/officeDocument/2006/relationships" xmlns:p="http://schemas.openxmlformats.org/presentationml/2006/main">
+  <p:cSld>
+    <p:spTree>
+      <p:nvGrpSpPr>
+        <p:cNvPr id="1" name=""/>
+        <p:cNvGrpSpPr/>
+        <p:nvPr/>
+      </p:nvGrpSpPr>
+      <p:grpSpPr>
+        <a:xfrm>
+          <a:off x="0" y="0"/>
+          <a:ext cx="0" cy="0"/>
+          <a:chOff x="0" y="0"/>
+          <a:chExt cx="0" cy="0"/>
+        </a:xfrm>
+      </p:grpSpPr>
+      <p:sp>
+        <p:nvSpPr>
+          <p:cNvPr id="2" name="Slide Image Placeholder 1"/>
+          <p:cNvSpPr>
+            <a:spLocks noGrp="1" noRot="1" noChangeAspect="1"/>
+          </p:cNvSpPr>
+          <p:nvPr>
+            <p:ph type="sldImg"/>
+          </p:nvPr>
+        </p:nvSpPr>
+        <p:spPr/>
+      </p:sp>
+      <p:sp>
+        <p:nvSpPr>
+          <p:cNvPr id="3" name="Notes Placeholder 2"/>
+          <p:cNvSpPr>
+            <a:spLocks noGrp="1"/>
+          </p:cNvSpPr>
+          <p:nvPr>
+            <p:ph type="body" idx="1"/>
+          </p:nvPr>
+        </p:nvSpPr>
+        <p:spPr/>
+        <p:txBody>
+          <a:bodyPr/>
+          <a:lstStyle/>
+          <a:p>
+            <a:r>
+              <a:rPr lang="en-US" dirty="0"/>
+              <a:t>Tasks are organized based on functionalities  (the different pages, customer controls, manager controls)</a:t>
+            </a:r>
+          </a:p>
+          <a:p>
+            <a:endParaRPr lang="en-US" dirty="0"/>
+          </a:p>
+          <a:p>
+            <a:endParaRPr lang="en-US" dirty="0"/>
+          </a:p>
+        </p:txBody>
+      </p:sp>
+      <p:sp>
+        <p:nvSpPr>
+          <p:cNvPr id="4" name="Slide Number Placeholder 3"/>
+          <p:cNvSpPr>
+            <a:spLocks noGrp="1"/>
+          </p:cNvSpPr>
+          <p:nvPr>
+            <p:ph type="sldNum" sz="quarter" idx="5"/>
+          </p:nvPr>
+        </p:nvSpPr>
+        <p:spPr/>
+        <p:txBody>
+          <a:bodyPr/>
+          <a:lstStyle/>
+          <a:p>
+            <a:fld id="{AD221FBB-2E6F-254F-B5D4-FA154ECC3022}" type="slidenum">
+              <a:rPr lang="en-US" smtClean="0"/>
+              <a:t>19</a:t>
+            </a:fld>
+            <a:endParaRPr lang="en-US"/>
+          </a:p>
+        </p:txBody>
+      </p:sp>
+    </p:spTree>
+    <p:extLst>
+      <p:ext uri="{BB962C8B-B14F-4D97-AF65-F5344CB8AC3E}">
+        <p14:creationId xmlns:p14="http://schemas.microsoft.com/office/powerpoint/2010/main" val="2554215949"/>
+      </p:ext>
+    </p:extLst>
+  </p:cSld>
+  <p:clrMapOvr>
+    <a:masterClrMapping/>
+  </p:clrMapOvr>
+</p:notes>
+</file>
+
+<file path=ppt/notesSlides/notesSlide15.xml><?xml version="1.0" encoding="utf-8"?>
+<p:notes xmlns:a="http://schemas.openxmlformats.org/drawingml/2006/main" xmlns:r="http://schemas.openxmlformats.org/officeDocument/2006/relationships" xmlns:p="http://schemas.openxmlformats.org/presentationml/2006/main">
+  <p:cSld>
+    <p:spTree>
+      <p:nvGrpSpPr>
+        <p:cNvPr id="1" name=""/>
+        <p:cNvGrpSpPr/>
+        <p:nvPr/>
+      </p:nvGrpSpPr>
+      <p:grpSpPr>
+        <a:xfrm>
+          <a:off x="0" y="0"/>
+          <a:ext cx="0" cy="0"/>
+          <a:chOff x="0" y="0"/>
+          <a:chExt cx="0" cy="0"/>
+        </a:xfrm>
+      </p:grpSpPr>
+      <p:sp>
+        <p:nvSpPr>
+          <p:cNvPr id="2" name="Slide Image Placeholder 1"/>
+          <p:cNvSpPr>
+            <a:spLocks noGrp="1" noRot="1" noChangeAspect="1"/>
+          </p:cNvSpPr>
+          <p:nvPr>
+            <p:ph type="sldImg"/>
+          </p:nvPr>
+        </p:nvSpPr>
+        <p:spPr/>
+      </p:sp>
+      <p:sp>
+        <p:nvSpPr>
+          <p:cNvPr id="3" name="Notes Placeholder 2"/>
+          <p:cNvSpPr>
+            <a:spLocks noGrp="1"/>
+          </p:cNvSpPr>
+          <p:nvPr>
+            <p:ph type="body" idx="1"/>
+          </p:nvPr>
+        </p:nvSpPr>
+        <p:spPr/>
+        <p:txBody>
+          <a:bodyPr/>
+          <a:lstStyle/>
+          <a:p>
+            <a:r>
+              <a:rPr lang="en-US" dirty="0"/>
+              <a:t>Working on the SRS first allowed us to plan out what functionalities we wanted on the website.</a:t>
+            </a:r>
+          </a:p>
+        </p:txBody>
+      </p:sp>
+      <p:sp>
+        <p:nvSpPr>
+          <p:cNvPr id="4" name="Slide Number Placeholder 3"/>
+          <p:cNvSpPr>
+            <a:spLocks noGrp="1"/>
+          </p:cNvSpPr>
+          <p:nvPr>
+            <p:ph type="sldNum" sz="quarter" idx="5"/>
+          </p:nvPr>
+        </p:nvSpPr>
+        <p:spPr/>
+        <p:txBody>
+          <a:bodyPr/>
+          <a:lstStyle/>
+          <a:p>
+            <a:fld id="{AD221FBB-2E6F-254F-B5D4-FA154ECC3022}" type="slidenum">
+              <a:rPr lang="en-US" smtClean="0"/>
+              <a:t>20</a:t>
+            </a:fld>
+            <a:endParaRPr lang="en-US"/>
+          </a:p>
+        </p:txBody>
+      </p:sp>
+    </p:spTree>
+    <p:extLst>
+      <p:ext uri="{BB962C8B-B14F-4D97-AF65-F5344CB8AC3E}">
+        <p14:creationId xmlns:p14="http://schemas.microsoft.com/office/powerpoint/2010/main" val="2615083708"/>
+      </p:ext>
+    </p:extLst>
+  </p:cSld>
+  <p:clrMapOvr>
+    <a:masterClrMapping/>
+  </p:clrMapOvr>
+</p:notes>
+</file>
+
+<file path=ppt/notesSlides/notesSlide16.xml><?xml version="1.0" encoding="utf-8"?>
+<p:notes xmlns:a="http://schemas.openxmlformats.org/drawingml/2006/main" xmlns:r="http://schemas.openxmlformats.org/officeDocument/2006/relationships" xmlns:p="http://schemas.openxmlformats.org/presentationml/2006/main">
+  <p:cSld>
+    <p:spTree>
+      <p:nvGrpSpPr>
+        <p:cNvPr id="1" name=""/>
+        <p:cNvGrpSpPr/>
+        <p:nvPr/>
+      </p:nvGrpSpPr>
+      <p:grpSpPr>
+        <a:xfrm>
+          <a:off x="0" y="0"/>
+          <a:ext cx="0" cy="0"/>
+          <a:chOff x="0" y="0"/>
+          <a:chExt cx="0" cy="0"/>
+        </a:xfrm>
+      </p:grpSpPr>
+      <p:sp>
+        <p:nvSpPr>
+          <p:cNvPr id="2" name="Slide Image Placeholder 1"/>
+          <p:cNvSpPr>
+            <a:spLocks noGrp="1" noRot="1" noChangeAspect="1"/>
+          </p:cNvSpPr>
+          <p:nvPr>
+            <p:ph type="sldImg"/>
+          </p:nvPr>
+        </p:nvSpPr>
+        <p:spPr/>
+      </p:sp>
+      <p:sp>
+        <p:nvSpPr>
+          <p:cNvPr id="3" name="Notes Placeholder 2"/>
+          <p:cNvSpPr>
+            <a:spLocks noGrp="1"/>
+          </p:cNvSpPr>
+          <p:nvPr>
+            <p:ph type="body" idx="1"/>
+          </p:nvPr>
+        </p:nvSpPr>
+        <p:spPr/>
+        <p:txBody>
+          <a:bodyPr/>
+          <a:lstStyle/>
+          <a:p>
+            <a:endParaRPr lang="en-US" dirty="0"/>
+          </a:p>
+        </p:txBody>
+      </p:sp>
+      <p:sp>
+        <p:nvSpPr>
+          <p:cNvPr id="4" name="Slide Number Placeholder 3"/>
+          <p:cNvSpPr>
+            <a:spLocks noGrp="1"/>
+          </p:cNvSpPr>
+          <p:nvPr>
+            <p:ph type="sldNum" sz="quarter" idx="5"/>
+          </p:nvPr>
+        </p:nvSpPr>
+        <p:spPr/>
+        <p:txBody>
+          <a:bodyPr/>
+          <a:lstStyle/>
+          <a:p>
+            <a:fld id="{AD221FBB-2E6F-254F-B5D4-FA154ECC3022}" type="slidenum">
+              <a:rPr lang="en-US" smtClean="0"/>
+              <a:t>23</a:t>
+            </a:fld>
+            <a:endParaRPr lang="en-US"/>
+          </a:p>
+        </p:txBody>
+      </p:sp>
+    </p:spTree>
+    <p:extLst>
+      <p:ext uri="{BB962C8B-B14F-4D97-AF65-F5344CB8AC3E}">
+        <p14:creationId xmlns:p14="http://schemas.microsoft.com/office/powerpoint/2010/main" val="3821577397"/>
+      </p:ext>
+    </p:extLst>
+  </p:cSld>
+  <p:clrMapOvr>
+    <a:masterClrMapping/>
+  </p:clrMapOvr>
+</p:notes>
+</file>
+
+<file path=ppt/notesSlides/notesSlide2.xml><?xml version="1.0" encoding="utf-8"?>
+<p:notes xmlns:a="http://schemas.openxmlformats.org/drawingml/2006/main" xmlns:r="http://schemas.openxmlformats.org/officeDocument/2006/relationships" xmlns:p="http://schemas.openxmlformats.org/presentationml/2006/main">
+  <p:cSld>
+    <p:spTree>
+      <p:nvGrpSpPr>
+        <p:cNvPr id="1" name=""/>
+        <p:cNvGrpSpPr/>
+        <p:nvPr/>
+      </p:nvGrpSpPr>
+      <p:grpSpPr>
+        <a:xfrm>
+          <a:off x="0" y="0"/>
+          <a:ext cx="0" cy="0"/>
+          <a:chOff x="0" y="0"/>
+          <a:chExt cx="0" cy="0"/>
+        </a:xfrm>
+      </p:grpSpPr>
+      <p:sp>
+        <p:nvSpPr>
+          <p:cNvPr id="2" name="Slide Image Placeholder 1"/>
+          <p:cNvSpPr>
+            <a:spLocks noGrp="1" noRot="1" noChangeAspect="1"/>
+          </p:cNvSpPr>
+          <p:nvPr>
+            <p:ph type="sldImg"/>
+          </p:nvPr>
+        </p:nvSpPr>
+        <p:spPr/>
+      </p:sp>
+      <p:sp>
+        <p:nvSpPr>
+          <p:cNvPr id="3" name="Notes Placeholder 2"/>
+          <p:cNvSpPr>
+            <a:spLocks noGrp="1"/>
+          </p:cNvSpPr>
+          <p:nvPr>
+            <p:ph type="body" idx="1"/>
+          </p:nvPr>
+        </p:nvSpPr>
+        <p:spPr/>
+        <p:txBody>
+          <a:bodyPr/>
+          <a:lstStyle/>
+          <a:p>
+            <a:endParaRPr lang="en-US" dirty="0"/>
+          </a:p>
+        </p:txBody>
+      </p:sp>
+      <p:sp>
+        <p:nvSpPr>
+          <p:cNvPr id="4" name="Slide Number Placeholder 3"/>
+          <p:cNvSpPr>
+            <a:spLocks noGrp="1"/>
+          </p:cNvSpPr>
+          <p:nvPr>
+            <p:ph type="sldNum" sz="quarter" idx="5"/>
+          </p:nvPr>
+        </p:nvSpPr>
+        <p:spPr/>
+        <p:txBody>
+          <a:bodyPr/>
+          <a:lstStyle/>
+          <a:p>
+            <a:fld id="{AD221FBB-2E6F-254F-B5D4-FA154ECC3022}" type="slidenum">
+              <a:rPr lang="en-US" smtClean="0"/>
+              <a:t>4</a:t>
+            </a:fld>
+            <a:endParaRPr lang="en-US"/>
+          </a:p>
+        </p:txBody>
+      </p:sp>
+    </p:spTree>
+    <p:extLst>
+      <p:ext uri="{BB962C8B-B14F-4D97-AF65-F5344CB8AC3E}">
+        <p14:creationId xmlns:p14="http://schemas.microsoft.com/office/powerpoint/2010/main" val="4133152656"/>
+      </p:ext>
+    </p:extLst>
+  </p:cSld>
+  <p:clrMapOvr>
+    <a:masterClrMapping/>
+  </p:clrMapOvr>
+</p:notes>
+</file>
+
+<file path=ppt/notesSlides/notesSlide3.xml><?xml version="1.0" encoding="utf-8"?>
+<p:notes xmlns:a="http://schemas.openxmlformats.org/drawingml/2006/main" xmlns:r="http://schemas.openxmlformats.org/officeDocument/2006/relationships" xmlns:p="http://schemas.openxmlformats.org/presentationml/2006/main">
+  <p:cSld>
+    <p:spTree>
+      <p:nvGrpSpPr>
+        <p:cNvPr id="1" name=""/>
+        <p:cNvGrpSpPr/>
+        <p:nvPr/>
+      </p:nvGrpSpPr>
+      <p:grpSpPr>
+        <a:xfrm>
+          <a:off x="0" y="0"/>
+          <a:ext cx="0" cy="0"/>
+          <a:chOff x="0" y="0"/>
+          <a:chExt cx="0" cy="0"/>
+        </a:xfrm>
+      </p:grpSpPr>
+      <p:sp>
+        <p:nvSpPr>
+          <p:cNvPr id="2" name="Slide Image Placeholder 1"/>
+          <p:cNvSpPr>
+            <a:spLocks noGrp="1" noRot="1" noChangeAspect="1"/>
+          </p:cNvSpPr>
+          <p:nvPr>
+            <p:ph type="sldImg"/>
+          </p:nvPr>
+        </p:nvSpPr>
+        <p:spPr/>
+      </p:sp>
+      <p:sp>
+        <p:nvSpPr>
+          <p:cNvPr id="3" name="Notes Placeholder 2"/>
+          <p:cNvSpPr>
+            <a:spLocks noGrp="1"/>
+          </p:cNvSpPr>
+          <p:nvPr>
+            <p:ph type="body" idx="1"/>
+          </p:nvPr>
+        </p:nvSpPr>
+        <p:spPr/>
+        <p:txBody>
+          <a:bodyPr/>
+          <a:lstStyle/>
+          <a:p>
+            <a:endParaRPr lang="en-US" dirty="0"/>
+          </a:p>
+        </p:txBody>
+      </p:sp>
+      <p:sp>
+        <p:nvSpPr>
+          <p:cNvPr id="4" name="Slide Number Placeholder 3"/>
+          <p:cNvSpPr>
+            <a:spLocks noGrp="1"/>
+          </p:cNvSpPr>
+          <p:nvPr>
+            <p:ph type="sldNum" sz="quarter" idx="5"/>
+          </p:nvPr>
+        </p:nvSpPr>
+        <p:spPr/>
+        <p:txBody>
+          <a:bodyPr/>
+          <a:lstStyle/>
+          <a:p>
+            <a:fld id="{AD221FBB-2E6F-254F-B5D4-FA154ECC3022}" type="slidenum">
+              <a:rPr lang="en-US" smtClean="0"/>
+              <a:t>6</a:t>
+            </a:fld>
+            <a:endParaRPr lang="en-US"/>
+          </a:p>
+        </p:txBody>
+      </p:sp>
+    </p:spTree>
+    <p:extLst>
+      <p:ext uri="{BB962C8B-B14F-4D97-AF65-F5344CB8AC3E}">
+        <p14:creationId xmlns:p14="http://schemas.microsoft.com/office/powerpoint/2010/main" val="3716376523"/>
+      </p:ext>
+    </p:extLst>
+  </p:cSld>
+  <p:clrMapOvr>
+    <a:masterClrMapping/>
+  </p:clrMapOvr>
+</p:notes>
+</file>
+
+<file path=ppt/notesSlides/notesSlide4.xml><?xml version="1.0" encoding="utf-8"?>
+<p:notes xmlns:a="http://schemas.openxmlformats.org/drawingml/2006/main" xmlns:r="http://schemas.openxmlformats.org/officeDocument/2006/relationships" xmlns:p="http://schemas.openxmlformats.org/presentationml/2006/main">
+  <p:cSld>
+    <p:spTree>
+      <p:nvGrpSpPr>
+        <p:cNvPr id="1" name=""/>
+        <p:cNvGrpSpPr/>
+        <p:nvPr/>
+      </p:nvGrpSpPr>
+      <p:grpSpPr>
+        <a:xfrm>
+          <a:off x="0" y="0"/>
+          <a:ext cx="0" cy="0"/>
+          <a:chOff x="0" y="0"/>
+          <a:chExt cx="0" cy="0"/>
+        </a:xfrm>
+      </p:grpSpPr>
+      <p:sp>
+        <p:nvSpPr>
+          <p:cNvPr id="2" name="Slide Image Placeholder 1"/>
+          <p:cNvSpPr>
+            <a:spLocks noGrp="1" noRot="1" noChangeAspect="1"/>
+          </p:cNvSpPr>
+          <p:nvPr>
+            <p:ph type="sldImg"/>
+          </p:nvPr>
+        </p:nvSpPr>
+        <p:spPr/>
+      </p:sp>
+      <p:sp>
+        <p:nvSpPr>
+          <p:cNvPr id="3" name="Notes Placeholder 2"/>
+          <p:cNvSpPr>
+            <a:spLocks noGrp="1"/>
+          </p:cNvSpPr>
+          <p:nvPr>
+            <p:ph type="body" idx="1"/>
+          </p:nvPr>
+        </p:nvSpPr>
+        <p:spPr/>
+        <p:txBody>
+          <a:bodyPr/>
+          <a:lstStyle/>
+          <a:p>
+            <a:r>
+              <a:rPr lang="en-US" dirty="0"/>
+              <a:t>Create an account using desired email and password. </a:t>
+            </a:r>
+          </a:p>
+          <a:p>
+            <a:r>
+              <a:rPr lang="en-US" dirty="0"/>
+              <a:t>Password is hashed for security.</a:t>
+            </a:r>
+          </a:p>
+          <a:p>
+            <a:r>
+              <a:rPr lang="en-US" dirty="0"/>
+              <a:t>Email and password are stored for login purposes</a:t>
+            </a:r>
+          </a:p>
+          <a:p>
+            <a:endParaRPr lang="en-US" dirty="0"/>
+          </a:p>
+          <a:p>
+            <a:r>
+              <a:rPr lang="en-US" dirty="0"/>
+              <a:t>Logged in after signing up</a:t>
+            </a:r>
+          </a:p>
+          <a:p>
+            <a:r>
+              <a:rPr lang="en-US" dirty="0"/>
+              <a:t>User is brought to the account management page</a:t>
+            </a:r>
+          </a:p>
+          <a:p>
+            <a:endParaRPr lang="en-US" dirty="0"/>
+          </a:p>
+          <a:p>
+            <a:endParaRPr lang="en-US" dirty="0"/>
+          </a:p>
+        </p:txBody>
+      </p:sp>
+      <p:sp>
+        <p:nvSpPr>
+          <p:cNvPr id="4" name="Slide Number Placeholder 3"/>
+          <p:cNvSpPr>
+            <a:spLocks noGrp="1"/>
+          </p:cNvSpPr>
+          <p:nvPr>
+            <p:ph type="sldNum" sz="quarter" idx="5"/>
+          </p:nvPr>
+        </p:nvSpPr>
+        <p:spPr/>
+        <p:txBody>
+          <a:bodyPr/>
+          <a:lstStyle/>
+          <a:p>
+            <a:fld id="{AD221FBB-2E6F-254F-B5D4-FA154ECC3022}" type="slidenum">
+              <a:rPr lang="en-US" smtClean="0"/>
+              <a:t>7</a:t>
+            </a:fld>
+            <a:endParaRPr lang="en-US"/>
+          </a:p>
+        </p:txBody>
+      </p:sp>
+    </p:spTree>
+    <p:extLst>
+      <p:ext uri="{BB962C8B-B14F-4D97-AF65-F5344CB8AC3E}">
+        <p14:creationId xmlns:p14="http://schemas.microsoft.com/office/powerpoint/2010/main" val="1079305154"/>
+      </p:ext>
+    </p:extLst>
+  </p:cSld>
+  <p:clrMapOvr>
+    <a:masterClrMapping/>
+  </p:clrMapOvr>
+</p:notes>
+</file>
+
+<file path=ppt/notesSlides/notesSlide5.xml><?xml version="1.0" encoding="utf-8"?>
+<p:notes xmlns:a="http://schemas.openxmlformats.org/drawingml/2006/main" xmlns:r="http://schemas.openxmlformats.org/officeDocument/2006/relationships" xmlns:p="http://schemas.openxmlformats.org/presentationml/2006/main">
+  <p:cSld>
+    <p:spTree>
+      <p:nvGrpSpPr>
+        <p:cNvPr id="1" name=""/>
+        <p:cNvGrpSpPr/>
+        <p:nvPr/>
+      </p:nvGrpSpPr>
+      <p:grpSpPr>
+        <a:xfrm>
+          <a:off x="0" y="0"/>
+          <a:ext cx="0" cy="0"/>
+          <a:chOff x="0" y="0"/>
+          <a:chExt cx="0" cy="0"/>
+        </a:xfrm>
+      </p:grpSpPr>
+      <p:sp>
+        <p:nvSpPr>
+          <p:cNvPr id="2" name="Slide Image Placeholder 1"/>
+          <p:cNvSpPr>
+            <a:spLocks noGrp="1" noRot="1" noChangeAspect="1"/>
+          </p:cNvSpPr>
+          <p:nvPr>
+            <p:ph type="sldImg"/>
+          </p:nvPr>
+        </p:nvSpPr>
+        <p:spPr/>
+      </p:sp>
+      <p:sp>
+        <p:nvSpPr>
+          <p:cNvPr id="3" name="Notes Placeholder 2"/>
+          <p:cNvSpPr>
+            <a:spLocks noGrp="1"/>
+          </p:cNvSpPr>
+          <p:nvPr>
+            <p:ph type="body" idx="1"/>
+          </p:nvPr>
+        </p:nvSpPr>
+        <p:spPr/>
+        <p:txBody>
+          <a:bodyPr/>
+          <a:lstStyle/>
+          <a:p>
+            <a:r>
+              <a:rPr lang="en-US" dirty="0"/>
+              <a:t>After creating an account, users can login with their email and password. </a:t>
+            </a:r>
+          </a:p>
+          <a:p>
+            <a:r>
+              <a:rPr lang="en-US" dirty="0"/>
+              <a:t>After logging in, user is brought to the account management page</a:t>
+            </a:r>
+          </a:p>
+        </p:txBody>
+      </p:sp>
+      <p:sp>
+        <p:nvSpPr>
+          <p:cNvPr id="4" name="Slide Number Placeholder 3"/>
+          <p:cNvSpPr>
+            <a:spLocks noGrp="1"/>
+          </p:cNvSpPr>
+          <p:nvPr>
+            <p:ph type="sldNum" sz="quarter" idx="5"/>
+          </p:nvPr>
+        </p:nvSpPr>
+        <p:spPr/>
+        <p:txBody>
+          <a:bodyPr/>
+          <a:lstStyle/>
+          <a:p>
+            <a:fld id="{AD221FBB-2E6F-254F-B5D4-FA154ECC3022}" type="slidenum">
+              <a:rPr lang="en-US" smtClean="0"/>
+              <a:t>10</a:t>
+            </a:fld>
+            <a:endParaRPr lang="en-US"/>
+          </a:p>
+        </p:txBody>
+      </p:sp>
+    </p:spTree>
+    <p:extLst>
+      <p:ext uri="{BB962C8B-B14F-4D97-AF65-F5344CB8AC3E}">
+        <p14:creationId xmlns:p14="http://schemas.microsoft.com/office/powerpoint/2010/main" val="552195988"/>
+      </p:ext>
+    </p:extLst>
+  </p:cSld>
+  <p:clrMapOvr>
+    <a:masterClrMapping/>
+  </p:clrMapOvr>
+</p:notes>
+</file>
+
+<file path=ppt/notesSlides/notesSlide6.xml><?xml version="1.0" encoding="utf-8"?>
+<p:notes xmlns:a="http://schemas.openxmlformats.org/drawingml/2006/main" xmlns:r="http://schemas.openxmlformats.org/officeDocument/2006/relationships" xmlns:p="http://schemas.openxmlformats.org/presentationml/2006/main">
+  <p:cSld>
+    <p:spTree>
+      <p:nvGrpSpPr>
+        <p:cNvPr id="1" name=""/>
+        <p:cNvGrpSpPr/>
+        <p:nvPr/>
+      </p:nvGrpSpPr>
+      <p:grpSpPr>
+        <a:xfrm>
+          <a:off x="0" y="0"/>
+          <a:ext cx="0" cy="0"/>
+          <a:chOff x="0" y="0"/>
+          <a:chExt cx="0" cy="0"/>
+        </a:xfrm>
+      </p:grpSpPr>
+      <p:sp>
+        <p:nvSpPr>
+          <p:cNvPr id="2" name="Slide Image Placeholder 1"/>
+          <p:cNvSpPr>
+            <a:spLocks noGrp="1" noRot="1" noChangeAspect="1"/>
+          </p:cNvSpPr>
+          <p:nvPr>
+            <p:ph type="sldImg"/>
+          </p:nvPr>
+        </p:nvSpPr>
+        <p:spPr/>
+      </p:sp>
+      <p:sp>
+        <p:nvSpPr>
+          <p:cNvPr id="3" name="Notes Placeholder 2"/>
+          <p:cNvSpPr>
+            <a:spLocks noGrp="1"/>
+          </p:cNvSpPr>
+          <p:nvPr>
+            <p:ph type="body" idx="1"/>
+          </p:nvPr>
+        </p:nvSpPr>
+        <p:spPr/>
+        <p:txBody>
+          <a:bodyPr/>
+          <a:lstStyle/>
+          <a:p>
+            <a:r>
+              <a:rPr lang="en-US" dirty="0"/>
+              <a:t>Enter the email associated to the account to reset the password.</a:t>
+            </a:r>
+          </a:p>
+          <a:p>
+            <a:r>
+              <a:rPr lang="en-US" dirty="0"/>
+              <a:t>Since we cannot actually send an email, the password is set to 12345678</a:t>
+            </a:r>
+          </a:p>
+        </p:txBody>
+      </p:sp>
+      <p:sp>
+        <p:nvSpPr>
+          <p:cNvPr id="4" name="Slide Number Placeholder 3"/>
+          <p:cNvSpPr>
+            <a:spLocks noGrp="1"/>
+          </p:cNvSpPr>
+          <p:nvPr>
+            <p:ph type="sldNum" sz="quarter" idx="5"/>
+          </p:nvPr>
+        </p:nvSpPr>
+        <p:spPr/>
+        <p:txBody>
+          <a:bodyPr/>
+          <a:lstStyle/>
+          <a:p>
+            <a:fld id="{AD221FBB-2E6F-254F-B5D4-FA154ECC3022}" type="slidenum">
+              <a:rPr lang="en-US" smtClean="0"/>
+              <a:t>11</a:t>
+            </a:fld>
+            <a:endParaRPr lang="en-US"/>
+          </a:p>
+        </p:txBody>
+      </p:sp>
+    </p:spTree>
+    <p:extLst>
+      <p:ext uri="{BB962C8B-B14F-4D97-AF65-F5344CB8AC3E}">
+        <p14:creationId xmlns:p14="http://schemas.microsoft.com/office/powerpoint/2010/main" val="1014321777"/>
+      </p:ext>
+    </p:extLst>
+  </p:cSld>
+  <p:clrMapOvr>
+    <a:masterClrMapping/>
+  </p:clrMapOvr>
+</p:notes>
+</file>
+
+<file path=ppt/notesSlides/notesSlide7.xml><?xml version="1.0" encoding="utf-8"?>
+<p:notes xmlns:a="http://schemas.openxmlformats.org/drawingml/2006/main" xmlns:r="http://schemas.openxmlformats.org/officeDocument/2006/relationships" xmlns:p="http://schemas.openxmlformats.org/presentationml/2006/main">
+  <p:cSld>
+    <p:spTree>
+      <p:nvGrpSpPr>
+        <p:cNvPr id="1" name=""/>
+        <p:cNvGrpSpPr/>
+        <p:nvPr/>
+      </p:nvGrpSpPr>
+      <p:grpSpPr>
+        <a:xfrm>
+          <a:off x="0" y="0"/>
+          <a:ext cx="0" cy="0"/>
+          <a:chOff x="0" y="0"/>
+          <a:chExt cx="0" cy="0"/>
+        </a:xfrm>
+      </p:grpSpPr>
+      <p:sp>
+        <p:nvSpPr>
+          <p:cNvPr id="2" name="Slide Image Placeholder 1"/>
+          <p:cNvSpPr>
+            <a:spLocks noGrp="1" noRot="1" noChangeAspect="1"/>
+          </p:cNvSpPr>
+          <p:nvPr>
+            <p:ph type="sldImg"/>
+          </p:nvPr>
+        </p:nvSpPr>
+        <p:spPr/>
+      </p:sp>
+      <p:sp>
+        <p:nvSpPr>
+          <p:cNvPr id="3" name="Notes Placeholder 2"/>
+          <p:cNvSpPr>
+            <a:spLocks noGrp="1"/>
+          </p:cNvSpPr>
+          <p:nvPr>
+            <p:ph type="body" idx="1"/>
+          </p:nvPr>
+        </p:nvSpPr>
+        <p:spPr/>
+        <p:txBody>
+          <a:bodyPr/>
+          <a:lstStyle/>
+          <a:p>
+            <a:r>
+              <a:rPr lang="en-US" dirty="0"/>
+              <a:t>Features six categories each with four items and a category </a:t>
+            </a:r>
+            <a:r>
+              <a:rPr lang="en-US"/>
+              <a:t>for drinks</a:t>
+            </a:r>
+            <a:endParaRPr lang="en-US" dirty="0"/>
+          </a:p>
+          <a:p>
+            <a:endParaRPr lang="en-US" dirty="0"/>
+          </a:p>
+          <a:p>
+            <a:r>
+              <a:rPr lang="en-US" dirty="0"/>
+              <a:t>Each item features an image for an idea of what the food looks like</a:t>
+            </a:r>
+          </a:p>
+          <a:p>
+            <a:endParaRPr lang="en-US" dirty="0"/>
+          </a:p>
+          <a:p>
+            <a:r>
+              <a:rPr lang="en-US" dirty="0"/>
+              <a:t>Customer can customize toppings before adding the item to the cart</a:t>
+            </a:r>
+          </a:p>
+          <a:p>
+            <a:endParaRPr lang="en-US" dirty="0"/>
+          </a:p>
+          <a:p>
+            <a:endParaRPr lang="en-US" dirty="0"/>
+          </a:p>
+        </p:txBody>
+      </p:sp>
+      <p:sp>
+        <p:nvSpPr>
+          <p:cNvPr id="4" name="Slide Number Placeholder 3"/>
+          <p:cNvSpPr>
+            <a:spLocks noGrp="1"/>
+          </p:cNvSpPr>
+          <p:nvPr>
+            <p:ph type="sldNum" sz="quarter" idx="5"/>
+          </p:nvPr>
+        </p:nvSpPr>
+        <p:spPr/>
+        <p:txBody>
+          <a:bodyPr/>
+          <a:lstStyle/>
+          <a:p>
+            <a:fld id="{AD221FBB-2E6F-254F-B5D4-FA154ECC3022}" type="slidenum">
+              <a:rPr lang="en-US" smtClean="0"/>
+              <a:t>12</a:t>
+            </a:fld>
+            <a:endParaRPr lang="en-US"/>
+          </a:p>
+        </p:txBody>
+      </p:sp>
+    </p:spTree>
+    <p:extLst>
+      <p:ext uri="{BB962C8B-B14F-4D97-AF65-F5344CB8AC3E}">
+        <p14:creationId xmlns:p14="http://schemas.microsoft.com/office/powerpoint/2010/main" val="2956636777"/>
+      </p:ext>
+    </p:extLst>
+  </p:cSld>
+  <p:clrMapOvr>
+    <a:masterClrMapping/>
+  </p:clrMapOvr>
+</p:notes>
+</file>
+
+<file path=ppt/notesSlides/notesSlide8.xml><?xml version="1.0" encoding="utf-8"?>
+<p:notes xmlns:a="http://schemas.openxmlformats.org/drawingml/2006/main" xmlns:r="http://schemas.openxmlformats.org/officeDocument/2006/relationships" xmlns:p="http://schemas.openxmlformats.org/presentationml/2006/main">
+  <p:cSld>
+    <p:spTree>
+      <p:nvGrpSpPr>
+        <p:cNvPr id="1" name=""/>
+        <p:cNvGrpSpPr/>
+        <p:nvPr/>
+      </p:nvGrpSpPr>
+      <p:grpSpPr>
+        <a:xfrm>
+          <a:off x="0" y="0"/>
+          <a:ext cx="0" cy="0"/>
+          <a:chOff x="0" y="0"/>
+          <a:chExt cx="0" cy="0"/>
+        </a:xfrm>
+      </p:grpSpPr>
+      <p:sp>
+        <p:nvSpPr>
+          <p:cNvPr id="2" name="Slide Image Placeholder 1"/>
+          <p:cNvSpPr>
+            <a:spLocks noGrp="1" noRot="1" noChangeAspect="1"/>
+          </p:cNvSpPr>
+          <p:nvPr>
+            <p:ph type="sldImg"/>
+          </p:nvPr>
+        </p:nvSpPr>
+        <p:spPr/>
+      </p:sp>
+      <p:sp>
+        <p:nvSpPr>
+          <p:cNvPr id="3" name="Notes Placeholder 2"/>
+          <p:cNvSpPr>
+            <a:spLocks noGrp="1"/>
+          </p:cNvSpPr>
+          <p:nvPr>
+            <p:ph type="body" idx="1"/>
+          </p:nvPr>
+        </p:nvSpPr>
+        <p:spPr/>
+        <p:txBody>
+          <a:bodyPr/>
+          <a:lstStyle/>
+          <a:p>
+            <a:endParaRPr lang="en-US" dirty="0"/>
+          </a:p>
+        </p:txBody>
+      </p:sp>
+      <p:sp>
+        <p:nvSpPr>
+          <p:cNvPr id="4" name="Slide Number Placeholder 3"/>
+          <p:cNvSpPr>
+            <a:spLocks noGrp="1"/>
+          </p:cNvSpPr>
+          <p:nvPr>
+            <p:ph type="sldNum" sz="quarter" idx="5"/>
+          </p:nvPr>
+        </p:nvSpPr>
+        <p:spPr/>
+        <p:txBody>
+          <a:bodyPr/>
+          <a:lstStyle/>
+          <a:p>
+            <a:fld id="{AD221FBB-2E6F-254F-B5D4-FA154ECC3022}" type="slidenum">
+              <a:rPr lang="en-US" smtClean="0"/>
+              <a:t>13</a:t>
+            </a:fld>
+            <a:endParaRPr lang="en-US"/>
+          </a:p>
+        </p:txBody>
+      </p:sp>
+    </p:spTree>
+    <p:extLst>
+      <p:ext uri="{BB962C8B-B14F-4D97-AF65-F5344CB8AC3E}">
+        <p14:creationId xmlns:p14="http://schemas.microsoft.com/office/powerpoint/2010/main" val="4102974692"/>
+      </p:ext>
+    </p:extLst>
+  </p:cSld>
+  <p:clrMapOvr>
+    <a:masterClrMapping/>
+  </p:clrMapOvr>
+</p:notes>
+</file>
+
+<file path=ppt/notesSlides/notesSlide9.xml><?xml version="1.0" encoding="utf-8"?>
+<p:notes xmlns:a="http://schemas.openxmlformats.org/drawingml/2006/main" xmlns:r="http://schemas.openxmlformats.org/officeDocument/2006/relationships" xmlns:p="http://schemas.openxmlformats.org/presentationml/2006/main">
+  <p:cSld>
+    <p:spTree>
+      <p:nvGrpSpPr>
+        <p:cNvPr id="1" name=""/>
+        <p:cNvGrpSpPr/>
+        <p:nvPr/>
+      </p:nvGrpSpPr>
+      <p:grpSpPr>
+        <a:xfrm>
+          <a:off x="0" y="0"/>
+          <a:ext cx="0" cy="0"/>
+          <a:chOff x="0" y="0"/>
+          <a:chExt cx="0" cy="0"/>
+        </a:xfrm>
+      </p:grpSpPr>
+      <p:sp>
+        <p:nvSpPr>
+          <p:cNvPr id="2" name="Slide Image Placeholder 1"/>
+          <p:cNvSpPr>
+            <a:spLocks noGrp="1" noRot="1" noChangeAspect="1"/>
+          </p:cNvSpPr>
+          <p:nvPr>
+            <p:ph type="sldImg"/>
+          </p:nvPr>
+        </p:nvSpPr>
+        <p:spPr/>
+      </p:sp>
+      <p:sp>
+        <p:nvSpPr>
+          <p:cNvPr id="3" name="Notes Placeholder 2"/>
+          <p:cNvSpPr>
+            <a:spLocks noGrp="1"/>
+          </p:cNvSpPr>
+          <p:nvPr>
+            <p:ph type="body" idx="1"/>
+          </p:nvPr>
+        </p:nvSpPr>
+        <p:spPr/>
+        <p:txBody>
+          <a:bodyPr/>
+          <a:lstStyle/>
+          <a:p>
+            <a:r>
+              <a:rPr lang="en-US" dirty="0"/>
+              <a:t>Cart order review section displays the item, toppings, quantity, and price of each item</a:t>
+            </a:r>
+          </a:p>
+          <a:p>
+            <a:endParaRPr lang="en-US" dirty="0"/>
+          </a:p>
+          <a:p>
+            <a:pPr marL="0" marR="0" lvl="0" indent="0" algn="l" defTabSz="914400" rtl="0" eaLnBrk="1" fontAlgn="auto" latinLnBrk="0" hangingPunct="1">
+              <a:lnSpc>
+                <a:spcPct val="100000"/>
+              </a:lnSpc>
+              <a:spcBef>
+                <a:spcPts val="0"/>
+              </a:spcBef>
+              <a:spcAft>
+                <a:spcPts val="0"/>
+              </a:spcAft>
+              <a:buClrTx/>
+              <a:buSzTx/>
+              <a:buFontTx/>
+              <a:buNone/>
+              <a:tabLst/>
+              <a:defRPr/>
+            </a:pPr>
+            <a:r>
+              <a:rPr lang="en-US" dirty="0"/>
+              <a:t>Customer can directly increase the quantity of the item and remove the item </a:t>
+            </a:r>
+          </a:p>
+          <a:p>
+            <a:endParaRPr lang="en-US" dirty="0"/>
+          </a:p>
+          <a:p>
+            <a:r>
+              <a:rPr lang="en-US" dirty="0"/>
+              <a:t>Cart displays the subtotal, tax, and total of the order along with a tips section</a:t>
+            </a:r>
+          </a:p>
+          <a:p>
+            <a:endParaRPr lang="en-US" dirty="0"/>
+          </a:p>
+          <a:p>
+            <a:r>
+              <a:rPr lang="en-US" dirty="0"/>
+              <a:t>After reviewing the order, customer can choose a payment method and be redirected to a payment page depending on which payment method was chosen</a:t>
+            </a:r>
+          </a:p>
+          <a:p>
+            <a:endParaRPr lang="en-US" dirty="0"/>
+          </a:p>
+          <a:p>
+            <a:endParaRPr lang="en-US" dirty="0"/>
+          </a:p>
+        </p:txBody>
+      </p:sp>
+      <p:sp>
+        <p:nvSpPr>
+          <p:cNvPr id="4" name="Slide Number Placeholder 3"/>
+          <p:cNvSpPr>
+            <a:spLocks noGrp="1"/>
+          </p:cNvSpPr>
+          <p:nvPr>
+            <p:ph type="sldNum" sz="quarter" idx="5"/>
+          </p:nvPr>
+        </p:nvSpPr>
+        <p:spPr/>
+        <p:txBody>
+          <a:bodyPr/>
+          <a:lstStyle/>
+          <a:p>
+            <a:fld id="{AD221FBB-2E6F-254F-B5D4-FA154ECC3022}" type="slidenum">
+              <a:rPr lang="en-US" smtClean="0"/>
+              <a:t>14</a:t>
+            </a:fld>
+            <a:endParaRPr lang="en-US"/>
+          </a:p>
+        </p:txBody>
+      </p:sp>
+    </p:spTree>
+    <p:extLst>
+      <p:ext uri="{BB962C8B-B14F-4D97-AF65-F5344CB8AC3E}">
+        <p14:creationId xmlns:p14="http://schemas.microsoft.com/office/powerpoint/2010/main" val="2412514446"/>
+      </p:ext>
+    </p:extLst>
+  </p:cSld>
+  <p:clrMapOvr>
+    <a:masterClrMapping/>
+  </p:clrMapOvr>
+</p:notes>
+</file>
+
 <file path=ppt/slideLayouts/slideLayout1.xml><?xml version="1.0" encoding="utf-8"?>
 <p:sldLayout xmlns:a="http://schemas.openxmlformats.org/drawingml/2006/main" xmlns:r="http://schemas.openxmlformats.org/officeDocument/2006/relationships" xmlns:p="http://schemas.openxmlformats.org/presentationml/2006/main" showMasterSp="0" type="title" preserve="1">
   <p:cSld name="Title Slide">
@@ -583,7 +2495,7 @@
           <a:p>
             <a:fld id="{BC4587F7-04BE-46DF-87D2-3845E55D4719}" type="datetimeFigureOut">
               <a:rPr lang="en-US" smtClean="0"/>
-              <a:t>12/6/2023</a:t>
+              <a:t>12/11/23</a:t>
             </a:fld>
             <a:endParaRPr lang="en-US"/>
           </a:p>
@@ -1671,7 +3583,7 @@
           <a:p>
             <a:fld id="{BC4587F7-04BE-46DF-87D2-3845E55D4719}" type="datetimeFigureOut">
               <a:rPr lang="en-US" smtClean="0"/>
-              <a:t>12/6/2023</a:t>
+              <a:t>12/11/23</a:t>
             </a:fld>
             <a:endParaRPr lang="en-US"/>
           </a:p>
@@ -2651,7 +4563,7 @@
           <a:p>
             <a:fld id="{BC4587F7-04BE-46DF-87D2-3845E55D4719}" type="datetimeFigureOut">
               <a:rPr lang="en-US" smtClean="0"/>
-              <a:t>12/6/2023</a:t>
+              <a:t>12/11/23</a:t>
             </a:fld>
             <a:endParaRPr lang="en-US"/>
           </a:p>
@@ -3785,7 +5697,7 @@
           <a:p>
             <a:fld id="{BC4587F7-04BE-46DF-87D2-3845E55D4719}" type="datetimeFigureOut">
               <a:rPr lang="en-US" smtClean="0"/>
-              <a:t>12/6/2023</a:t>
+              <a:t>12/11/23</a:t>
             </a:fld>
             <a:endParaRPr lang="en-US"/>
           </a:p>
@@ -4818,7 +6730,7 @@
           <a:p>
             <a:fld id="{BC4587F7-04BE-46DF-87D2-3845E55D4719}" type="datetimeFigureOut">
               <a:rPr lang="en-US" smtClean="0"/>
-              <a:t>12/6/2023</a:t>
+              <a:t>12/11/23</a:t>
             </a:fld>
             <a:endParaRPr lang="en-US"/>
           </a:p>
@@ -5478,7 +7390,7 @@
           <a:p>
             <a:fld id="{BC4587F7-04BE-46DF-87D2-3845E55D4719}" type="datetimeFigureOut">
               <a:rPr lang="en-US" smtClean="0"/>
-              <a:t>12/6/2023</a:t>
+              <a:t>12/11/23</a:t>
             </a:fld>
             <a:endParaRPr lang="en-US"/>
           </a:p>
@@ -6339,7 +8251,7 @@
           <a:p>
             <a:fld id="{BC4587F7-04BE-46DF-87D2-3845E55D4719}" type="datetimeFigureOut">
               <a:rPr lang="en-US" smtClean="0"/>
-              <a:t>12/6/2023</a:t>
+              <a:t>12/11/23</a:t>
             </a:fld>
             <a:endParaRPr lang="en-US"/>
           </a:p>
@@ -6529,7 +8441,7 @@
           <a:p>
             <a:fld id="{BC4587F7-04BE-46DF-87D2-3845E55D4719}" type="datetimeFigureOut">
               <a:rPr lang="en-US" smtClean="0"/>
-              <a:t>12/6/2023</a:t>
+              <a:t>12/11/23</a:t>
             </a:fld>
             <a:endParaRPr lang="en-US"/>
           </a:p>
@@ -7501,7 +9413,7 @@
           <a:p>
             <a:fld id="{BC4587F7-04BE-46DF-87D2-3845E55D4719}" type="datetimeFigureOut">
               <a:rPr lang="en-US" smtClean="0"/>
-              <a:t>12/6/2023</a:t>
+              <a:t>12/11/23</a:t>
             </a:fld>
             <a:endParaRPr lang="en-US"/>
           </a:p>
@@ -7712,7 +9624,7 @@
           <a:p>
             <a:fld id="{BC4587F7-04BE-46DF-87D2-3845E55D4719}" type="datetimeFigureOut">
               <a:rPr lang="en-US" smtClean="0"/>
-              <a:t>12/6/2023</a:t>
+              <a:t>12/11/23</a:t>
             </a:fld>
             <a:endParaRPr lang="en-US"/>
           </a:p>
@@ -8746,7 +10658,7 @@
           <a:p>
             <a:fld id="{BC4587F7-04BE-46DF-87D2-3845E55D4719}" type="datetimeFigureOut">
               <a:rPr lang="en-US" smtClean="0"/>
-              <a:t>12/6/2023</a:t>
+              <a:t>12/11/23</a:t>
             </a:fld>
             <a:endParaRPr lang="en-US"/>
           </a:p>
@@ -9018,7 +10930,7 @@
           <a:p>
             <a:fld id="{BC4587F7-04BE-46DF-87D2-3845E55D4719}" type="datetimeFigureOut">
               <a:rPr lang="en-US" smtClean="0"/>
-              <a:t>12/6/2023</a:t>
+              <a:t>12/11/23</a:t>
             </a:fld>
             <a:endParaRPr lang="en-US"/>
           </a:p>
@@ -9428,7 +11340,7 @@
           <a:p>
             <a:fld id="{BC4587F7-04BE-46DF-87D2-3845E55D4719}" type="datetimeFigureOut">
               <a:rPr lang="en-US" smtClean="0"/>
-              <a:t>12/6/2023</a:t>
+              <a:t>12/11/23</a:t>
             </a:fld>
             <a:endParaRPr lang="en-US"/>
           </a:p>
@@ -9555,7 +11467,7 @@
           <a:p>
             <a:fld id="{BC4587F7-04BE-46DF-87D2-3845E55D4719}" type="datetimeFigureOut">
               <a:rPr lang="en-US" smtClean="0"/>
-              <a:t>12/6/2023</a:t>
+              <a:t>12/11/23</a:t>
             </a:fld>
             <a:endParaRPr lang="en-US"/>
           </a:p>
@@ -9650,7 +11562,7 @@
           <a:p>
             <a:fld id="{BC4587F7-04BE-46DF-87D2-3845E55D4719}" type="datetimeFigureOut">
               <a:rPr lang="en-US" smtClean="0"/>
-              <a:t>12/6/2023</a:t>
+              <a:t>12/11/23</a:t>
             </a:fld>
             <a:endParaRPr lang="en-US"/>
           </a:p>
@@ -10731,7 +12643,7 @@
           <a:p>
             <a:fld id="{BC4587F7-04BE-46DF-87D2-3845E55D4719}" type="datetimeFigureOut">
               <a:rPr lang="en-US" smtClean="0"/>
-              <a:t>12/6/2023</a:t>
+              <a:t>12/11/23</a:t>
             </a:fld>
             <a:endParaRPr lang="en-US"/>
           </a:p>
@@ -11839,7 +13751,7 @@
           <a:p>
             <a:fld id="{BC4587F7-04BE-46DF-87D2-3845E55D4719}" type="datetimeFigureOut">
               <a:rPr lang="en-US" smtClean="0"/>
-              <a:t>12/6/2023</a:t>
+              <a:t>12/11/23</a:t>
             </a:fld>
             <a:endParaRPr lang="en-US"/>
           </a:p>
@@ -12836,7 +14748,7 @@
           <a:p>
             <a:fld id="{BC4587F7-04BE-46DF-87D2-3845E55D4719}" type="datetimeFigureOut">
               <a:rPr lang="en-US" smtClean="0"/>
-              <a:t>12/6/2023</a:t>
+              <a:t>12/11/23</a:t>
             </a:fld>
             <a:endParaRPr lang="en-US"/>
           </a:p>
@@ -13411,13 +15323,18 @@
             <p:ph type="ctrTitle"/>
           </p:nvPr>
         </p:nvSpPr>
-        <p:spPr/>
+        <p:spPr>
+          <a:xfrm>
+            <a:off x="1154955" y="3915961"/>
+            <a:ext cx="8825658" cy="861420"/>
+          </a:xfrm>
+        </p:spPr>
         <p:txBody>
           <a:bodyPr/>
           <a:lstStyle/>
           <a:p>
             <a:r>
-              <a:rPr lang="en-US" dirty="0"/>
+              <a:rPr lang="en-US" sz="4400" dirty="0"/>
               <a:t>Eclectic Eats Haven</a:t>
             </a:r>
           </a:p>
@@ -13462,10 +15379,1290 @@
           </a:p>
         </p:txBody>
       </p:sp>
+      <p:sp>
+        <p:nvSpPr>
+          <p:cNvPr id="5" name="TextBox 4">
+            <a:extLst>
+              <a:ext uri="{FF2B5EF4-FFF2-40B4-BE49-F238E27FC236}">
+                <a16:creationId xmlns:a16="http://schemas.microsoft.com/office/drawing/2014/main" id="{7324B4F5-EE2E-4A37-E64A-58182D4D74D2}"/>
+              </a:ext>
+            </a:extLst>
+          </p:cNvPr>
+          <p:cNvSpPr txBox="1"/>
+          <p:nvPr/>
+        </p:nvSpPr>
+        <p:spPr>
+          <a:xfrm>
+            <a:off x="2308745" y="685800"/>
+            <a:ext cx="7574509" cy="2427268"/>
+          </a:xfrm>
+          <a:prstGeom prst="rect">
+            <a:avLst/>
+          </a:prstGeom>
+          <a:noFill/>
+        </p:spPr>
+        <p:txBody>
+          <a:bodyPr wrap="none" rtlCol="0">
+            <a:spAutoFit/>
+          </a:bodyPr>
+          <a:lstStyle/>
+          <a:p>
+            <a:pPr algn="ctr">
+              <a:lnSpc>
+                <a:spcPct val="150000"/>
+              </a:lnSpc>
+            </a:pPr>
+            <a:r>
+              <a:rPr lang="en-US" sz="5400" dirty="0">
+                <a:ln>
+                  <a:solidFill>
+                    <a:schemeClr val="bg1">
+                      <a:lumMod val="95000"/>
+                    </a:schemeClr>
+                  </a:solidFill>
+                </a:ln>
+                <a:solidFill>
+                  <a:schemeClr val="bg1"/>
+                </a:solidFill>
+                <a:latin typeface="+mj-lt"/>
+              </a:rPr>
+              <a:t>CSET 120</a:t>
+            </a:r>
+          </a:p>
+          <a:p>
+            <a:pPr algn="ctr">
+              <a:lnSpc>
+                <a:spcPct val="150000"/>
+              </a:lnSpc>
+            </a:pPr>
+            <a:r>
+              <a:rPr lang="en-US" sz="5400" dirty="0">
+                <a:ln>
+                  <a:solidFill>
+                    <a:schemeClr val="bg1">
+                      <a:lumMod val="95000"/>
+                    </a:schemeClr>
+                  </a:solidFill>
+                </a:ln>
+                <a:solidFill>
+                  <a:schemeClr val="bg1"/>
+                </a:solidFill>
+                <a:latin typeface="+mj-lt"/>
+              </a:rPr>
+              <a:t>Final Project– Fall 2023</a:t>
+            </a:r>
+          </a:p>
+        </p:txBody>
+      </p:sp>
     </p:spTree>
     <p:extLst>
       <p:ext uri="{BB962C8B-B14F-4D97-AF65-F5344CB8AC3E}">
         <p14:creationId xmlns:p14="http://schemas.microsoft.com/office/powerpoint/2010/main" val="1372001090"/>
+      </p:ext>
+    </p:extLst>
+  </p:cSld>
+  <p:clrMapOvr>
+    <a:masterClrMapping/>
+  </p:clrMapOvr>
+</p:sld>
+</file>
+
+<file path=ppt/slides/slide10.xml><?xml version="1.0" encoding="utf-8"?>
+<p:sld xmlns:a="http://schemas.openxmlformats.org/drawingml/2006/main" xmlns:r="http://schemas.openxmlformats.org/officeDocument/2006/relationships" xmlns:p="http://schemas.openxmlformats.org/presentationml/2006/main">
+  <p:cSld>
+    <p:spTree>
+      <p:nvGrpSpPr>
+        <p:cNvPr id="1" name=""/>
+        <p:cNvGrpSpPr/>
+        <p:nvPr/>
+      </p:nvGrpSpPr>
+      <p:grpSpPr>
+        <a:xfrm>
+          <a:off x="0" y="0"/>
+          <a:ext cx="0" cy="0"/>
+          <a:chOff x="0" y="0"/>
+          <a:chExt cx="0" cy="0"/>
+        </a:xfrm>
+      </p:grpSpPr>
+      <p:sp>
+        <p:nvSpPr>
+          <p:cNvPr id="2" name="Title 1">
+            <a:extLst>
+              <a:ext uri="{FF2B5EF4-FFF2-40B4-BE49-F238E27FC236}">
+                <a16:creationId xmlns:a16="http://schemas.microsoft.com/office/drawing/2014/main" id="{4C051C3A-7FF0-9818-CCA9-E3007E67436A}"/>
+              </a:ext>
+            </a:extLst>
+          </p:cNvPr>
+          <p:cNvSpPr>
+            <a:spLocks noGrp="1"/>
+          </p:cNvSpPr>
+          <p:nvPr>
+            <p:ph type="title"/>
+          </p:nvPr>
+        </p:nvSpPr>
+        <p:spPr/>
+        <p:txBody>
+          <a:bodyPr/>
+          <a:lstStyle/>
+          <a:p>
+            <a:r>
+              <a:rPr lang="en-US" sz="3600" b="1" dirty="0">
+                <a:effectLst/>
+                <a:latin typeface="Calibri" panose="020F0502020204030204" pitchFamily="34" charset="0"/>
+                <a:ea typeface="Calibri" panose="020F0502020204030204" pitchFamily="34" charset="0"/>
+                <a:cs typeface="Times New Roman" panose="02020603050405020304" pitchFamily="18" charset="0"/>
+              </a:rPr>
+              <a:t>User Authentication Module (cont.)</a:t>
+            </a:r>
+            <a:endParaRPr lang="en-US" dirty="0"/>
+          </a:p>
+        </p:txBody>
+      </p:sp>
+      <p:sp>
+        <p:nvSpPr>
+          <p:cNvPr id="4" name="TextBox 3">
+            <a:extLst>
+              <a:ext uri="{FF2B5EF4-FFF2-40B4-BE49-F238E27FC236}">
+                <a16:creationId xmlns:a16="http://schemas.microsoft.com/office/drawing/2014/main" id="{DF14A66F-A75C-D886-EFA0-8A8AE63EDADA}"/>
+              </a:ext>
+            </a:extLst>
+          </p:cNvPr>
+          <p:cNvSpPr txBox="1"/>
+          <p:nvPr/>
+        </p:nvSpPr>
+        <p:spPr>
+          <a:xfrm>
+            <a:off x="1154954" y="1588068"/>
+            <a:ext cx="4746812" cy="369332"/>
+          </a:xfrm>
+          <a:prstGeom prst="rect">
+            <a:avLst/>
+          </a:prstGeom>
+          <a:noFill/>
+        </p:spPr>
+        <p:txBody>
+          <a:bodyPr wrap="none" rtlCol="0">
+            <a:spAutoFit/>
+          </a:bodyPr>
+          <a:lstStyle/>
+          <a:p>
+            <a:r>
+              <a:rPr lang="en-US" dirty="0">
+                <a:solidFill>
+                  <a:schemeClr val="bg1"/>
+                </a:solidFill>
+              </a:rPr>
+              <a:t>Login page for customers and managers</a:t>
+            </a:r>
+          </a:p>
+        </p:txBody>
+      </p:sp>
+      <p:sp>
+        <p:nvSpPr>
+          <p:cNvPr id="6" name="Content Placeholder 5">
+            <a:extLst>
+              <a:ext uri="{FF2B5EF4-FFF2-40B4-BE49-F238E27FC236}">
+                <a16:creationId xmlns:a16="http://schemas.microsoft.com/office/drawing/2014/main" id="{2FC6D108-A2EF-3E65-F0A7-081FD7B3ECFD}"/>
+              </a:ext>
+            </a:extLst>
+          </p:cNvPr>
+          <p:cNvSpPr>
+            <a:spLocks noGrp="1"/>
+          </p:cNvSpPr>
+          <p:nvPr>
+            <p:ph idx="1"/>
+          </p:nvPr>
+        </p:nvSpPr>
+        <p:spPr/>
+        <p:txBody>
+          <a:bodyPr/>
+          <a:lstStyle/>
+          <a:p>
+            <a:endParaRPr lang="en-US"/>
+          </a:p>
+        </p:txBody>
+      </p:sp>
+    </p:spTree>
+    <p:extLst>
+      <p:ext uri="{BB962C8B-B14F-4D97-AF65-F5344CB8AC3E}">
+        <p14:creationId xmlns:p14="http://schemas.microsoft.com/office/powerpoint/2010/main" val="2156406733"/>
+      </p:ext>
+    </p:extLst>
+  </p:cSld>
+  <p:clrMapOvr>
+    <a:masterClrMapping/>
+  </p:clrMapOvr>
+</p:sld>
+</file>
+
+<file path=ppt/slides/slide11.xml><?xml version="1.0" encoding="utf-8"?>
+<p:sld xmlns:a="http://schemas.openxmlformats.org/drawingml/2006/main" xmlns:r="http://schemas.openxmlformats.org/officeDocument/2006/relationships" xmlns:p="http://schemas.openxmlformats.org/presentationml/2006/main">
+  <p:cSld>
+    <p:spTree>
+      <p:nvGrpSpPr>
+        <p:cNvPr id="1" name=""/>
+        <p:cNvGrpSpPr/>
+        <p:nvPr/>
+      </p:nvGrpSpPr>
+      <p:grpSpPr>
+        <a:xfrm>
+          <a:off x="0" y="0"/>
+          <a:ext cx="0" cy="0"/>
+          <a:chOff x="0" y="0"/>
+          <a:chExt cx="0" cy="0"/>
+        </a:xfrm>
+      </p:grpSpPr>
+      <p:sp>
+        <p:nvSpPr>
+          <p:cNvPr id="2" name="Title 1">
+            <a:extLst>
+              <a:ext uri="{FF2B5EF4-FFF2-40B4-BE49-F238E27FC236}">
+                <a16:creationId xmlns:a16="http://schemas.microsoft.com/office/drawing/2014/main" id="{4C051C3A-7FF0-9818-CCA9-E3007E67436A}"/>
+              </a:ext>
+            </a:extLst>
+          </p:cNvPr>
+          <p:cNvSpPr>
+            <a:spLocks noGrp="1"/>
+          </p:cNvSpPr>
+          <p:nvPr>
+            <p:ph type="title"/>
+          </p:nvPr>
+        </p:nvSpPr>
+        <p:spPr/>
+        <p:txBody>
+          <a:bodyPr/>
+          <a:lstStyle/>
+          <a:p>
+            <a:r>
+              <a:rPr lang="en-US" sz="3600" b="1" dirty="0">
+                <a:effectLst/>
+                <a:latin typeface="Calibri" panose="020F0502020204030204" pitchFamily="34" charset="0"/>
+                <a:ea typeface="Calibri" panose="020F0502020204030204" pitchFamily="34" charset="0"/>
+                <a:cs typeface="Times New Roman" panose="02020603050405020304" pitchFamily="18" charset="0"/>
+              </a:rPr>
+              <a:t>User Authentication Module (cont.)</a:t>
+            </a:r>
+            <a:endParaRPr lang="en-US" dirty="0"/>
+          </a:p>
+        </p:txBody>
+      </p:sp>
+      <p:sp>
+        <p:nvSpPr>
+          <p:cNvPr id="4" name="TextBox 3">
+            <a:extLst>
+              <a:ext uri="{FF2B5EF4-FFF2-40B4-BE49-F238E27FC236}">
+                <a16:creationId xmlns:a16="http://schemas.microsoft.com/office/drawing/2014/main" id="{DF14A66F-A75C-D886-EFA0-8A8AE63EDADA}"/>
+              </a:ext>
+            </a:extLst>
+          </p:cNvPr>
+          <p:cNvSpPr txBox="1"/>
+          <p:nvPr/>
+        </p:nvSpPr>
+        <p:spPr>
+          <a:xfrm>
+            <a:off x="1154954" y="1588068"/>
+            <a:ext cx="2736647" cy="369332"/>
+          </a:xfrm>
+          <a:prstGeom prst="rect">
+            <a:avLst/>
+          </a:prstGeom>
+          <a:noFill/>
+        </p:spPr>
+        <p:txBody>
+          <a:bodyPr wrap="none" rtlCol="0">
+            <a:spAutoFit/>
+          </a:bodyPr>
+          <a:lstStyle/>
+          <a:p>
+            <a:r>
+              <a:rPr lang="en-US" dirty="0">
+                <a:solidFill>
+                  <a:schemeClr val="bg1"/>
+                </a:solidFill>
+              </a:rPr>
+              <a:t>Forgot Password Page </a:t>
+            </a:r>
+          </a:p>
+        </p:txBody>
+      </p:sp>
+      <p:sp>
+        <p:nvSpPr>
+          <p:cNvPr id="6" name="Content Placeholder 5">
+            <a:extLst>
+              <a:ext uri="{FF2B5EF4-FFF2-40B4-BE49-F238E27FC236}">
+                <a16:creationId xmlns:a16="http://schemas.microsoft.com/office/drawing/2014/main" id="{2FC6D108-A2EF-3E65-F0A7-081FD7B3ECFD}"/>
+              </a:ext>
+            </a:extLst>
+          </p:cNvPr>
+          <p:cNvSpPr>
+            <a:spLocks noGrp="1"/>
+          </p:cNvSpPr>
+          <p:nvPr>
+            <p:ph idx="1"/>
+          </p:nvPr>
+        </p:nvSpPr>
+        <p:spPr/>
+        <p:txBody>
+          <a:bodyPr/>
+          <a:lstStyle/>
+          <a:p>
+            <a:endParaRPr lang="en-US" dirty="0"/>
+          </a:p>
+        </p:txBody>
+      </p:sp>
+    </p:spTree>
+    <p:extLst>
+      <p:ext uri="{BB962C8B-B14F-4D97-AF65-F5344CB8AC3E}">
+        <p14:creationId xmlns:p14="http://schemas.microsoft.com/office/powerpoint/2010/main" val="1385641330"/>
+      </p:ext>
+    </p:extLst>
+  </p:cSld>
+  <p:clrMapOvr>
+    <a:masterClrMapping/>
+  </p:clrMapOvr>
+</p:sld>
+</file>
+
+<file path=ppt/slides/slide12.xml><?xml version="1.0" encoding="utf-8"?>
+<p:sld xmlns:a="http://schemas.openxmlformats.org/drawingml/2006/main" xmlns:r="http://schemas.openxmlformats.org/officeDocument/2006/relationships" xmlns:p="http://schemas.openxmlformats.org/presentationml/2006/main">
+  <p:cSld>
+    <p:spTree>
+      <p:nvGrpSpPr>
+        <p:cNvPr id="1" name=""/>
+        <p:cNvGrpSpPr/>
+        <p:nvPr/>
+      </p:nvGrpSpPr>
+      <p:grpSpPr>
+        <a:xfrm>
+          <a:off x="0" y="0"/>
+          <a:ext cx="0" cy="0"/>
+          <a:chOff x="0" y="0"/>
+          <a:chExt cx="0" cy="0"/>
+        </a:xfrm>
+      </p:grpSpPr>
+      <p:sp>
+        <p:nvSpPr>
+          <p:cNvPr id="2" name="Title 1">
+            <a:extLst>
+              <a:ext uri="{FF2B5EF4-FFF2-40B4-BE49-F238E27FC236}">
+                <a16:creationId xmlns:a16="http://schemas.microsoft.com/office/drawing/2014/main" id="{4C051C3A-7FF0-9818-CCA9-E3007E67436A}"/>
+              </a:ext>
+            </a:extLst>
+          </p:cNvPr>
+          <p:cNvSpPr>
+            <a:spLocks noGrp="1"/>
+          </p:cNvSpPr>
+          <p:nvPr>
+            <p:ph type="title"/>
+          </p:nvPr>
+        </p:nvSpPr>
+        <p:spPr/>
+        <p:txBody>
+          <a:bodyPr/>
+          <a:lstStyle/>
+          <a:p>
+            <a:r>
+              <a:rPr lang="en-US" sz="3600" b="1" dirty="0">
+                <a:effectLst/>
+                <a:latin typeface="Calibri" panose="020F0502020204030204" pitchFamily="34" charset="0"/>
+                <a:ea typeface="Calibri" panose="020F0502020204030204" pitchFamily="34" charset="0"/>
+                <a:cs typeface="Times New Roman" panose="02020603050405020304" pitchFamily="18" charset="0"/>
+              </a:rPr>
+              <a:t>Menu Display Module</a:t>
+            </a:r>
+            <a:endParaRPr lang="en-US" dirty="0"/>
+          </a:p>
+        </p:txBody>
+      </p:sp>
+      <p:sp>
+        <p:nvSpPr>
+          <p:cNvPr id="3" name="Content Placeholder 2">
+            <a:extLst>
+              <a:ext uri="{FF2B5EF4-FFF2-40B4-BE49-F238E27FC236}">
+                <a16:creationId xmlns:a16="http://schemas.microsoft.com/office/drawing/2014/main" id="{D7558010-8011-9C05-1617-F2D0E4DA4F25}"/>
+              </a:ext>
+            </a:extLst>
+          </p:cNvPr>
+          <p:cNvSpPr>
+            <a:spLocks noGrp="1"/>
+          </p:cNvSpPr>
+          <p:nvPr>
+            <p:ph idx="1"/>
+          </p:nvPr>
+        </p:nvSpPr>
+        <p:spPr/>
+        <p:txBody>
+          <a:bodyPr>
+            <a:normAutofit/>
+          </a:bodyPr>
+          <a:lstStyle/>
+          <a:p>
+            <a:r>
+              <a:rPr lang="en-US" dirty="0"/>
+              <a:t>Describe the page that shows the menu</a:t>
+            </a:r>
+          </a:p>
+          <a:p>
+            <a:endParaRPr lang="en-US" dirty="0"/>
+          </a:p>
+          <a:p>
+            <a:r>
+              <a:rPr lang="en-US" dirty="0"/>
+              <a:t>Highlight user-friendly interface and navigation</a:t>
+            </a:r>
+          </a:p>
+          <a:p>
+            <a:endParaRPr lang="en-US" dirty="0"/>
+          </a:p>
+          <a:p>
+            <a:endParaRPr lang="en-US" dirty="0"/>
+          </a:p>
+          <a:p>
+            <a:pPr lvl="1"/>
+            <a:endParaRPr lang="en-US" dirty="0">
+              <a:solidFill>
+                <a:srgbClr val="FF0000"/>
+              </a:solidFill>
+            </a:endParaRPr>
+          </a:p>
+        </p:txBody>
+      </p:sp>
+    </p:spTree>
+    <p:extLst>
+      <p:ext uri="{BB962C8B-B14F-4D97-AF65-F5344CB8AC3E}">
+        <p14:creationId xmlns:p14="http://schemas.microsoft.com/office/powerpoint/2010/main" val="499471738"/>
+      </p:ext>
+    </p:extLst>
+  </p:cSld>
+  <p:clrMapOvr>
+    <a:masterClrMapping/>
+  </p:clrMapOvr>
+</p:sld>
+</file>
+
+<file path=ppt/slides/slide13.xml><?xml version="1.0" encoding="utf-8"?>
+<p:sld xmlns:a="http://schemas.openxmlformats.org/drawingml/2006/main" xmlns:r="http://schemas.openxmlformats.org/officeDocument/2006/relationships" xmlns:p="http://schemas.openxmlformats.org/presentationml/2006/main">
+  <p:cSld>
+    <p:spTree>
+      <p:nvGrpSpPr>
+        <p:cNvPr id="1" name=""/>
+        <p:cNvGrpSpPr/>
+        <p:nvPr/>
+      </p:nvGrpSpPr>
+      <p:grpSpPr>
+        <a:xfrm>
+          <a:off x="0" y="0"/>
+          <a:ext cx="0" cy="0"/>
+          <a:chOff x="0" y="0"/>
+          <a:chExt cx="0" cy="0"/>
+        </a:xfrm>
+      </p:grpSpPr>
+      <p:sp>
+        <p:nvSpPr>
+          <p:cNvPr id="2" name="Title 1">
+            <a:extLst>
+              <a:ext uri="{FF2B5EF4-FFF2-40B4-BE49-F238E27FC236}">
+                <a16:creationId xmlns:a16="http://schemas.microsoft.com/office/drawing/2014/main" id="{4C051C3A-7FF0-9818-CCA9-E3007E67436A}"/>
+              </a:ext>
+            </a:extLst>
+          </p:cNvPr>
+          <p:cNvSpPr>
+            <a:spLocks noGrp="1"/>
+          </p:cNvSpPr>
+          <p:nvPr>
+            <p:ph type="title"/>
+          </p:nvPr>
+        </p:nvSpPr>
+        <p:spPr/>
+        <p:txBody>
+          <a:bodyPr/>
+          <a:lstStyle/>
+          <a:p>
+            <a:r>
+              <a:rPr lang="en-US" sz="3600" b="1" kern="100" dirty="0">
+                <a:effectLst/>
+                <a:latin typeface="Calibri" panose="020F0502020204030204" pitchFamily="34" charset="0"/>
+                <a:ea typeface="Calibri" panose="020F0502020204030204" pitchFamily="34" charset="0"/>
+                <a:cs typeface="Times New Roman" panose="02020603050405020304" pitchFamily="18" charset="0"/>
+              </a:rPr>
+              <a:t>Ordering Process</a:t>
+            </a:r>
+            <a:endParaRPr lang="en-US" dirty="0"/>
+          </a:p>
+        </p:txBody>
+      </p:sp>
+      <p:sp>
+        <p:nvSpPr>
+          <p:cNvPr id="3" name="Content Placeholder 2">
+            <a:extLst>
+              <a:ext uri="{FF2B5EF4-FFF2-40B4-BE49-F238E27FC236}">
+                <a16:creationId xmlns:a16="http://schemas.microsoft.com/office/drawing/2014/main" id="{D7558010-8011-9C05-1617-F2D0E4DA4F25}"/>
+              </a:ext>
+            </a:extLst>
+          </p:cNvPr>
+          <p:cNvSpPr>
+            <a:spLocks noGrp="1"/>
+          </p:cNvSpPr>
+          <p:nvPr>
+            <p:ph idx="1"/>
+          </p:nvPr>
+        </p:nvSpPr>
+        <p:spPr/>
+        <p:txBody>
+          <a:bodyPr>
+            <a:normAutofit/>
+          </a:bodyPr>
+          <a:lstStyle/>
+          <a:p>
+            <a:r>
+              <a:rPr lang="en-US" dirty="0"/>
+              <a:t>Final cart page for order review &amp; payment options</a:t>
+            </a:r>
+          </a:p>
+          <a:p>
+            <a:pPr marL="0" indent="0">
+              <a:buNone/>
+            </a:pPr>
+            <a:endParaRPr lang="en-US" dirty="0"/>
+          </a:p>
+          <a:p>
+            <a:r>
+              <a:rPr lang="en-US" dirty="0"/>
+              <a:t>Receipt and order details page</a:t>
+            </a:r>
+          </a:p>
+          <a:p>
+            <a:pPr marL="0" indent="0">
+              <a:buNone/>
+            </a:pPr>
+            <a:endParaRPr lang="en-US" dirty="0"/>
+          </a:p>
+          <a:p>
+            <a:endParaRPr lang="en-US" dirty="0"/>
+          </a:p>
+        </p:txBody>
+      </p:sp>
+    </p:spTree>
+    <p:extLst>
+      <p:ext uri="{BB962C8B-B14F-4D97-AF65-F5344CB8AC3E}">
+        <p14:creationId xmlns:p14="http://schemas.microsoft.com/office/powerpoint/2010/main" val="2462129236"/>
+      </p:ext>
+    </p:extLst>
+  </p:cSld>
+  <p:clrMapOvr>
+    <a:masterClrMapping/>
+  </p:clrMapOvr>
+</p:sld>
+</file>
+
+<file path=ppt/slides/slide14.xml><?xml version="1.0" encoding="utf-8"?>
+<p:sld xmlns:a="http://schemas.openxmlformats.org/drawingml/2006/main" xmlns:r="http://schemas.openxmlformats.org/officeDocument/2006/relationships" xmlns:p="http://schemas.openxmlformats.org/presentationml/2006/main">
+  <p:cSld>
+    <p:spTree>
+      <p:nvGrpSpPr>
+        <p:cNvPr id="1" name=""/>
+        <p:cNvGrpSpPr/>
+        <p:nvPr/>
+      </p:nvGrpSpPr>
+      <p:grpSpPr>
+        <a:xfrm>
+          <a:off x="0" y="0"/>
+          <a:ext cx="0" cy="0"/>
+          <a:chOff x="0" y="0"/>
+          <a:chExt cx="0" cy="0"/>
+        </a:xfrm>
+      </p:grpSpPr>
+      <p:sp>
+        <p:nvSpPr>
+          <p:cNvPr id="2" name="Title 1">
+            <a:extLst>
+              <a:ext uri="{FF2B5EF4-FFF2-40B4-BE49-F238E27FC236}">
+                <a16:creationId xmlns:a16="http://schemas.microsoft.com/office/drawing/2014/main" id="{4C051C3A-7FF0-9818-CCA9-E3007E67436A}"/>
+              </a:ext>
+            </a:extLst>
+          </p:cNvPr>
+          <p:cNvSpPr>
+            <a:spLocks noGrp="1"/>
+          </p:cNvSpPr>
+          <p:nvPr>
+            <p:ph type="title"/>
+          </p:nvPr>
+        </p:nvSpPr>
+        <p:spPr/>
+        <p:txBody>
+          <a:bodyPr/>
+          <a:lstStyle/>
+          <a:p>
+            <a:r>
+              <a:rPr lang="en-US" sz="3600" b="1" kern="100" dirty="0">
+                <a:effectLst/>
+                <a:latin typeface="Calibri" panose="020F0502020204030204" pitchFamily="34" charset="0"/>
+                <a:ea typeface="Calibri" panose="020F0502020204030204" pitchFamily="34" charset="0"/>
+                <a:cs typeface="Times New Roman" panose="02020603050405020304" pitchFamily="18" charset="0"/>
+              </a:rPr>
+              <a:t>Ordering Process</a:t>
+            </a:r>
+            <a:endParaRPr lang="en-US" dirty="0"/>
+          </a:p>
+        </p:txBody>
+      </p:sp>
+      <p:sp>
+        <p:nvSpPr>
+          <p:cNvPr id="4" name="TextBox 3">
+            <a:extLst>
+              <a:ext uri="{FF2B5EF4-FFF2-40B4-BE49-F238E27FC236}">
+                <a16:creationId xmlns:a16="http://schemas.microsoft.com/office/drawing/2014/main" id="{DF14A66F-A75C-D886-EFA0-8A8AE63EDADA}"/>
+              </a:ext>
+            </a:extLst>
+          </p:cNvPr>
+          <p:cNvSpPr txBox="1"/>
+          <p:nvPr/>
+        </p:nvSpPr>
+        <p:spPr>
+          <a:xfrm>
+            <a:off x="1154954" y="1588068"/>
+            <a:ext cx="5915402" cy="369332"/>
+          </a:xfrm>
+          <a:prstGeom prst="rect">
+            <a:avLst/>
+          </a:prstGeom>
+          <a:noFill/>
+        </p:spPr>
+        <p:txBody>
+          <a:bodyPr wrap="none" rtlCol="0">
+            <a:spAutoFit/>
+          </a:bodyPr>
+          <a:lstStyle/>
+          <a:p>
+            <a:r>
+              <a:rPr lang="en-US" dirty="0">
+                <a:solidFill>
+                  <a:schemeClr val="bg1"/>
+                </a:solidFill>
+              </a:rPr>
+              <a:t>Final cart page for order review &amp; payment options</a:t>
+            </a:r>
+          </a:p>
+        </p:txBody>
+      </p:sp>
+      <p:sp>
+        <p:nvSpPr>
+          <p:cNvPr id="6" name="Content Placeholder 5">
+            <a:extLst>
+              <a:ext uri="{FF2B5EF4-FFF2-40B4-BE49-F238E27FC236}">
+                <a16:creationId xmlns:a16="http://schemas.microsoft.com/office/drawing/2014/main" id="{2FC6D108-A2EF-3E65-F0A7-081FD7B3ECFD}"/>
+              </a:ext>
+            </a:extLst>
+          </p:cNvPr>
+          <p:cNvSpPr>
+            <a:spLocks noGrp="1"/>
+          </p:cNvSpPr>
+          <p:nvPr>
+            <p:ph idx="1"/>
+          </p:nvPr>
+        </p:nvSpPr>
+        <p:spPr/>
+        <p:txBody>
+          <a:bodyPr/>
+          <a:lstStyle/>
+          <a:p>
+            <a:endParaRPr lang="en-US"/>
+          </a:p>
+        </p:txBody>
+      </p:sp>
+    </p:spTree>
+    <p:extLst>
+      <p:ext uri="{BB962C8B-B14F-4D97-AF65-F5344CB8AC3E}">
+        <p14:creationId xmlns:p14="http://schemas.microsoft.com/office/powerpoint/2010/main" val="3969559604"/>
+      </p:ext>
+    </p:extLst>
+  </p:cSld>
+  <p:clrMapOvr>
+    <a:masterClrMapping/>
+  </p:clrMapOvr>
+</p:sld>
+</file>
+
+<file path=ppt/slides/slide15.xml><?xml version="1.0" encoding="utf-8"?>
+<p:sld xmlns:a="http://schemas.openxmlformats.org/drawingml/2006/main" xmlns:r="http://schemas.openxmlformats.org/officeDocument/2006/relationships" xmlns:p="http://schemas.openxmlformats.org/presentationml/2006/main">
+  <p:cSld>
+    <p:spTree>
+      <p:nvGrpSpPr>
+        <p:cNvPr id="1" name=""/>
+        <p:cNvGrpSpPr/>
+        <p:nvPr/>
+      </p:nvGrpSpPr>
+      <p:grpSpPr>
+        <a:xfrm>
+          <a:off x="0" y="0"/>
+          <a:ext cx="0" cy="0"/>
+          <a:chOff x="0" y="0"/>
+          <a:chExt cx="0" cy="0"/>
+        </a:xfrm>
+      </p:grpSpPr>
+      <p:sp>
+        <p:nvSpPr>
+          <p:cNvPr id="2" name="Title 1">
+            <a:extLst>
+              <a:ext uri="{FF2B5EF4-FFF2-40B4-BE49-F238E27FC236}">
+                <a16:creationId xmlns:a16="http://schemas.microsoft.com/office/drawing/2014/main" id="{4C051C3A-7FF0-9818-CCA9-E3007E67436A}"/>
+              </a:ext>
+            </a:extLst>
+          </p:cNvPr>
+          <p:cNvSpPr>
+            <a:spLocks noGrp="1"/>
+          </p:cNvSpPr>
+          <p:nvPr>
+            <p:ph type="title"/>
+          </p:nvPr>
+        </p:nvSpPr>
+        <p:spPr/>
+        <p:txBody>
+          <a:bodyPr/>
+          <a:lstStyle/>
+          <a:p>
+            <a:r>
+              <a:rPr lang="en-US" sz="3600" b="1" kern="100" dirty="0">
+                <a:effectLst/>
+                <a:latin typeface="Calibri" panose="020F0502020204030204" pitchFamily="34" charset="0"/>
+                <a:ea typeface="Calibri" panose="020F0502020204030204" pitchFamily="34" charset="0"/>
+                <a:cs typeface="Times New Roman" panose="02020603050405020304" pitchFamily="18" charset="0"/>
+              </a:rPr>
+              <a:t>Ordering Process</a:t>
+            </a:r>
+            <a:endParaRPr lang="en-US" dirty="0"/>
+          </a:p>
+        </p:txBody>
+      </p:sp>
+      <p:sp>
+        <p:nvSpPr>
+          <p:cNvPr id="4" name="TextBox 3">
+            <a:extLst>
+              <a:ext uri="{FF2B5EF4-FFF2-40B4-BE49-F238E27FC236}">
+                <a16:creationId xmlns:a16="http://schemas.microsoft.com/office/drawing/2014/main" id="{DF14A66F-A75C-D886-EFA0-8A8AE63EDADA}"/>
+              </a:ext>
+            </a:extLst>
+          </p:cNvPr>
+          <p:cNvSpPr txBox="1"/>
+          <p:nvPr/>
+        </p:nvSpPr>
+        <p:spPr>
+          <a:xfrm>
+            <a:off x="1154954" y="1588068"/>
+            <a:ext cx="3716082" cy="369332"/>
+          </a:xfrm>
+          <a:prstGeom prst="rect">
+            <a:avLst/>
+          </a:prstGeom>
+          <a:noFill/>
+        </p:spPr>
+        <p:txBody>
+          <a:bodyPr wrap="none" rtlCol="0">
+            <a:spAutoFit/>
+          </a:bodyPr>
+          <a:lstStyle/>
+          <a:p>
+            <a:r>
+              <a:rPr lang="en-US" dirty="0">
+                <a:solidFill>
+                  <a:schemeClr val="bg1"/>
+                </a:solidFill>
+              </a:rPr>
+              <a:t>Receipt and order details page</a:t>
+            </a:r>
+          </a:p>
+        </p:txBody>
+      </p:sp>
+      <p:sp>
+        <p:nvSpPr>
+          <p:cNvPr id="6" name="Content Placeholder 5">
+            <a:extLst>
+              <a:ext uri="{FF2B5EF4-FFF2-40B4-BE49-F238E27FC236}">
+                <a16:creationId xmlns:a16="http://schemas.microsoft.com/office/drawing/2014/main" id="{2FC6D108-A2EF-3E65-F0A7-081FD7B3ECFD}"/>
+              </a:ext>
+            </a:extLst>
+          </p:cNvPr>
+          <p:cNvSpPr>
+            <a:spLocks noGrp="1"/>
+          </p:cNvSpPr>
+          <p:nvPr>
+            <p:ph idx="1"/>
+          </p:nvPr>
+        </p:nvSpPr>
+        <p:spPr/>
+        <p:txBody>
+          <a:bodyPr/>
+          <a:lstStyle/>
+          <a:p>
+            <a:endParaRPr lang="en-US"/>
+          </a:p>
+        </p:txBody>
+      </p:sp>
+    </p:spTree>
+    <p:extLst>
+      <p:ext uri="{BB962C8B-B14F-4D97-AF65-F5344CB8AC3E}">
+        <p14:creationId xmlns:p14="http://schemas.microsoft.com/office/powerpoint/2010/main" val="2294992005"/>
+      </p:ext>
+    </p:extLst>
+  </p:cSld>
+  <p:clrMapOvr>
+    <a:masterClrMapping/>
+  </p:clrMapOvr>
+</p:sld>
+</file>
+
+<file path=ppt/slides/slide16.xml><?xml version="1.0" encoding="utf-8"?>
+<p:sld xmlns:a="http://schemas.openxmlformats.org/drawingml/2006/main" xmlns:r="http://schemas.openxmlformats.org/officeDocument/2006/relationships" xmlns:p="http://schemas.openxmlformats.org/presentationml/2006/main">
+  <p:cSld>
+    <p:spTree>
+      <p:nvGrpSpPr>
+        <p:cNvPr id="1" name=""/>
+        <p:cNvGrpSpPr/>
+        <p:nvPr/>
+      </p:nvGrpSpPr>
+      <p:grpSpPr>
+        <a:xfrm>
+          <a:off x="0" y="0"/>
+          <a:ext cx="0" cy="0"/>
+          <a:chOff x="0" y="0"/>
+          <a:chExt cx="0" cy="0"/>
+        </a:xfrm>
+      </p:grpSpPr>
+      <p:sp>
+        <p:nvSpPr>
+          <p:cNvPr id="2" name="Title 1">
+            <a:extLst>
+              <a:ext uri="{FF2B5EF4-FFF2-40B4-BE49-F238E27FC236}">
+                <a16:creationId xmlns:a16="http://schemas.microsoft.com/office/drawing/2014/main" id="{4C051C3A-7FF0-9818-CCA9-E3007E67436A}"/>
+              </a:ext>
+            </a:extLst>
+          </p:cNvPr>
+          <p:cNvSpPr>
+            <a:spLocks noGrp="1"/>
+          </p:cNvSpPr>
+          <p:nvPr>
+            <p:ph type="title"/>
+          </p:nvPr>
+        </p:nvSpPr>
+        <p:spPr/>
+        <p:txBody>
+          <a:bodyPr/>
+          <a:lstStyle/>
+          <a:p>
+            <a:r>
+              <a:rPr lang="en-US" sz="3600" b="1" kern="100" dirty="0">
+                <a:effectLst/>
+                <a:latin typeface="Calibri" panose="020F0502020204030204" pitchFamily="34" charset="0"/>
+                <a:ea typeface="Calibri" panose="020F0502020204030204" pitchFamily="34" charset="0"/>
+                <a:cs typeface="Times New Roman" panose="02020603050405020304" pitchFamily="18" charset="0"/>
+              </a:rPr>
+              <a:t>Manager Functions</a:t>
+            </a:r>
+            <a:endParaRPr lang="en-US" dirty="0"/>
+          </a:p>
+        </p:txBody>
+      </p:sp>
+      <p:sp>
+        <p:nvSpPr>
+          <p:cNvPr id="3" name="Content Placeholder 2">
+            <a:extLst>
+              <a:ext uri="{FF2B5EF4-FFF2-40B4-BE49-F238E27FC236}">
+                <a16:creationId xmlns:a16="http://schemas.microsoft.com/office/drawing/2014/main" id="{D7558010-8011-9C05-1617-F2D0E4DA4F25}"/>
+              </a:ext>
+            </a:extLst>
+          </p:cNvPr>
+          <p:cNvSpPr>
+            <a:spLocks noGrp="1"/>
+          </p:cNvSpPr>
+          <p:nvPr>
+            <p:ph idx="1"/>
+          </p:nvPr>
+        </p:nvSpPr>
+        <p:spPr/>
+        <p:txBody>
+          <a:bodyPr>
+            <a:normAutofit/>
+          </a:bodyPr>
+          <a:lstStyle/>
+          <a:p>
+            <a:r>
+              <a:rPr lang="en-US" dirty="0"/>
+              <a:t>Manager’s menu page to add and delete items from the menu</a:t>
+            </a:r>
+          </a:p>
+          <a:p>
+            <a:endParaRPr lang="en-US" dirty="0"/>
+          </a:p>
+          <a:p>
+            <a:r>
+              <a:rPr lang="en-US" dirty="0"/>
+              <a:t>Emphasize managerial control and ease of menu management</a:t>
+            </a:r>
+          </a:p>
+        </p:txBody>
+      </p:sp>
+    </p:spTree>
+    <p:extLst>
+      <p:ext uri="{BB962C8B-B14F-4D97-AF65-F5344CB8AC3E}">
+        <p14:creationId xmlns:p14="http://schemas.microsoft.com/office/powerpoint/2010/main" val="130644154"/>
+      </p:ext>
+    </p:extLst>
+  </p:cSld>
+  <p:clrMapOvr>
+    <a:masterClrMapping/>
+  </p:clrMapOvr>
+</p:sld>
+</file>
+
+<file path=ppt/slides/slide17.xml><?xml version="1.0" encoding="utf-8"?>
+<p:sld xmlns:a="http://schemas.openxmlformats.org/drawingml/2006/main" xmlns:r="http://schemas.openxmlformats.org/officeDocument/2006/relationships" xmlns:p="http://schemas.openxmlformats.org/presentationml/2006/main">
+  <p:cSld>
+    <p:spTree>
+      <p:nvGrpSpPr>
+        <p:cNvPr id="1" name=""/>
+        <p:cNvGrpSpPr/>
+        <p:nvPr/>
+      </p:nvGrpSpPr>
+      <p:grpSpPr>
+        <a:xfrm>
+          <a:off x="0" y="0"/>
+          <a:ext cx="0" cy="0"/>
+          <a:chOff x="0" y="0"/>
+          <a:chExt cx="0" cy="0"/>
+        </a:xfrm>
+      </p:grpSpPr>
+      <p:sp>
+        <p:nvSpPr>
+          <p:cNvPr id="2" name="Title 1">
+            <a:extLst>
+              <a:ext uri="{FF2B5EF4-FFF2-40B4-BE49-F238E27FC236}">
+                <a16:creationId xmlns:a16="http://schemas.microsoft.com/office/drawing/2014/main" id="{4C051C3A-7FF0-9818-CCA9-E3007E67436A}"/>
+              </a:ext>
+            </a:extLst>
+          </p:cNvPr>
+          <p:cNvSpPr>
+            <a:spLocks noGrp="1"/>
+          </p:cNvSpPr>
+          <p:nvPr>
+            <p:ph type="title"/>
+          </p:nvPr>
+        </p:nvSpPr>
+        <p:spPr/>
+        <p:txBody>
+          <a:bodyPr/>
+          <a:lstStyle/>
+          <a:p>
+            <a:r>
+              <a:rPr lang="en-US" sz="3600" b="1" kern="100" dirty="0">
+                <a:effectLst/>
+                <a:latin typeface="Calibri" panose="020F0502020204030204" pitchFamily="34" charset="0"/>
+                <a:ea typeface="Calibri" panose="020F0502020204030204" pitchFamily="34" charset="0"/>
+                <a:cs typeface="Times New Roman" panose="02020603050405020304" pitchFamily="18" charset="0"/>
+              </a:rPr>
+              <a:t>Manager Functions</a:t>
+            </a:r>
+            <a:endParaRPr lang="en-US" dirty="0"/>
+          </a:p>
+        </p:txBody>
+      </p:sp>
+      <p:sp>
+        <p:nvSpPr>
+          <p:cNvPr id="4" name="TextBox 3">
+            <a:extLst>
+              <a:ext uri="{FF2B5EF4-FFF2-40B4-BE49-F238E27FC236}">
+                <a16:creationId xmlns:a16="http://schemas.microsoft.com/office/drawing/2014/main" id="{DF14A66F-A75C-D886-EFA0-8A8AE63EDADA}"/>
+              </a:ext>
+            </a:extLst>
+          </p:cNvPr>
+          <p:cNvSpPr txBox="1"/>
+          <p:nvPr/>
+        </p:nvSpPr>
+        <p:spPr>
+          <a:xfrm>
+            <a:off x="1154954" y="1588068"/>
+            <a:ext cx="2795958" cy="369332"/>
+          </a:xfrm>
+          <a:prstGeom prst="rect">
+            <a:avLst/>
+          </a:prstGeom>
+          <a:noFill/>
+        </p:spPr>
+        <p:txBody>
+          <a:bodyPr wrap="none" rtlCol="0">
+            <a:spAutoFit/>
+          </a:bodyPr>
+          <a:lstStyle/>
+          <a:p>
+            <a:r>
+              <a:rPr lang="en-US" dirty="0">
+                <a:solidFill>
+                  <a:schemeClr val="bg1"/>
+                </a:solidFill>
+              </a:rPr>
+              <a:t>Manager’s menu page</a:t>
+            </a:r>
+          </a:p>
+        </p:txBody>
+      </p:sp>
+      <p:sp>
+        <p:nvSpPr>
+          <p:cNvPr id="6" name="Content Placeholder 5">
+            <a:extLst>
+              <a:ext uri="{FF2B5EF4-FFF2-40B4-BE49-F238E27FC236}">
+                <a16:creationId xmlns:a16="http://schemas.microsoft.com/office/drawing/2014/main" id="{2FC6D108-A2EF-3E65-F0A7-081FD7B3ECFD}"/>
+              </a:ext>
+            </a:extLst>
+          </p:cNvPr>
+          <p:cNvSpPr>
+            <a:spLocks noGrp="1"/>
+          </p:cNvSpPr>
+          <p:nvPr>
+            <p:ph idx="1"/>
+          </p:nvPr>
+        </p:nvSpPr>
+        <p:spPr/>
+        <p:txBody>
+          <a:bodyPr/>
+          <a:lstStyle/>
+          <a:p>
+            <a:endParaRPr lang="en-US" dirty="0"/>
+          </a:p>
+        </p:txBody>
+      </p:sp>
+    </p:spTree>
+    <p:extLst>
+      <p:ext uri="{BB962C8B-B14F-4D97-AF65-F5344CB8AC3E}">
+        <p14:creationId xmlns:p14="http://schemas.microsoft.com/office/powerpoint/2010/main" val="3772794765"/>
+      </p:ext>
+    </p:extLst>
+  </p:cSld>
+  <p:clrMapOvr>
+    <a:masterClrMapping/>
+  </p:clrMapOvr>
+</p:sld>
+</file>
+
+<file path=ppt/slides/slide18.xml><?xml version="1.0" encoding="utf-8"?>
+<p:sld xmlns:a="http://schemas.openxmlformats.org/drawingml/2006/main" xmlns:r="http://schemas.openxmlformats.org/officeDocument/2006/relationships" xmlns:p="http://schemas.openxmlformats.org/presentationml/2006/main">
+  <p:cSld>
+    <p:spTree>
+      <p:nvGrpSpPr>
+        <p:cNvPr id="1" name=""/>
+        <p:cNvGrpSpPr/>
+        <p:nvPr/>
+      </p:nvGrpSpPr>
+      <p:grpSpPr>
+        <a:xfrm>
+          <a:off x="0" y="0"/>
+          <a:ext cx="0" cy="0"/>
+          <a:chOff x="0" y="0"/>
+          <a:chExt cx="0" cy="0"/>
+        </a:xfrm>
+      </p:grpSpPr>
+      <p:sp>
+        <p:nvSpPr>
+          <p:cNvPr id="2" name="Title 1">
+            <a:extLst>
+              <a:ext uri="{FF2B5EF4-FFF2-40B4-BE49-F238E27FC236}">
+                <a16:creationId xmlns:a16="http://schemas.microsoft.com/office/drawing/2014/main" id="{4C051C3A-7FF0-9818-CCA9-E3007E67436A}"/>
+              </a:ext>
+            </a:extLst>
+          </p:cNvPr>
+          <p:cNvSpPr>
+            <a:spLocks noGrp="1"/>
+          </p:cNvSpPr>
+          <p:nvPr>
+            <p:ph type="title"/>
+          </p:nvPr>
+        </p:nvSpPr>
+        <p:spPr/>
+        <p:txBody>
+          <a:bodyPr/>
+          <a:lstStyle/>
+          <a:p>
+            <a:r>
+              <a:rPr lang="en-US" sz="3600" b="1" kern="100" dirty="0">
+                <a:effectLst/>
+                <a:latin typeface="Calibri" panose="020F0502020204030204" pitchFamily="34" charset="0"/>
+                <a:ea typeface="Calibri" panose="020F0502020204030204" pitchFamily="34" charset="0"/>
+                <a:cs typeface="Times New Roman" panose="02020603050405020304" pitchFamily="18" charset="0"/>
+              </a:rPr>
+              <a:t>GitHub Repository</a:t>
+            </a:r>
+            <a:endParaRPr lang="en-US" dirty="0"/>
+          </a:p>
+        </p:txBody>
+      </p:sp>
+      <p:sp>
+        <p:nvSpPr>
+          <p:cNvPr id="3" name="Content Placeholder 2">
+            <a:extLst>
+              <a:ext uri="{FF2B5EF4-FFF2-40B4-BE49-F238E27FC236}">
+                <a16:creationId xmlns:a16="http://schemas.microsoft.com/office/drawing/2014/main" id="{D7558010-8011-9C05-1617-F2D0E4DA4F25}"/>
+              </a:ext>
+            </a:extLst>
+          </p:cNvPr>
+          <p:cNvSpPr>
+            <a:spLocks noGrp="1"/>
+          </p:cNvSpPr>
+          <p:nvPr>
+            <p:ph idx="1"/>
+          </p:nvPr>
+        </p:nvSpPr>
+        <p:spPr/>
+        <p:txBody>
+          <a:bodyPr>
+            <a:normAutofit/>
+          </a:bodyPr>
+          <a:lstStyle/>
+          <a:p>
+            <a:r>
+              <a:rPr lang="en-US" dirty="0"/>
+              <a:t>Provide the logical project name</a:t>
+            </a:r>
+          </a:p>
+          <a:p>
+            <a:endParaRPr lang="en-US" dirty="0"/>
+          </a:p>
+          <a:p>
+            <a:r>
+              <a:rPr lang="en-US" dirty="0"/>
+              <a:t>List team members, including faculty</a:t>
+            </a:r>
+          </a:p>
+          <a:p>
+            <a:endParaRPr lang="en-US" dirty="0"/>
+          </a:p>
+          <a:p>
+            <a:r>
+              <a:rPr lang="en-US" dirty="0"/>
+              <a:t>Emphasize collaboration and version control</a:t>
+            </a:r>
+          </a:p>
+          <a:p>
+            <a:endParaRPr lang="en-US" dirty="0"/>
+          </a:p>
+        </p:txBody>
+      </p:sp>
+    </p:spTree>
+    <p:extLst>
+      <p:ext uri="{BB962C8B-B14F-4D97-AF65-F5344CB8AC3E}">
+        <p14:creationId xmlns:p14="http://schemas.microsoft.com/office/powerpoint/2010/main" val="4210980501"/>
+      </p:ext>
+    </p:extLst>
+  </p:cSld>
+  <p:clrMapOvr>
+    <a:masterClrMapping/>
+  </p:clrMapOvr>
+</p:sld>
+</file>
+
+<file path=ppt/slides/slide19.xml><?xml version="1.0" encoding="utf-8"?>
+<p:sld xmlns:a="http://schemas.openxmlformats.org/drawingml/2006/main" xmlns:r="http://schemas.openxmlformats.org/officeDocument/2006/relationships" xmlns:p="http://schemas.openxmlformats.org/presentationml/2006/main">
+  <p:cSld>
+    <p:spTree>
+      <p:nvGrpSpPr>
+        <p:cNvPr id="1" name=""/>
+        <p:cNvGrpSpPr/>
+        <p:nvPr/>
+      </p:nvGrpSpPr>
+      <p:grpSpPr>
+        <a:xfrm>
+          <a:off x="0" y="0"/>
+          <a:ext cx="0" cy="0"/>
+          <a:chOff x="0" y="0"/>
+          <a:chExt cx="0" cy="0"/>
+        </a:xfrm>
+      </p:grpSpPr>
+      <p:sp>
+        <p:nvSpPr>
+          <p:cNvPr id="2" name="Title 1">
+            <a:extLst>
+              <a:ext uri="{FF2B5EF4-FFF2-40B4-BE49-F238E27FC236}">
+                <a16:creationId xmlns:a16="http://schemas.microsoft.com/office/drawing/2014/main" id="{4C051C3A-7FF0-9818-CCA9-E3007E67436A}"/>
+              </a:ext>
+            </a:extLst>
+          </p:cNvPr>
+          <p:cNvSpPr>
+            <a:spLocks noGrp="1"/>
+          </p:cNvSpPr>
+          <p:nvPr>
+            <p:ph type="title"/>
+          </p:nvPr>
+        </p:nvSpPr>
+        <p:spPr/>
+        <p:txBody>
+          <a:bodyPr/>
+          <a:lstStyle/>
+          <a:p>
+            <a:r>
+              <a:rPr lang="en-US" sz="3600" b="1" dirty="0">
+                <a:effectLst/>
+                <a:latin typeface="Calibri" panose="020F0502020204030204" pitchFamily="34" charset="0"/>
+                <a:ea typeface="Calibri" panose="020F0502020204030204" pitchFamily="34" charset="0"/>
+                <a:cs typeface="Times New Roman" panose="02020603050405020304" pitchFamily="18" charset="0"/>
+              </a:rPr>
+              <a:t>Trello Agile Board</a:t>
+            </a:r>
+            <a:endParaRPr lang="en-US" dirty="0"/>
+          </a:p>
+        </p:txBody>
+      </p:sp>
+      <p:sp>
+        <p:nvSpPr>
+          <p:cNvPr id="3" name="Content Placeholder 2">
+            <a:extLst>
+              <a:ext uri="{FF2B5EF4-FFF2-40B4-BE49-F238E27FC236}">
+                <a16:creationId xmlns:a16="http://schemas.microsoft.com/office/drawing/2014/main" id="{D7558010-8011-9C05-1617-F2D0E4DA4F25}"/>
+              </a:ext>
+            </a:extLst>
+          </p:cNvPr>
+          <p:cNvSpPr>
+            <a:spLocks noGrp="1"/>
+          </p:cNvSpPr>
+          <p:nvPr>
+            <p:ph idx="1"/>
+          </p:nvPr>
+        </p:nvSpPr>
+        <p:spPr/>
+        <p:txBody>
+          <a:bodyPr>
+            <a:normAutofit/>
+          </a:bodyPr>
+          <a:lstStyle/>
+          <a:p>
+            <a:r>
+              <a:rPr lang="en-US" dirty="0"/>
+              <a:t>Describe the use of Trello for project management</a:t>
+            </a:r>
+          </a:p>
+          <a:p>
+            <a:endParaRPr lang="en-US" dirty="0"/>
+          </a:p>
+          <a:p>
+            <a:r>
+              <a:rPr lang="en-US" dirty="0"/>
+              <a:t>Mention the organization of tasks and goals</a:t>
+            </a:r>
+          </a:p>
+          <a:p>
+            <a:endParaRPr lang="en-US" dirty="0"/>
+          </a:p>
+          <a:p>
+            <a:r>
+              <a:rPr lang="en-US" dirty="0"/>
+              <a:t>Show a sample board with stories, goals, and task assignments</a:t>
+            </a:r>
+          </a:p>
+          <a:p>
+            <a:endParaRPr lang="en-US" dirty="0"/>
+          </a:p>
+        </p:txBody>
+      </p:sp>
+    </p:spTree>
+    <p:extLst>
+      <p:ext uri="{BB962C8B-B14F-4D97-AF65-F5344CB8AC3E}">
+        <p14:creationId xmlns:p14="http://schemas.microsoft.com/office/powerpoint/2010/main" val="4269352240"/>
       </p:ext>
     </p:extLst>
   </p:cSld>
@@ -13497,7 +16694,7 @@
           <p:cNvPr id="2" name="Title 1">
             <a:extLst>
               <a:ext uri="{FF2B5EF4-FFF2-40B4-BE49-F238E27FC236}">
-                <a16:creationId xmlns:a16="http://schemas.microsoft.com/office/drawing/2014/main" id="{E51AFFEF-D991-9598-787D-C3FC8C01C602}"/>
+                <a16:creationId xmlns:a16="http://schemas.microsoft.com/office/drawing/2014/main" id="{4C051C3A-7FF0-9818-CCA9-E3007E67436A}"/>
               </a:ext>
             </a:extLst>
           </p:cNvPr>
@@ -13514,51 +16711,2797 @@
           <a:lstStyle/>
           <a:p>
             <a:r>
-              <a:rPr lang="en-US" dirty="0"/>
-              <a:t>Diagrams yeah</a:t>
+              <a:rPr lang="en-US" b="0" i="0" dirty="0">
+                <a:effectLst/>
+                <a:latin typeface="Arial" panose="020B0604020202020204" pitchFamily="34" charset="0"/>
+              </a:rPr>
+              <a:t>Introduction</a:t>
             </a:r>
+            <a:endParaRPr lang="en-US" dirty="0"/>
           </a:p>
         </p:txBody>
       </p:sp>
-      <p:pic>
-        <p:nvPicPr>
-          <p:cNvPr id="5" name="Content Placeholder 4" descr="A diagram of a flowchart&#10;&#10;Description automatically generated">
+      <p:sp>
+        <p:nvSpPr>
+          <p:cNvPr id="3" name="Content Placeholder 2">
             <a:extLst>
               <a:ext uri="{FF2B5EF4-FFF2-40B4-BE49-F238E27FC236}">
-                <a16:creationId xmlns:a16="http://schemas.microsoft.com/office/drawing/2014/main" id="{46547DBA-00C0-FE5C-B5B7-927CAADBBA12}"/>
+                <a16:creationId xmlns:a16="http://schemas.microsoft.com/office/drawing/2014/main" id="{D7558010-8011-9C05-1617-F2D0E4DA4F25}"/>
               </a:ext>
             </a:extLst>
           </p:cNvPr>
-          <p:cNvPicPr>
-            <a:picLocks noGrp="1" noChangeAspect="1"/>
-          </p:cNvPicPr>
+          <p:cNvSpPr>
+            <a:spLocks noGrp="1"/>
+          </p:cNvSpPr>
           <p:nvPr>
             <p:ph idx="1"/>
           </p:nvPr>
-        </p:nvPicPr>
-        <p:blipFill>
-          <a:blip r:embed="rId2">
-            <a:extLst>
-              <a:ext uri="{28A0092B-C50C-407E-A947-70E740481C1C}">
-                <a14:useLocalDpi xmlns:a14="http://schemas.microsoft.com/office/drawing/2010/main" val="0"/>
-              </a:ext>
-            </a:extLst>
-          </a:blip>
-          <a:stretch>
-            <a:fillRect/>
-          </a:stretch>
-        </p:blipFill>
-        <p:spPr>
-          <a:xfrm>
-            <a:off x="4804229" y="1319893"/>
-            <a:ext cx="6745938" cy="5386490"/>
-          </a:xfrm>
-        </p:spPr>
-      </p:pic>
+        </p:nvSpPr>
+        <p:spPr/>
+        <p:txBody>
+          <a:bodyPr/>
+          <a:lstStyle/>
+          <a:p>
+            <a:r>
+              <a:rPr lang="en-US" dirty="0"/>
+              <a:t>Title: Eclectic Eats Haven</a:t>
+            </a:r>
+          </a:p>
+          <a:p>
+            <a:pPr marL="0" indent="0">
+              <a:buNone/>
+            </a:pPr>
+            <a:endParaRPr lang="en-US" dirty="0"/>
+          </a:p>
+          <a:p>
+            <a:r>
+              <a:rPr lang="en-US" dirty="0"/>
+              <a:t>A user-friendly restaurant website designed for the convenience of ordering.</a:t>
+            </a:r>
+          </a:p>
+          <a:p>
+            <a:pPr marL="0" indent="0">
+              <a:buNone/>
+            </a:pPr>
+            <a:br>
+              <a:rPr lang="en-US" dirty="0"/>
+            </a:br>
+            <a:endParaRPr lang="en-US" dirty="0"/>
+          </a:p>
+        </p:txBody>
+      </p:sp>
     </p:spTree>
     <p:extLst>
       <p:ext uri="{BB962C8B-B14F-4D97-AF65-F5344CB8AC3E}">
-        <p14:creationId xmlns:p14="http://schemas.microsoft.com/office/powerpoint/2010/main" val="4106072472"/>
+        <p14:creationId xmlns:p14="http://schemas.microsoft.com/office/powerpoint/2010/main" val="2297641152"/>
+      </p:ext>
+    </p:extLst>
+  </p:cSld>
+  <p:clrMapOvr>
+    <a:masterClrMapping/>
+  </p:clrMapOvr>
+</p:sld>
+</file>
+
+<file path=ppt/slides/slide20.xml><?xml version="1.0" encoding="utf-8"?>
+<p:sld xmlns:a="http://schemas.openxmlformats.org/drawingml/2006/main" xmlns:r="http://schemas.openxmlformats.org/officeDocument/2006/relationships" xmlns:p="http://schemas.openxmlformats.org/presentationml/2006/main">
+  <p:cSld>
+    <p:spTree>
+      <p:nvGrpSpPr>
+        <p:cNvPr id="1" name=""/>
+        <p:cNvGrpSpPr/>
+        <p:nvPr/>
+      </p:nvGrpSpPr>
+      <p:grpSpPr>
+        <a:xfrm>
+          <a:off x="0" y="0"/>
+          <a:ext cx="0" cy="0"/>
+          <a:chOff x="0" y="0"/>
+          <a:chExt cx="0" cy="0"/>
+        </a:xfrm>
+      </p:grpSpPr>
+      <p:sp>
+        <p:nvSpPr>
+          <p:cNvPr id="2" name="Title 1">
+            <a:extLst>
+              <a:ext uri="{FF2B5EF4-FFF2-40B4-BE49-F238E27FC236}">
+                <a16:creationId xmlns:a16="http://schemas.microsoft.com/office/drawing/2014/main" id="{4C051C3A-7FF0-9818-CCA9-E3007E67436A}"/>
+              </a:ext>
+            </a:extLst>
+          </p:cNvPr>
+          <p:cNvSpPr>
+            <a:spLocks noGrp="1"/>
+          </p:cNvSpPr>
+          <p:nvPr>
+            <p:ph type="title"/>
+          </p:nvPr>
+        </p:nvSpPr>
+        <p:spPr/>
+        <p:txBody>
+          <a:bodyPr/>
+          <a:lstStyle/>
+          <a:p>
+            <a:r>
+              <a:rPr lang="en-US" sz="3600" b="1" dirty="0">
+                <a:effectLst/>
+                <a:latin typeface="Calibri" panose="020F0502020204030204" pitchFamily="34" charset="0"/>
+                <a:ea typeface="Calibri" panose="020F0502020204030204" pitchFamily="34" charset="0"/>
+                <a:cs typeface="Times New Roman" panose="02020603050405020304" pitchFamily="18" charset="0"/>
+              </a:rPr>
+              <a:t>Project Timeline</a:t>
+            </a:r>
+            <a:endParaRPr lang="en-US" dirty="0"/>
+          </a:p>
+        </p:txBody>
+      </p:sp>
+      <p:sp>
+        <p:nvSpPr>
+          <p:cNvPr id="3" name="Content Placeholder 2">
+            <a:extLst>
+              <a:ext uri="{FF2B5EF4-FFF2-40B4-BE49-F238E27FC236}">
+                <a16:creationId xmlns:a16="http://schemas.microsoft.com/office/drawing/2014/main" id="{D7558010-8011-9C05-1617-F2D0E4DA4F25}"/>
+              </a:ext>
+            </a:extLst>
+          </p:cNvPr>
+          <p:cNvSpPr>
+            <a:spLocks noGrp="1"/>
+          </p:cNvSpPr>
+          <p:nvPr>
+            <p:ph idx="1"/>
+          </p:nvPr>
+        </p:nvSpPr>
+        <p:spPr/>
+        <p:txBody>
+          <a:bodyPr>
+            <a:normAutofit/>
+          </a:bodyPr>
+          <a:lstStyle/>
+          <a:p>
+            <a:r>
+              <a:rPr lang="en-US" dirty="0"/>
+              <a:t>Highlight the importance of pre-coding planning</a:t>
+            </a:r>
+          </a:p>
+          <a:p>
+            <a:endParaRPr lang="en-US" dirty="0"/>
+          </a:p>
+          <a:p>
+            <a:r>
+              <a:rPr lang="en-US" dirty="0"/>
+              <a:t>Indicate which part each team member will work on each week</a:t>
+            </a:r>
+          </a:p>
+          <a:p>
+            <a:endParaRPr lang="en-US" dirty="0"/>
+          </a:p>
+          <a:p>
+            <a:r>
+              <a:rPr lang="en-US" dirty="0"/>
+              <a:t>Emphasize weekly goals and achievements on Trello</a:t>
+            </a:r>
+          </a:p>
+          <a:p>
+            <a:endParaRPr lang="en-US" dirty="0"/>
+          </a:p>
+        </p:txBody>
+      </p:sp>
+    </p:spTree>
+    <p:extLst>
+      <p:ext uri="{BB962C8B-B14F-4D97-AF65-F5344CB8AC3E}">
+        <p14:creationId xmlns:p14="http://schemas.microsoft.com/office/powerpoint/2010/main" val="4144231556"/>
+      </p:ext>
+    </p:extLst>
+  </p:cSld>
+  <p:clrMapOvr>
+    <a:masterClrMapping/>
+  </p:clrMapOvr>
+</p:sld>
+</file>
+
+<file path=ppt/slides/slide21.xml><?xml version="1.0" encoding="utf-8"?>
+<p:sld xmlns:a="http://schemas.openxmlformats.org/drawingml/2006/main" xmlns:r="http://schemas.openxmlformats.org/officeDocument/2006/relationships" xmlns:p="http://schemas.openxmlformats.org/presentationml/2006/main">
+  <p:cSld>
+    <p:spTree>
+      <p:nvGrpSpPr>
+        <p:cNvPr id="1" name=""/>
+        <p:cNvGrpSpPr/>
+        <p:nvPr/>
+      </p:nvGrpSpPr>
+      <p:grpSpPr>
+        <a:xfrm>
+          <a:off x="0" y="0"/>
+          <a:ext cx="0" cy="0"/>
+          <a:chOff x="0" y="0"/>
+          <a:chExt cx="0" cy="0"/>
+        </a:xfrm>
+      </p:grpSpPr>
+      <p:sp>
+        <p:nvSpPr>
+          <p:cNvPr id="2" name="TextBox 1">
+            <a:extLst>
+              <a:ext uri="{FF2B5EF4-FFF2-40B4-BE49-F238E27FC236}">
+                <a16:creationId xmlns:a16="http://schemas.microsoft.com/office/drawing/2014/main" id="{1BA31DEC-833B-DD20-1DD7-EA600733144E}"/>
+              </a:ext>
+            </a:extLst>
+          </p:cNvPr>
+          <p:cNvSpPr txBox="1"/>
+          <p:nvPr/>
+        </p:nvSpPr>
+        <p:spPr>
+          <a:xfrm>
+            <a:off x="958850" y="360363"/>
+            <a:ext cx="5470525" cy="1754326"/>
+          </a:xfrm>
+          <a:prstGeom prst="rect">
+            <a:avLst/>
+          </a:prstGeom>
+          <a:noFill/>
+        </p:spPr>
+        <p:txBody>
+          <a:bodyPr wrap="square" rtlCol="0">
+            <a:spAutoFit/>
+          </a:bodyPr>
+          <a:lstStyle/>
+          <a:p>
+            <a:r>
+              <a:rPr lang="en-US" dirty="0"/>
+              <a:t>Week 1 (Nov 15 -  Nov 18)</a:t>
+            </a:r>
+          </a:p>
+          <a:p>
+            <a:r>
+              <a:rPr lang="en-US" dirty="0"/>
+              <a:t>K – completed most of the SRS</a:t>
+            </a:r>
+          </a:p>
+          <a:p>
+            <a:r>
+              <a:rPr lang="en-US" dirty="0"/>
+              <a:t>Z – started setting up the libraries ( Account manager, storage manager, helpers), set up navbar, worked on account login/signup/forgot password page</a:t>
+            </a:r>
+          </a:p>
+        </p:txBody>
+      </p:sp>
+      <p:sp>
+        <p:nvSpPr>
+          <p:cNvPr id="4" name="TextBox 3">
+            <a:extLst>
+              <a:ext uri="{FF2B5EF4-FFF2-40B4-BE49-F238E27FC236}">
+                <a16:creationId xmlns:a16="http://schemas.microsoft.com/office/drawing/2014/main" id="{85E09112-287A-4A6A-03DA-2462532326A7}"/>
+              </a:ext>
+            </a:extLst>
+          </p:cNvPr>
+          <p:cNvSpPr txBox="1"/>
+          <p:nvPr/>
+        </p:nvSpPr>
+        <p:spPr>
+          <a:xfrm>
+            <a:off x="5588000" y="2358114"/>
+            <a:ext cx="5137150" cy="1754326"/>
+          </a:xfrm>
+          <a:prstGeom prst="rect">
+            <a:avLst/>
+          </a:prstGeom>
+          <a:noFill/>
+        </p:spPr>
+        <p:txBody>
+          <a:bodyPr wrap="square" rtlCol="0">
+            <a:spAutoFit/>
+          </a:bodyPr>
+          <a:lstStyle/>
+          <a:p>
+            <a:r>
+              <a:rPr lang="en-US" dirty="0"/>
+              <a:t>Week 2 (Nov 19 -  Nov 25)</a:t>
+            </a:r>
+          </a:p>
+          <a:p>
+            <a:r>
+              <a:rPr lang="en-US" dirty="0"/>
+              <a:t>K – made About and Contact section of Home page. started on creating menu items and toppings</a:t>
+            </a:r>
+          </a:p>
+          <a:p>
+            <a:r>
+              <a:rPr lang="en-US" dirty="0"/>
+              <a:t>Z – worked on navigation manager for navbar. Finished account page</a:t>
+            </a:r>
+          </a:p>
+        </p:txBody>
+      </p:sp>
+      <p:sp>
+        <p:nvSpPr>
+          <p:cNvPr id="5" name="TextBox 4">
+            <a:extLst>
+              <a:ext uri="{FF2B5EF4-FFF2-40B4-BE49-F238E27FC236}">
+                <a16:creationId xmlns:a16="http://schemas.microsoft.com/office/drawing/2014/main" id="{C58D7962-A330-6A49-15FD-5B7E82BA82E2}"/>
+              </a:ext>
+            </a:extLst>
+          </p:cNvPr>
+          <p:cNvSpPr txBox="1"/>
+          <p:nvPr/>
+        </p:nvSpPr>
+        <p:spPr>
+          <a:xfrm>
+            <a:off x="458787" y="4499886"/>
+            <a:ext cx="6827838" cy="2031325"/>
+          </a:xfrm>
+          <a:prstGeom prst="rect">
+            <a:avLst/>
+          </a:prstGeom>
+          <a:noFill/>
+        </p:spPr>
+        <p:txBody>
+          <a:bodyPr wrap="square" rtlCol="0">
+            <a:spAutoFit/>
+          </a:bodyPr>
+          <a:lstStyle/>
+          <a:p>
+            <a:r>
+              <a:rPr lang="en-US" dirty="0"/>
+              <a:t>Week 3 (Nov 26 -  Dec 2)</a:t>
+            </a:r>
+          </a:p>
+          <a:p>
+            <a:r>
+              <a:rPr lang="en-US" dirty="0"/>
+              <a:t>K – added images for menu items. Worked on adding more items and toppings. Worked on header section of home page. Started creating the menu page (items and toppings)</a:t>
+            </a:r>
+          </a:p>
+          <a:p>
+            <a:r>
+              <a:rPr lang="en-US" dirty="0"/>
+              <a:t>Z – set up actual account page (after logged in). More account manager. Started making classes</a:t>
+            </a:r>
+          </a:p>
+        </p:txBody>
+      </p:sp>
+    </p:spTree>
+    <p:extLst>
+      <p:ext uri="{BB962C8B-B14F-4D97-AF65-F5344CB8AC3E}">
+        <p14:creationId xmlns:p14="http://schemas.microsoft.com/office/powerpoint/2010/main" val="3204897628"/>
+      </p:ext>
+    </p:extLst>
+  </p:cSld>
+  <p:clrMapOvr>
+    <a:masterClrMapping/>
+  </p:clrMapOvr>
+</p:sld>
+</file>
+
+<file path=ppt/slides/slide22.xml><?xml version="1.0" encoding="utf-8"?>
+<p:sld xmlns:a="http://schemas.openxmlformats.org/drawingml/2006/main" xmlns:r="http://schemas.openxmlformats.org/officeDocument/2006/relationships" xmlns:p="http://schemas.openxmlformats.org/presentationml/2006/main">
+  <p:cSld>
+    <p:spTree>
+      <p:nvGrpSpPr>
+        <p:cNvPr id="1" name=""/>
+        <p:cNvGrpSpPr/>
+        <p:nvPr/>
+      </p:nvGrpSpPr>
+      <p:grpSpPr>
+        <a:xfrm>
+          <a:off x="0" y="0"/>
+          <a:ext cx="0" cy="0"/>
+          <a:chOff x="0" y="0"/>
+          <a:chExt cx="0" cy="0"/>
+        </a:xfrm>
+      </p:grpSpPr>
+      <p:sp>
+        <p:nvSpPr>
+          <p:cNvPr id="2" name="TextBox 1">
+            <a:extLst>
+              <a:ext uri="{FF2B5EF4-FFF2-40B4-BE49-F238E27FC236}">
+                <a16:creationId xmlns:a16="http://schemas.microsoft.com/office/drawing/2014/main" id="{BEED97F0-7AB4-3C79-AB8A-CD05B2223E0C}"/>
+              </a:ext>
+            </a:extLst>
+          </p:cNvPr>
+          <p:cNvSpPr txBox="1"/>
+          <p:nvPr/>
+        </p:nvSpPr>
+        <p:spPr>
+          <a:xfrm>
+            <a:off x="6386515" y="1582340"/>
+            <a:ext cx="5429566" cy="1200329"/>
+          </a:xfrm>
+          <a:prstGeom prst="rect">
+            <a:avLst/>
+          </a:prstGeom>
+          <a:noFill/>
+        </p:spPr>
+        <p:txBody>
+          <a:bodyPr wrap="square" rtlCol="0">
+            <a:spAutoFit/>
+          </a:bodyPr>
+          <a:lstStyle/>
+          <a:p>
+            <a:r>
+              <a:rPr lang="en-US" dirty="0"/>
+              <a:t>Week 5 (Dec 10 -  Dec 12)</a:t>
+            </a:r>
+          </a:p>
+          <a:p>
+            <a:r>
+              <a:rPr lang="en-US" dirty="0"/>
+              <a:t>K – worked on presentation slides, worked on payment section and receipt </a:t>
+            </a:r>
+          </a:p>
+          <a:p>
+            <a:r>
+              <a:rPr lang="en-US" dirty="0"/>
+              <a:t>Z – re-creating entire menu code</a:t>
+            </a:r>
+          </a:p>
+        </p:txBody>
+      </p:sp>
+      <p:sp>
+        <p:nvSpPr>
+          <p:cNvPr id="3" name="TextBox 2">
+            <a:extLst>
+              <a:ext uri="{FF2B5EF4-FFF2-40B4-BE49-F238E27FC236}">
+                <a16:creationId xmlns:a16="http://schemas.microsoft.com/office/drawing/2014/main" id="{72D50A30-CD72-5A01-1990-F80458DF77F6}"/>
+              </a:ext>
+            </a:extLst>
+          </p:cNvPr>
+          <p:cNvSpPr txBox="1"/>
+          <p:nvPr/>
+        </p:nvSpPr>
+        <p:spPr>
+          <a:xfrm>
+            <a:off x="187642" y="197346"/>
+            <a:ext cx="5776913" cy="3970318"/>
+          </a:xfrm>
+          <a:prstGeom prst="rect">
+            <a:avLst/>
+          </a:prstGeom>
+          <a:noFill/>
+        </p:spPr>
+        <p:txBody>
+          <a:bodyPr wrap="square" rtlCol="0">
+            <a:spAutoFit/>
+          </a:bodyPr>
+          <a:lstStyle/>
+          <a:p>
+            <a:r>
+              <a:rPr lang="en-US" dirty="0"/>
+              <a:t>Week 4 (Dec 3 -  Dec 9)</a:t>
+            </a:r>
+          </a:p>
+          <a:p>
+            <a:r>
+              <a:rPr lang="en-US" dirty="0"/>
+              <a:t>K – worked on setting up the cart, totals &amp; tips, and payment method section. Implemented close buttons for toppings list and cart section. Started on the payment page. Worked on handling item duplicates and storing cart items using </a:t>
+            </a:r>
+            <a:r>
+              <a:rPr lang="en-US" dirty="0" err="1"/>
+              <a:t>sessionStorage</a:t>
+            </a:r>
+            <a:r>
+              <a:rPr lang="en-US" dirty="0"/>
+              <a:t>, although doesn’t restore cart when page refreshed</a:t>
+            </a:r>
+          </a:p>
+          <a:p>
+            <a:endParaRPr lang="en-US" dirty="0"/>
+          </a:p>
+          <a:p>
+            <a:r>
+              <a:rPr lang="en-US" dirty="0"/>
+              <a:t>Z – deleted classes. set up orders history page on account management. Worked on manager menu library for toggling availability of items and toppings. Changed how accounts are stored. Worked on card validation</a:t>
+            </a:r>
+          </a:p>
+        </p:txBody>
+      </p:sp>
+    </p:spTree>
+    <p:extLst>
+      <p:ext uri="{BB962C8B-B14F-4D97-AF65-F5344CB8AC3E}">
+        <p14:creationId xmlns:p14="http://schemas.microsoft.com/office/powerpoint/2010/main" val="4230289994"/>
+      </p:ext>
+    </p:extLst>
+  </p:cSld>
+  <p:clrMapOvr>
+    <a:masterClrMapping/>
+  </p:clrMapOvr>
+</p:sld>
+</file>
+
+<file path=ppt/slides/slide23.xml><?xml version="1.0" encoding="utf-8"?>
+<p:sld xmlns:a="http://schemas.openxmlformats.org/drawingml/2006/main" xmlns:r="http://schemas.openxmlformats.org/officeDocument/2006/relationships" xmlns:p="http://schemas.openxmlformats.org/presentationml/2006/main">
+  <p:cSld>
+    <p:spTree>
+      <p:nvGrpSpPr>
+        <p:cNvPr id="1" name=""/>
+        <p:cNvGrpSpPr/>
+        <p:nvPr/>
+      </p:nvGrpSpPr>
+      <p:grpSpPr>
+        <a:xfrm>
+          <a:off x="0" y="0"/>
+          <a:ext cx="0" cy="0"/>
+          <a:chOff x="0" y="0"/>
+          <a:chExt cx="0" cy="0"/>
+        </a:xfrm>
+      </p:grpSpPr>
+      <p:sp>
+        <p:nvSpPr>
+          <p:cNvPr id="2" name="Title 1">
+            <a:extLst>
+              <a:ext uri="{FF2B5EF4-FFF2-40B4-BE49-F238E27FC236}">
+                <a16:creationId xmlns:a16="http://schemas.microsoft.com/office/drawing/2014/main" id="{4C051C3A-7FF0-9818-CCA9-E3007E67436A}"/>
+              </a:ext>
+            </a:extLst>
+          </p:cNvPr>
+          <p:cNvSpPr>
+            <a:spLocks noGrp="1"/>
+          </p:cNvSpPr>
+          <p:nvPr>
+            <p:ph type="title"/>
+          </p:nvPr>
+        </p:nvSpPr>
+        <p:spPr/>
+        <p:txBody>
+          <a:bodyPr/>
+          <a:lstStyle/>
+          <a:p>
+            <a:r>
+              <a:rPr lang="en-US" sz="3600" b="1" dirty="0">
+                <a:effectLst/>
+                <a:latin typeface="Calibri" panose="020F0502020204030204" pitchFamily="34" charset="0"/>
+                <a:ea typeface="Calibri" panose="020F0502020204030204" pitchFamily="34" charset="0"/>
+                <a:cs typeface="Times New Roman" panose="02020603050405020304" pitchFamily="18" charset="0"/>
+              </a:rPr>
+              <a:t>Conclusion</a:t>
+            </a:r>
+            <a:endParaRPr lang="en-US" dirty="0"/>
+          </a:p>
+        </p:txBody>
+      </p:sp>
+      <p:sp>
+        <p:nvSpPr>
+          <p:cNvPr id="3" name="Content Placeholder 2">
+            <a:extLst>
+              <a:ext uri="{FF2B5EF4-FFF2-40B4-BE49-F238E27FC236}">
+                <a16:creationId xmlns:a16="http://schemas.microsoft.com/office/drawing/2014/main" id="{D7558010-8011-9C05-1617-F2D0E4DA4F25}"/>
+              </a:ext>
+            </a:extLst>
+          </p:cNvPr>
+          <p:cNvSpPr>
+            <a:spLocks noGrp="1"/>
+          </p:cNvSpPr>
+          <p:nvPr>
+            <p:ph idx="1"/>
+          </p:nvPr>
+        </p:nvSpPr>
+        <p:spPr/>
+        <p:txBody>
+          <a:bodyPr>
+            <a:normAutofit/>
+          </a:bodyPr>
+          <a:lstStyle/>
+          <a:p>
+            <a:r>
+              <a:rPr lang="en-US" dirty="0"/>
+              <a:t>Summarize key points from the presentation</a:t>
+            </a:r>
+          </a:p>
+          <a:p>
+            <a:endParaRPr lang="en-US" dirty="0"/>
+          </a:p>
+          <a:p>
+            <a:r>
+              <a:rPr lang="en-US" dirty="0"/>
+              <a:t>Invite questions and feedback from the audience</a:t>
+            </a:r>
+          </a:p>
+          <a:p>
+            <a:pPr marL="0" indent="0">
+              <a:buNone/>
+            </a:pPr>
+            <a:endParaRPr lang="en-US" dirty="0"/>
+          </a:p>
+        </p:txBody>
+      </p:sp>
+    </p:spTree>
+    <p:extLst>
+      <p:ext uri="{BB962C8B-B14F-4D97-AF65-F5344CB8AC3E}">
+        <p14:creationId xmlns:p14="http://schemas.microsoft.com/office/powerpoint/2010/main" val="374957257"/>
+      </p:ext>
+    </p:extLst>
+  </p:cSld>
+  <p:clrMapOvr>
+    <a:masterClrMapping/>
+  </p:clrMapOvr>
+</p:sld>
+</file>
+
+<file path=ppt/slides/slide24.xml><?xml version="1.0" encoding="utf-8"?>
+<p:sld xmlns:a="http://schemas.openxmlformats.org/drawingml/2006/main" xmlns:r="http://schemas.openxmlformats.org/officeDocument/2006/relationships" xmlns:p="http://schemas.openxmlformats.org/presentationml/2006/main">
+  <p:cSld>
+    <p:spTree>
+      <p:nvGrpSpPr>
+        <p:cNvPr id="1" name=""/>
+        <p:cNvGrpSpPr/>
+        <p:nvPr/>
+      </p:nvGrpSpPr>
+      <p:grpSpPr>
+        <a:xfrm>
+          <a:off x="0" y="0"/>
+          <a:ext cx="0" cy="0"/>
+          <a:chOff x="0" y="0"/>
+          <a:chExt cx="0" cy="0"/>
+        </a:xfrm>
+      </p:grpSpPr>
+      <p:sp>
+        <p:nvSpPr>
+          <p:cNvPr id="2" name="Rectangle 1">
+            <a:extLst>
+              <a:ext uri="{FF2B5EF4-FFF2-40B4-BE49-F238E27FC236}">
+                <a16:creationId xmlns:a16="http://schemas.microsoft.com/office/drawing/2014/main" id="{2E811933-3DC1-AC6E-E7A6-5748D3B15381}"/>
+              </a:ext>
+            </a:extLst>
+          </p:cNvPr>
+          <p:cNvSpPr/>
+          <p:nvPr/>
+        </p:nvSpPr>
+        <p:spPr>
+          <a:xfrm>
+            <a:off x="4183457" y="2967335"/>
+            <a:ext cx="3825086" cy="923330"/>
+          </a:xfrm>
+          <a:prstGeom prst="rect">
+            <a:avLst/>
+          </a:prstGeom>
+          <a:noFill/>
+        </p:spPr>
+        <p:txBody>
+          <a:bodyPr wrap="none" lIns="91440" tIns="45720" rIns="91440" bIns="45720">
+            <a:spAutoFit/>
+          </a:bodyPr>
+          <a:lstStyle/>
+          <a:p>
+            <a:pPr algn="ctr"/>
+            <a:r>
+              <a:rPr lang="en-US" sz="5400" b="0" cap="none" spc="0" dirty="0">
+                <a:ln w="0"/>
+                <a:solidFill>
+                  <a:schemeClr val="tx1"/>
+                </a:solidFill>
+                <a:effectLst>
+                  <a:outerShdw blurRad="38100" dist="19050" dir="2700000" algn="tl" rotWithShape="0">
+                    <a:schemeClr val="dk1">
+                      <a:alpha val="40000"/>
+                    </a:schemeClr>
+                  </a:outerShdw>
+                </a:effectLst>
+              </a:rPr>
+              <a:t>Thank </a:t>
+            </a:r>
+            <a:r>
+              <a:rPr lang="en-US" sz="5400" dirty="0">
+                <a:ln w="0"/>
+                <a:effectLst>
+                  <a:outerShdw blurRad="38100" dist="19050" dir="2700000" algn="tl" rotWithShape="0">
+                    <a:schemeClr val="dk1">
+                      <a:alpha val="40000"/>
+                    </a:schemeClr>
+                  </a:outerShdw>
+                </a:effectLst>
+              </a:rPr>
+              <a:t>You!</a:t>
+            </a:r>
+            <a:endParaRPr lang="en-US" sz="5400" b="0" cap="none" spc="0" dirty="0">
+              <a:ln w="0"/>
+              <a:solidFill>
+                <a:schemeClr val="tx1"/>
+              </a:solidFill>
+              <a:effectLst>
+                <a:outerShdw blurRad="38100" dist="19050" dir="2700000" algn="tl" rotWithShape="0">
+                  <a:schemeClr val="dk1">
+                    <a:alpha val="40000"/>
+                  </a:schemeClr>
+                </a:outerShdw>
+              </a:effectLst>
+            </a:endParaRPr>
+          </a:p>
+        </p:txBody>
+      </p:sp>
+      <p:grpSp>
+        <p:nvGrpSpPr>
+          <p:cNvPr id="3" name="Group 2">
+            <a:extLst>
+              <a:ext uri="{FF2B5EF4-FFF2-40B4-BE49-F238E27FC236}">
+                <a16:creationId xmlns:a16="http://schemas.microsoft.com/office/drawing/2014/main" id="{DD650F87-3B5C-0253-F762-B2DFEBF80BF5}"/>
+              </a:ext>
+            </a:extLst>
+          </p:cNvPr>
+          <p:cNvGrpSpPr/>
+          <p:nvPr/>
+        </p:nvGrpSpPr>
+        <p:grpSpPr>
+          <a:xfrm>
+            <a:off x="10920460" y="2281072"/>
+            <a:ext cx="876301" cy="940470"/>
+            <a:chOff x="5157588" y="3713127"/>
+            <a:chExt cx="876301" cy="940470"/>
+          </a:xfrm>
+        </p:grpSpPr>
+        <p:sp>
+          <p:nvSpPr>
+            <p:cNvPr id="4" name="Freeform 3">
+              <a:extLst>
+                <a:ext uri="{FF2B5EF4-FFF2-40B4-BE49-F238E27FC236}">
+                  <a16:creationId xmlns:a16="http://schemas.microsoft.com/office/drawing/2014/main" id="{B8CF5A68-5883-28F2-2C65-E15ACDDD0718}"/>
+                </a:ext>
+              </a:extLst>
+            </p:cNvPr>
+            <p:cNvSpPr/>
+            <p:nvPr/>
+          </p:nvSpPr>
+          <p:spPr>
+            <a:xfrm>
+              <a:off x="5225256" y="3968750"/>
+              <a:ext cx="600075" cy="684847"/>
+            </a:xfrm>
+            <a:custGeom>
+              <a:avLst/>
+              <a:gdLst>
+                <a:gd name="connsiteX0" fmla="*/ 514350 w 600075"/>
+                <a:gd name="connsiteY0" fmla="*/ 0 h 684847"/>
+                <a:gd name="connsiteX1" fmla="*/ 428625 w 600075"/>
+                <a:gd name="connsiteY1" fmla="*/ 85725 h 684847"/>
+                <a:gd name="connsiteX2" fmla="*/ 428625 w 600075"/>
+                <a:gd name="connsiteY2" fmla="*/ 219075 h 684847"/>
+                <a:gd name="connsiteX3" fmla="*/ 361950 w 600075"/>
+                <a:gd name="connsiteY3" fmla="*/ 285750 h 684847"/>
+                <a:gd name="connsiteX4" fmla="*/ 130493 w 600075"/>
+                <a:gd name="connsiteY4" fmla="*/ 285750 h 684847"/>
+                <a:gd name="connsiteX5" fmla="*/ 47625 w 600075"/>
+                <a:gd name="connsiteY5" fmla="*/ 238125 h 684847"/>
+                <a:gd name="connsiteX6" fmla="*/ 0 w 600075"/>
+                <a:gd name="connsiteY6" fmla="*/ 285750 h 684847"/>
+                <a:gd name="connsiteX7" fmla="*/ 30480 w 600075"/>
+                <a:gd name="connsiteY7" fmla="*/ 330518 h 684847"/>
+                <a:gd name="connsiteX8" fmla="*/ 28575 w 600075"/>
+                <a:gd name="connsiteY8" fmla="*/ 342900 h 684847"/>
+                <a:gd name="connsiteX9" fmla="*/ 76200 w 600075"/>
+                <a:gd name="connsiteY9" fmla="*/ 390525 h 684847"/>
+                <a:gd name="connsiteX10" fmla="*/ 76200 w 600075"/>
+                <a:gd name="connsiteY10" fmla="*/ 390525 h 684847"/>
+                <a:gd name="connsiteX11" fmla="*/ 276225 w 600075"/>
+                <a:gd name="connsiteY11" fmla="*/ 551498 h 684847"/>
+                <a:gd name="connsiteX12" fmla="*/ 276225 w 600075"/>
+                <a:gd name="connsiteY12" fmla="*/ 609600 h 684847"/>
+                <a:gd name="connsiteX13" fmla="*/ 257175 w 600075"/>
+                <a:gd name="connsiteY13" fmla="*/ 627698 h 684847"/>
+                <a:gd name="connsiteX14" fmla="*/ 266700 w 600075"/>
+                <a:gd name="connsiteY14" fmla="*/ 644843 h 684847"/>
+                <a:gd name="connsiteX15" fmla="*/ 322898 w 600075"/>
+                <a:gd name="connsiteY15" fmla="*/ 681990 h 684847"/>
+                <a:gd name="connsiteX16" fmla="*/ 333375 w 600075"/>
+                <a:gd name="connsiteY16" fmla="*/ 684848 h 684847"/>
+                <a:gd name="connsiteX17" fmla="*/ 341948 w 600075"/>
+                <a:gd name="connsiteY17" fmla="*/ 682943 h 684847"/>
+                <a:gd name="connsiteX18" fmla="*/ 352425 w 600075"/>
+                <a:gd name="connsiteY18" fmla="*/ 665798 h 684847"/>
+                <a:gd name="connsiteX19" fmla="*/ 352425 w 600075"/>
+                <a:gd name="connsiteY19" fmla="*/ 664845 h 684847"/>
+                <a:gd name="connsiteX20" fmla="*/ 365760 w 600075"/>
+                <a:gd name="connsiteY20" fmla="*/ 646748 h 684847"/>
+                <a:gd name="connsiteX21" fmla="*/ 368618 w 600075"/>
+                <a:gd name="connsiteY21" fmla="*/ 645795 h 684847"/>
+                <a:gd name="connsiteX22" fmla="*/ 381000 w 600075"/>
+                <a:gd name="connsiteY22" fmla="*/ 621030 h 684847"/>
+                <a:gd name="connsiteX23" fmla="*/ 361950 w 600075"/>
+                <a:gd name="connsiteY23" fmla="*/ 608648 h 684847"/>
+                <a:gd name="connsiteX24" fmla="*/ 314325 w 600075"/>
+                <a:gd name="connsiteY24" fmla="*/ 608648 h 684847"/>
+                <a:gd name="connsiteX25" fmla="*/ 314325 w 600075"/>
+                <a:gd name="connsiteY25" fmla="*/ 550545 h 684847"/>
+                <a:gd name="connsiteX26" fmla="*/ 352425 w 600075"/>
+                <a:gd name="connsiteY26" fmla="*/ 543878 h 684847"/>
+                <a:gd name="connsiteX27" fmla="*/ 352425 w 600075"/>
+                <a:gd name="connsiteY27" fmla="*/ 571500 h 684847"/>
+                <a:gd name="connsiteX28" fmla="*/ 333375 w 600075"/>
+                <a:gd name="connsiteY28" fmla="*/ 589598 h 684847"/>
+                <a:gd name="connsiteX29" fmla="*/ 333375 w 600075"/>
+                <a:gd name="connsiteY29" fmla="*/ 590550 h 684847"/>
+                <a:gd name="connsiteX30" fmla="*/ 360998 w 600075"/>
+                <a:gd name="connsiteY30" fmla="*/ 590550 h 684847"/>
+                <a:gd name="connsiteX31" fmla="*/ 398145 w 600075"/>
+                <a:gd name="connsiteY31" fmla="*/ 616268 h 684847"/>
+                <a:gd name="connsiteX32" fmla="*/ 397193 w 600075"/>
+                <a:gd name="connsiteY32" fmla="*/ 643890 h 684847"/>
+                <a:gd name="connsiteX33" fmla="*/ 399098 w 600075"/>
+                <a:gd name="connsiteY33" fmla="*/ 644843 h 684847"/>
+                <a:gd name="connsiteX34" fmla="*/ 409575 w 600075"/>
+                <a:gd name="connsiteY34" fmla="*/ 647700 h 684847"/>
+                <a:gd name="connsiteX35" fmla="*/ 418148 w 600075"/>
+                <a:gd name="connsiteY35" fmla="*/ 645795 h 684847"/>
+                <a:gd name="connsiteX36" fmla="*/ 428625 w 600075"/>
+                <a:gd name="connsiteY36" fmla="*/ 628650 h 684847"/>
+                <a:gd name="connsiteX37" fmla="*/ 428625 w 600075"/>
+                <a:gd name="connsiteY37" fmla="*/ 627698 h 684847"/>
+                <a:gd name="connsiteX38" fmla="*/ 441960 w 600075"/>
+                <a:gd name="connsiteY38" fmla="*/ 609600 h 684847"/>
+                <a:gd name="connsiteX39" fmla="*/ 444818 w 600075"/>
+                <a:gd name="connsiteY39" fmla="*/ 608648 h 684847"/>
+                <a:gd name="connsiteX40" fmla="*/ 457200 w 600075"/>
+                <a:gd name="connsiteY40" fmla="*/ 583883 h 684847"/>
+                <a:gd name="connsiteX41" fmla="*/ 438150 w 600075"/>
+                <a:gd name="connsiteY41" fmla="*/ 571500 h 684847"/>
+                <a:gd name="connsiteX42" fmla="*/ 390525 w 600075"/>
+                <a:gd name="connsiteY42" fmla="*/ 571500 h 684847"/>
+                <a:gd name="connsiteX43" fmla="*/ 390525 w 600075"/>
+                <a:gd name="connsiteY43" fmla="*/ 531495 h 684847"/>
+                <a:gd name="connsiteX44" fmla="*/ 523875 w 600075"/>
+                <a:gd name="connsiteY44" fmla="*/ 323850 h 684847"/>
+                <a:gd name="connsiteX45" fmla="*/ 523875 w 600075"/>
+                <a:gd name="connsiteY45" fmla="*/ 170498 h 684847"/>
+                <a:gd name="connsiteX46" fmla="*/ 600075 w 600075"/>
+                <a:gd name="connsiteY46" fmla="*/ 85725 h 684847"/>
+                <a:gd name="connsiteX47" fmla="*/ 514350 w 600075"/>
+                <a:gd name="connsiteY47" fmla="*/ 0 h 684847"/>
+              </a:gdLst>
+              <a:ahLst/>
+              <a:cxnLst>
+                <a:cxn ang="0">
+                  <a:pos x="connsiteX0" y="connsiteY0"/>
+                </a:cxn>
+                <a:cxn ang="0">
+                  <a:pos x="connsiteX1" y="connsiteY1"/>
+                </a:cxn>
+                <a:cxn ang="0">
+                  <a:pos x="connsiteX2" y="connsiteY2"/>
+                </a:cxn>
+                <a:cxn ang="0">
+                  <a:pos x="connsiteX3" y="connsiteY3"/>
+                </a:cxn>
+                <a:cxn ang="0">
+                  <a:pos x="connsiteX4" y="connsiteY4"/>
+                </a:cxn>
+                <a:cxn ang="0">
+                  <a:pos x="connsiteX5" y="connsiteY5"/>
+                </a:cxn>
+                <a:cxn ang="0">
+                  <a:pos x="connsiteX6" y="connsiteY6"/>
+                </a:cxn>
+                <a:cxn ang="0">
+                  <a:pos x="connsiteX7" y="connsiteY7"/>
+                </a:cxn>
+                <a:cxn ang="0">
+                  <a:pos x="connsiteX8" y="connsiteY8"/>
+                </a:cxn>
+                <a:cxn ang="0">
+                  <a:pos x="connsiteX9" y="connsiteY9"/>
+                </a:cxn>
+                <a:cxn ang="0">
+                  <a:pos x="connsiteX10" y="connsiteY10"/>
+                </a:cxn>
+                <a:cxn ang="0">
+                  <a:pos x="connsiteX11" y="connsiteY11"/>
+                </a:cxn>
+                <a:cxn ang="0">
+                  <a:pos x="connsiteX12" y="connsiteY12"/>
+                </a:cxn>
+                <a:cxn ang="0">
+                  <a:pos x="connsiteX13" y="connsiteY13"/>
+                </a:cxn>
+                <a:cxn ang="0">
+                  <a:pos x="connsiteX14" y="connsiteY14"/>
+                </a:cxn>
+                <a:cxn ang="0">
+                  <a:pos x="connsiteX15" y="connsiteY15"/>
+                </a:cxn>
+                <a:cxn ang="0">
+                  <a:pos x="connsiteX16" y="connsiteY16"/>
+                </a:cxn>
+                <a:cxn ang="0">
+                  <a:pos x="connsiteX17" y="connsiteY17"/>
+                </a:cxn>
+                <a:cxn ang="0">
+                  <a:pos x="connsiteX18" y="connsiteY18"/>
+                </a:cxn>
+                <a:cxn ang="0">
+                  <a:pos x="connsiteX19" y="connsiteY19"/>
+                </a:cxn>
+                <a:cxn ang="0">
+                  <a:pos x="connsiteX20" y="connsiteY20"/>
+                </a:cxn>
+                <a:cxn ang="0">
+                  <a:pos x="connsiteX21" y="connsiteY21"/>
+                </a:cxn>
+                <a:cxn ang="0">
+                  <a:pos x="connsiteX22" y="connsiteY22"/>
+                </a:cxn>
+                <a:cxn ang="0">
+                  <a:pos x="connsiteX23" y="connsiteY23"/>
+                </a:cxn>
+                <a:cxn ang="0">
+                  <a:pos x="connsiteX24" y="connsiteY24"/>
+                </a:cxn>
+                <a:cxn ang="0">
+                  <a:pos x="connsiteX25" y="connsiteY25"/>
+                </a:cxn>
+                <a:cxn ang="0">
+                  <a:pos x="connsiteX26" y="connsiteY26"/>
+                </a:cxn>
+                <a:cxn ang="0">
+                  <a:pos x="connsiteX27" y="connsiteY27"/>
+                </a:cxn>
+                <a:cxn ang="0">
+                  <a:pos x="connsiteX28" y="connsiteY28"/>
+                </a:cxn>
+                <a:cxn ang="0">
+                  <a:pos x="connsiteX29" y="connsiteY29"/>
+                </a:cxn>
+                <a:cxn ang="0">
+                  <a:pos x="connsiteX30" y="connsiteY30"/>
+                </a:cxn>
+                <a:cxn ang="0">
+                  <a:pos x="connsiteX31" y="connsiteY31"/>
+                </a:cxn>
+                <a:cxn ang="0">
+                  <a:pos x="connsiteX32" y="connsiteY32"/>
+                </a:cxn>
+                <a:cxn ang="0">
+                  <a:pos x="connsiteX33" y="connsiteY33"/>
+                </a:cxn>
+                <a:cxn ang="0">
+                  <a:pos x="connsiteX34" y="connsiteY34"/>
+                </a:cxn>
+                <a:cxn ang="0">
+                  <a:pos x="connsiteX35" y="connsiteY35"/>
+                </a:cxn>
+                <a:cxn ang="0">
+                  <a:pos x="connsiteX36" y="connsiteY36"/>
+                </a:cxn>
+                <a:cxn ang="0">
+                  <a:pos x="connsiteX37" y="connsiteY37"/>
+                </a:cxn>
+                <a:cxn ang="0">
+                  <a:pos x="connsiteX38" y="connsiteY38"/>
+                </a:cxn>
+                <a:cxn ang="0">
+                  <a:pos x="connsiteX39" y="connsiteY39"/>
+                </a:cxn>
+                <a:cxn ang="0">
+                  <a:pos x="connsiteX40" y="connsiteY40"/>
+                </a:cxn>
+                <a:cxn ang="0">
+                  <a:pos x="connsiteX41" y="connsiteY41"/>
+                </a:cxn>
+                <a:cxn ang="0">
+                  <a:pos x="connsiteX42" y="connsiteY42"/>
+                </a:cxn>
+                <a:cxn ang="0">
+                  <a:pos x="connsiteX43" y="connsiteY43"/>
+                </a:cxn>
+                <a:cxn ang="0">
+                  <a:pos x="connsiteX44" y="connsiteY44"/>
+                </a:cxn>
+                <a:cxn ang="0">
+                  <a:pos x="connsiteX45" y="connsiteY45"/>
+                </a:cxn>
+                <a:cxn ang="0">
+                  <a:pos x="connsiteX46" y="connsiteY46"/>
+                </a:cxn>
+                <a:cxn ang="0">
+                  <a:pos x="connsiteX47" y="connsiteY47"/>
+                </a:cxn>
+              </a:cxnLst>
+              <a:rect l="l" t="t" r="r" b="b"/>
+              <a:pathLst>
+                <a:path w="600075" h="684847">
+                  <a:moveTo>
+                    <a:pt x="514350" y="0"/>
+                  </a:moveTo>
+                  <a:cubicBezTo>
+                    <a:pt x="466725" y="0"/>
+                    <a:pt x="428625" y="38100"/>
+                    <a:pt x="428625" y="85725"/>
+                  </a:cubicBezTo>
+                  <a:lnTo>
+                    <a:pt x="428625" y="219075"/>
+                  </a:lnTo>
+                  <a:cubicBezTo>
+                    <a:pt x="428625" y="256223"/>
+                    <a:pt x="399098" y="285750"/>
+                    <a:pt x="361950" y="285750"/>
+                  </a:cubicBezTo>
+                  <a:lnTo>
+                    <a:pt x="130493" y="285750"/>
+                  </a:lnTo>
+                  <a:cubicBezTo>
+                    <a:pt x="114300" y="257175"/>
+                    <a:pt x="82868" y="238125"/>
+                    <a:pt x="47625" y="238125"/>
+                  </a:cubicBezTo>
+                  <a:cubicBezTo>
+                    <a:pt x="20955" y="238125"/>
+                    <a:pt x="0" y="259080"/>
+                    <a:pt x="0" y="285750"/>
+                  </a:cubicBezTo>
+                  <a:cubicBezTo>
+                    <a:pt x="0" y="305753"/>
+                    <a:pt x="12383" y="322898"/>
+                    <a:pt x="30480" y="330518"/>
+                  </a:cubicBezTo>
+                  <a:cubicBezTo>
+                    <a:pt x="29528" y="334328"/>
+                    <a:pt x="28575" y="338138"/>
+                    <a:pt x="28575" y="342900"/>
+                  </a:cubicBezTo>
+                  <a:cubicBezTo>
+                    <a:pt x="28575" y="369570"/>
+                    <a:pt x="49530" y="390525"/>
+                    <a:pt x="76200" y="390525"/>
+                  </a:cubicBezTo>
+                  <a:lnTo>
+                    <a:pt x="76200" y="390525"/>
+                  </a:lnTo>
+                  <a:cubicBezTo>
+                    <a:pt x="102870" y="478155"/>
+                    <a:pt x="180975" y="543878"/>
+                    <a:pt x="276225" y="551498"/>
+                  </a:cubicBezTo>
+                  <a:lnTo>
+                    <a:pt x="276225" y="609600"/>
+                  </a:lnTo>
+                  <a:cubicBezTo>
+                    <a:pt x="265748" y="609600"/>
+                    <a:pt x="257175" y="617220"/>
+                    <a:pt x="257175" y="627698"/>
+                  </a:cubicBezTo>
+                  <a:cubicBezTo>
+                    <a:pt x="257175" y="634365"/>
+                    <a:pt x="260985" y="641033"/>
+                    <a:pt x="266700" y="644843"/>
+                  </a:cubicBezTo>
+                  <a:lnTo>
+                    <a:pt x="322898" y="681990"/>
+                  </a:lnTo>
+                  <a:cubicBezTo>
+                    <a:pt x="325755" y="683895"/>
+                    <a:pt x="329565" y="684848"/>
+                    <a:pt x="333375" y="684848"/>
+                  </a:cubicBezTo>
+                  <a:cubicBezTo>
+                    <a:pt x="336233" y="684848"/>
+                    <a:pt x="339090" y="683895"/>
+                    <a:pt x="341948" y="682943"/>
+                  </a:cubicBezTo>
+                  <a:cubicBezTo>
+                    <a:pt x="348615" y="680085"/>
+                    <a:pt x="352425" y="673418"/>
+                    <a:pt x="352425" y="665798"/>
+                  </a:cubicBezTo>
+                  <a:lnTo>
+                    <a:pt x="352425" y="664845"/>
+                  </a:lnTo>
+                  <a:cubicBezTo>
+                    <a:pt x="352425" y="656273"/>
+                    <a:pt x="358140" y="649605"/>
+                    <a:pt x="365760" y="646748"/>
+                  </a:cubicBezTo>
+                  <a:lnTo>
+                    <a:pt x="368618" y="645795"/>
+                  </a:lnTo>
+                  <a:cubicBezTo>
+                    <a:pt x="378143" y="642938"/>
+                    <a:pt x="383858" y="631508"/>
+                    <a:pt x="381000" y="621030"/>
+                  </a:cubicBezTo>
+                  <a:cubicBezTo>
+                    <a:pt x="378143" y="613410"/>
+                    <a:pt x="370523" y="608648"/>
+                    <a:pt x="361950" y="608648"/>
+                  </a:cubicBezTo>
+                  <a:lnTo>
+                    <a:pt x="314325" y="608648"/>
+                  </a:lnTo>
+                  <a:lnTo>
+                    <a:pt x="314325" y="550545"/>
+                  </a:lnTo>
+                  <a:cubicBezTo>
+                    <a:pt x="327660" y="549593"/>
+                    <a:pt x="340043" y="547688"/>
+                    <a:pt x="352425" y="543878"/>
+                  </a:cubicBezTo>
+                  <a:lnTo>
+                    <a:pt x="352425" y="571500"/>
+                  </a:lnTo>
+                  <a:cubicBezTo>
+                    <a:pt x="341948" y="571500"/>
+                    <a:pt x="333375" y="579120"/>
+                    <a:pt x="333375" y="589598"/>
+                  </a:cubicBezTo>
+                  <a:cubicBezTo>
+                    <a:pt x="333375" y="589598"/>
+                    <a:pt x="333375" y="589598"/>
+                    <a:pt x="333375" y="590550"/>
+                  </a:cubicBezTo>
+                  <a:lnTo>
+                    <a:pt x="360998" y="590550"/>
+                  </a:lnTo>
+                  <a:cubicBezTo>
+                    <a:pt x="378143" y="590550"/>
+                    <a:pt x="392430" y="601028"/>
+                    <a:pt x="398145" y="616268"/>
+                  </a:cubicBezTo>
+                  <a:cubicBezTo>
+                    <a:pt x="401003" y="624840"/>
+                    <a:pt x="401003" y="634365"/>
+                    <a:pt x="397193" y="643890"/>
+                  </a:cubicBezTo>
+                  <a:lnTo>
+                    <a:pt x="399098" y="644843"/>
+                  </a:lnTo>
+                  <a:cubicBezTo>
+                    <a:pt x="401955" y="646748"/>
+                    <a:pt x="405765" y="647700"/>
+                    <a:pt x="409575" y="647700"/>
+                  </a:cubicBezTo>
+                  <a:cubicBezTo>
+                    <a:pt x="412433" y="647700"/>
+                    <a:pt x="415290" y="646748"/>
+                    <a:pt x="418148" y="645795"/>
+                  </a:cubicBezTo>
+                  <a:cubicBezTo>
+                    <a:pt x="424815" y="642938"/>
+                    <a:pt x="428625" y="636270"/>
+                    <a:pt x="428625" y="628650"/>
+                  </a:cubicBezTo>
+                  <a:lnTo>
+                    <a:pt x="428625" y="627698"/>
+                  </a:lnTo>
+                  <a:cubicBezTo>
+                    <a:pt x="428625" y="619125"/>
+                    <a:pt x="434340" y="612458"/>
+                    <a:pt x="441960" y="609600"/>
+                  </a:cubicBezTo>
+                  <a:lnTo>
+                    <a:pt x="444818" y="608648"/>
+                  </a:lnTo>
+                  <a:cubicBezTo>
+                    <a:pt x="454343" y="605790"/>
+                    <a:pt x="460058" y="594360"/>
+                    <a:pt x="457200" y="583883"/>
+                  </a:cubicBezTo>
+                  <a:cubicBezTo>
+                    <a:pt x="454343" y="576263"/>
+                    <a:pt x="446723" y="571500"/>
+                    <a:pt x="438150" y="571500"/>
+                  </a:cubicBezTo>
+                  <a:lnTo>
+                    <a:pt x="390525" y="571500"/>
+                  </a:lnTo>
+                  <a:lnTo>
+                    <a:pt x="390525" y="531495"/>
+                  </a:lnTo>
+                  <a:cubicBezTo>
+                    <a:pt x="469583" y="495300"/>
+                    <a:pt x="523875" y="416243"/>
+                    <a:pt x="523875" y="323850"/>
+                  </a:cubicBezTo>
+                  <a:lnTo>
+                    <a:pt x="523875" y="170498"/>
+                  </a:lnTo>
+                  <a:cubicBezTo>
+                    <a:pt x="566738" y="165735"/>
+                    <a:pt x="600075" y="129540"/>
+                    <a:pt x="600075" y="85725"/>
+                  </a:cubicBezTo>
+                  <a:cubicBezTo>
+                    <a:pt x="600075" y="38100"/>
+                    <a:pt x="561975" y="0"/>
+                    <a:pt x="514350" y="0"/>
+                  </a:cubicBezTo>
+                  <a:close/>
+                </a:path>
+              </a:pathLst>
+            </a:custGeom>
+            <a:solidFill>
+              <a:schemeClr val="accent2"/>
+            </a:solidFill>
+            <a:ln w="9525" cap="flat">
+              <a:noFill/>
+              <a:prstDash val="solid"/>
+              <a:miter/>
+            </a:ln>
+          </p:spPr>
+          <p:txBody>
+            <a:bodyPr rtlCol="0" anchor="ctr"/>
+            <a:lstStyle/>
+            <a:p>
+              <a:endParaRPr lang="en-US"/>
+            </a:p>
+          </p:txBody>
+        </p:sp>
+        <p:sp>
+          <p:nvSpPr>
+            <p:cNvPr id="5" name="Freeform 4">
+              <a:extLst>
+                <a:ext uri="{FF2B5EF4-FFF2-40B4-BE49-F238E27FC236}">
+                  <a16:creationId xmlns:a16="http://schemas.microsoft.com/office/drawing/2014/main" id="{F326B68C-74EC-9464-3722-5F015B41D5FA}"/>
+                </a:ext>
+              </a:extLst>
+            </p:cNvPr>
+            <p:cNvSpPr/>
+            <p:nvPr/>
+          </p:nvSpPr>
+          <p:spPr>
+            <a:xfrm>
+              <a:off x="5832951" y="4055427"/>
+              <a:ext cx="78104" cy="46672"/>
+            </a:xfrm>
+            <a:custGeom>
+              <a:avLst/>
+              <a:gdLst>
+                <a:gd name="connsiteX0" fmla="*/ 37147 w 78104"/>
+                <a:gd name="connsiteY0" fmla="*/ 5715 h 46672"/>
+                <a:gd name="connsiteX1" fmla="*/ 11430 w 78104"/>
+                <a:gd name="connsiteY1" fmla="*/ 0 h 46672"/>
+                <a:gd name="connsiteX2" fmla="*/ 0 w 78104"/>
+                <a:gd name="connsiteY2" fmla="*/ 46672 h 46672"/>
+                <a:gd name="connsiteX3" fmla="*/ 13335 w 78104"/>
+                <a:gd name="connsiteY3" fmla="*/ 46672 h 46672"/>
+                <a:gd name="connsiteX4" fmla="*/ 68580 w 78104"/>
+                <a:gd name="connsiteY4" fmla="*/ 22860 h 46672"/>
+                <a:gd name="connsiteX5" fmla="*/ 78105 w 78104"/>
+                <a:gd name="connsiteY5" fmla="*/ 8572 h 46672"/>
+                <a:gd name="connsiteX6" fmla="*/ 37147 w 78104"/>
+                <a:gd name="connsiteY6" fmla="*/ 5715 h 46672"/>
+              </a:gdLst>
+              <a:ahLst/>
+              <a:cxnLst>
+                <a:cxn ang="0">
+                  <a:pos x="connsiteX0" y="connsiteY0"/>
+                </a:cxn>
+                <a:cxn ang="0">
+                  <a:pos x="connsiteX1" y="connsiteY1"/>
+                </a:cxn>
+                <a:cxn ang="0">
+                  <a:pos x="connsiteX2" y="connsiteY2"/>
+                </a:cxn>
+                <a:cxn ang="0">
+                  <a:pos x="connsiteX3" y="connsiteY3"/>
+                </a:cxn>
+                <a:cxn ang="0">
+                  <a:pos x="connsiteX4" y="connsiteY4"/>
+                </a:cxn>
+                <a:cxn ang="0">
+                  <a:pos x="connsiteX5" y="connsiteY5"/>
+                </a:cxn>
+                <a:cxn ang="0">
+                  <a:pos x="connsiteX6" y="connsiteY6"/>
+                </a:cxn>
+              </a:cxnLst>
+              <a:rect l="l" t="t" r="r" b="b"/>
+              <a:pathLst>
+                <a:path w="78104" h="46672">
+                  <a:moveTo>
+                    <a:pt x="37147" y="5715"/>
+                  </a:moveTo>
+                  <a:cubicBezTo>
+                    <a:pt x="27622" y="4763"/>
+                    <a:pt x="19050" y="2857"/>
+                    <a:pt x="11430" y="0"/>
+                  </a:cubicBezTo>
+                  <a:cubicBezTo>
+                    <a:pt x="11430" y="17145"/>
+                    <a:pt x="7620" y="33338"/>
+                    <a:pt x="0" y="46672"/>
+                  </a:cubicBezTo>
+                  <a:cubicBezTo>
+                    <a:pt x="4763" y="46672"/>
+                    <a:pt x="8572" y="46672"/>
+                    <a:pt x="13335" y="46672"/>
+                  </a:cubicBezTo>
+                  <a:cubicBezTo>
+                    <a:pt x="40957" y="46672"/>
+                    <a:pt x="58102" y="34290"/>
+                    <a:pt x="68580" y="22860"/>
+                  </a:cubicBezTo>
+                  <a:cubicBezTo>
+                    <a:pt x="73342" y="18097"/>
+                    <a:pt x="76200" y="12382"/>
+                    <a:pt x="78105" y="8572"/>
+                  </a:cubicBezTo>
+                  <a:cubicBezTo>
+                    <a:pt x="70485" y="8572"/>
+                    <a:pt x="58102" y="7620"/>
+                    <a:pt x="37147" y="5715"/>
+                  </a:cubicBezTo>
+                  <a:close/>
+                </a:path>
+              </a:pathLst>
+            </a:custGeom>
+            <a:solidFill>
+              <a:schemeClr val="accent2"/>
+            </a:solidFill>
+            <a:ln w="9525" cap="flat">
+              <a:noFill/>
+              <a:prstDash val="solid"/>
+              <a:miter/>
+            </a:ln>
+          </p:spPr>
+          <p:txBody>
+            <a:bodyPr rtlCol="0" anchor="ctr"/>
+            <a:lstStyle/>
+            <a:p>
+              <a:endParaRPr lang="en-US"/>
+            </a:p>
+          </p:txBody>
+        </p:sp>
+        <p:sp>
+          <p:nvSpPr>
+            <p:cNvPr id="6" name="Freeform 5">
+              <a:extLst>
+                <a:ext uri="{FF2B5EF4-FFF2-40B4-BE49-F238E27FC236}">
+                  <a16:creationId xmlns:a16="http://schemas.microsoft.com/office/drawing/2014/main" id="{D86BF47A-5B34-326F-891C-600E713D4832}"/>
+                </a:ext>
+              </a:extLst>
+            </p:cNvPr>
+            <p:cNvSpPr/>
+            <p:nvPr/>
+          </p:nvSpPr>
+          <p:spPr>
+            <a:xfrm rot="579383" flipH="1">
+              <a:off x="5832421" y="3988177"/>
+              <a:ext cx="123053" cy="161019"/>
+            </a:xfrm>
+            <a:custGeom>
+              <a:avLst/>
+              <a:gdLst>
+                <a:gd name="connsiteX0" fmla="*/ 20669 w 123053"/>
+                <a:gd name="connsiteY0" fmla="*/ 125925 h 161019"/>
+                <a:gd name="connsiteX1" fmla="*/ 102165 w 123053"/>
+                <a:gd name="connsiteY1" fmla="*/ 159901 h 161019"/>
+                <a:gd name="connsiteX2" fmla="*/ 122949 w 123053"/>
+                <a:gd name="connsiteY2" fmla="*/ 135583 h 161019"/>
+                <a:gd name="connsiteX3" fmla="*/ 123054 w 123053"/>
+                <a:gd name="connsiteY3" fmla="*/ 76624 h 161019"/>
+                <a:gd name="connsiteX4" fmla="*/ 102384 w 123053"/>
+                <a:gd name="connsiteY4" fmla="*/ 35047 h 161019"/>
+                <a:gd name="connsiteX5" fmla="*/ 20888 w 123053"/>
+                <a:gd name="connsiteY5" fmla="*/ 1119 h 161019"/>
+                <a:gd name="connsiteX6" fmla="*/ 105 w 123053"/>
+                <a:gd name="connsiteY6" fmla="*/ 25436 h 161019"/>
+                <a:gd name="connsiteX7" fmla="*/ 0 w 123053"/>
+                <a:gd name="connsiteY7" fmla="*/ 84396 h 161019"/>
+                <a:gd name="connsiteX8" fmla="*/ 20669 w 123053"/>
+                <a:gd name="connsiteY8" fmla="*/ 125925 h 161019"/>
+              </a:gdLst>
+              <a:ahLst/>
+              <a:cxnLst>
+                <a:cxn ang="0">
+                  <a:pos x="connsiteX0" y="connsiteY0"/>
+                </a:cxn>
+                <a:cxn ang="0">
+                  <a:pos x="connsiteX1" y="connsiteY1"/>
+                </a:cxn>
+                <a:cxn ang="0">
+                  <a:pos x="connsiteX2" y="connsiteY2"/>
+                </a:cxn>
+                <a:cxn ang="0">
+                  <a:pos x="connsiteX3" y="connsiteY3"/>
+                </a:cxn>
+                <a:cxn ang="0">
+                  <a:pos x="connsiteX4" y="connsiteY4"/>
+                </a:cxn>
+                <a:cxn ang="0">
+                  <a:pos x="connsiteX5" y="connsiteY5"/>
+                </a:cxn>
+                <a:cxn ang="0">
+                  <a:pos x="connsiteX6" y="connsiteY6"/>
+                </a:cxn>
+                <a:cxn ang="0">
+                  <a:pos x="connsiteX7" y="connsiteY7"/>
+                </a:cxn>
+                <a:cxn ang="0">
+                  <a:pos x="connsiteX8" y="connsiteY8"/>
+                </a:cxn>
+              </a:cxnLst>
+              <a:rect l="l" t="t" r="r" b="b"/>
+              <a:pathLst>
+                <a:path w="123053" h="161019">
+                  <a:moveTo>
+                    <a:pt x="20669" y="125925"/>
+                  </a:moveTo>
+                  <a:lnTo>
+                    <a:pt x="102165" y="159901"/>
+                  </a:lnTo>
+                  <a:cubicBezTo>
+                    <a:pt x="113595" y="164663"/>
+                    <a:pt x="122911" y="153786"/>
+                    <a:pt x="122949" y="135583"/>
+                  </a:cubicBezTo>
+                  <a:lnTo>
+                    <a:pt x="123054" y="76624"/>
+                  </a:lnTo>
+                  <a:cubicBezTo>
+                    <a:pt x="123054" y="58431"/>
+                    <a:pt x="113833" y="39810"/>
+                    <a:pt x="102384" y="35047"/>
+                  </a:cubicBezTo>
+                  <a:lnTo>
+                    <a:pt x="20888" y="1119"/>
+                  </a:lnTo>
+                  <a:cubicBezTo>
+                    <a:pt x="9458" y="-3644"/>
+                    <a:pt x="133" y="7234"/>
+                    <a:pt x="105" y="25436"/>
+                  </a:cubicBezTo>
+                  <a:lnTo>
+                    <a:pt x="0" y="84396"/>
+                  </a:lnTo>
+                  <a:cubicBezTo>
+                    <a:pt x="-29" y="102541"/>
+                    <a:pt x="9220" y="121163"/>
+                    <a:pt x="20669" y="125925"/>
+                  </a:cubicBezTo>
+                  <a:close/>
+                </a:path>
+              </a:pathLst>
+            </a:custGeom>
+            <a:solidFill>
+              <a:srgbClr val="000000"/>
+            </a:solidFill>
+            <a:ln w="9525" cap="flat">
+              <a:noFill/>
+              <a:prstDash val="solid"/>
+              <a:miter/>
+            </a:ln>
+          </p:spPr>
+          <p:txBody>
+            <a:bodyPr rtlCol="0" anchor="ctr"/>
+            <a:lstStyle/>
+            <a:p>
+              <a:endParaRPr lang="en-US"/>
+            </a:p>
+          </p:txBody>
+        </p:sp>
+        <p:sp>
+          <p:nvSpPr>
+            <p:cNvPr id="7" name="Freeform 6">
+              <a:extLst>
+                <a:ext uri="{FF2B5EF4-FFF2-40B4-BE49-F238E27FC236}">
+                  <a16:creationId xmlns:a16="http://schemas.microsoft.com/office/drawing/2014/main" id="{3258FF21-EF39-ED6C-0004-74E75480ABAB}"/>
+                </a:ext>
+              </a:extLst>
+            </p:cNvPr>
+            <p:cNvSpPr/>
+            <p:nvPr/>
+          </p:nvSpPr>
+          <p:spPr>
+            <a:xfrm rot="579383" flipH="1">
+              <a:off x="5579317" y="4046325"/>
+              <a:ext cx="123053" cy="161029"/>
+            </a:xfrm>
+            <a:custGeom>
+              <a:avLst/>
+              <a:gdLst>
+                <a:gd name="connsiteX0" fmla="*/ 20669 w 123053"/>
+                <a:gd name="connsiteY0" fmla="*/ 125978 h 161029"/>
+                <a:gd name="connsiteX1" fmla="*/ 102165 w 123053"/>
+                <a:gd name="connsiteY1" fmla="*/ 159906 h 161029"/>
+                <a:gd name="connsiteX2" fmla="*/ 107433 w 123053"/>
+                <a:gd name="connsiteY2" fmla="*/ 161030 h 161029"/>
+                <a:gd name="connsiteX3" fmla="*/ 122949 w 123053"/>
+                <a:gd name="connsiteY3" fmla="*/ 135588 h 161029"/>
+                <a:gd name="connsiteX4" fmla="*/ 123054 w 123053"/>
+                <a:gd name="connsiteY4" fmla="*/ 76629 h 161029"/>
+                <a:gd name="connsiteX5" fmla="*/ 102384 w 123053"/>
+                <a:gd name="connsiteY5" fmla="*/ 35052 h 161029"/>
+                <a:gd name="connsiteX6" fmla="*/ 20898 w 123053"/>
+                <a:gd name="connsiteY6" fmla="*/ 1124 h 161029"/>
+                <a:gd name="connsiteX7" fmla="*/ 15631 w 123053"/>
+                <a:gd name="connsiteY7" fmla="*/ 0 h 161029"/>
+                <a:gd name="connsiteX8" fmla="*/ 105 w 123053"/>
+                <a:gd name="connsiteY8" fmla="*/ 25441 h 161029"/>
+                <a:gd name="connsiteX9" fmla="*/ 0 w 123053"/>
+                <a:gd name="connsiteY9" fmla="*/ 84401 h 161029"/>
+                <a:gd name="connsiteX10" fmla="*/ 20669 w 123053"/>
+                <a:gd name="connsiteY10" fmla="*/ 125978 h 161029"/>
+                <a:gd name="connsiteX11" fmla="*/ 38167 w 123053"/>
+                <a:gd name="connsiteY11" fmla="*/ 49587 h 161029"/>
+                <a:gd name="connsiteX12" fmla="*/ 83182 w 123053"/>
+                <a:gd name="connsiteY12" fmla="*/ 68323 h 161029"/>
+                <a:gd name="connsiteX13" fmla="*/ 84954 w 123053"/>
+                <a:gd name="connsiteY13" fmla="*/ 76562 h 161029"/>
+                <a:gd name="connsiteX14" fmla="*/ 84896 w 123053"/>
+                <a:gd name="connsiteY14" fmla="*/ 111452 h 161029"/>
+                <a:gd name="connsiteX15" fmla="*/ 39881 w 123053"/>
+                <a:gd name="connsiteY15" fmla="*/ 92707 h 161029"/>
+                <a:gd name="connsiteX16" fmla="*/ 38100 w 123053"/>
+                <a:gd name="connsiteY16" fmla="*/ 84468 h 161029"/>
+              </a:gdLst>
+              <a:ahLst/>
+              <a:cxnLst>
+                <a:cxn ang="0">
+                  <a:pos x="connsiteX0" y="connsiteY0"/>
+                </a:cxn>
+                <a:cxn ang="0">
+                  <a:pos x="connsiteX1" y="connsiteY1"/>
+                </a:cxn>
+                <a:cxn ang="0">
+                  <a:pos x="connsiteX2" y="connsiteY2"/>
+                </a:cxn>
+                <a:cxn ang="0">
+                  <a:pos x="connsiteX3" y="connsiteY3"/>
+                </a:cxn>
+                <a:cxn ang="0">
+                  <a:pos x="connsiteX4" y="connsiteY4"/>
+                </a:cxn>
+                <a:cxn ang="0">
+                  <a:pos x="connsiteX5" y="connsiteY5"/>
+                </a:cxn>
+                <a:cxn ang="0">
+                  <a:pos x="connsiteX6" y="connsiteY6"/>
+                </a:cxn>
+                <a:cxn ang="0">
+                  <a:pos x="connsiteX7" y="connsiteY7"/>
+                </a:cxn>
+                <a:cxn ang="0">
+                  <a:pos x="connsiteX8" y="connsiteY8"/>
+                </a:cxn>
+                <a:cxn ang="0">
+                  <a:pos x="connsiteX9" y="connsiteY9"/>
+                </a:cxn>
+                <a:cxn ang="0">
+                  <a:pos x="connsiteX10" y="connsiteY10"/>
+                </a:cxn>
+                <a:cxn ang="0">
+                  <a:pos x="connsiteX11" y="connsiteY11"/>
+                </a:cxn>
+                <a:cxn ang="0">
+                  <a:pos x="connsiteX12" y="connsiteY12"/>
+                </a:cxn>
+                <a:cxn ang="0">
+                  <a:pos x="connsiteX13" y="connsiteY13"/>
+                </a:cxn>
+                <a:cxn ang="0">
+                  <a:pos x="connsiteX14" y="connsiteY14"/>
+                </a:cxn>
+                <a:cxn ang="0">
+                  <a:pos x="connsiteX15" y="connsiteY15"/>
+                </a:cxn>
+                <a:cxn ang="0">
+                  <a:pos x="connsiteX16" y="connsiteY16"/>
+                </a:cxn>
+              </a:cxnLst>
+              <a:rect l="l" t="t" r="r" b="b"/>
+              <a:pathLst>
+                <a:path w="123053" h="161029">
+                  <a:moveTo>
+                    <a:pt x="20669" y="125978"/>
+                  </a:moveTo>
+                  <a:lnTo>
+                    <a:pt x="102165" y="159906"/>
+                  </a:lnTo>
+                  <a:cubicBezTo>
+                    <a:pt x="103828" y="160628"/>
+                    <a:pt x="105619" y="161010"/>
+                    <a:pt x="107433" y="161030"/>
+                  </a:cubicBezTo>
+                  <a:cubicBezTo>
+                    <a:pt x="116338" y="161030"/>
+                    <a:pt x="122920" y="150895"/>
+                    <a:pt x="122949" y="135588"/>
+                  </a:cubicBezTo>
+                  <a:lnTo>
+                    <a:pt x="123054" y="76629"/>
+                  </a:lnTo>
+                  <a:cubicBezTo>
+                    <a:pt x="123054" y="58436"/>
+                    <a:pt x="113833" y="39815"/>
+                    <a:pt x="102384" y="35052"/>
+                  </a:cubicBezTo>
+                  <a:lnTo>
+                    <a:pt x="20898" y="1124"/>
+                  </a:lnTo>
+                  <a:cubicBezTo>
+                    <a:pt x="19235" y="403"/>
+                    <a:pt x="17443" y="21"/>
+                    <a:pt x="15631" y="0"/>
+                  </a:cubicBezTo>
+                  <a:cubicBezTo>
+                    <a:pt x="6725" y="0"/>
+                    <a:pt x="133" y="10135"/>
+                    <a:pt x="105" y="25441"/>
+                  </a:cubicBezTo>
+                  <a:lnTo>
+                    <a:pt x="0" y="84401"/>
+                  </a:lnTo>
+                  <a:cubicBezTo>
+                    <a:pt x="-29" y="102594"/>
+                    <a:pt x="9220" y="121215"/>
+                    <a:pt x="20669" y="125978"/>
+                  </a:cubicBezTo>
+                  <a:close/>
+                  <a:moveTo>
+                    <a:pt x="38167" y="49587"/>
+                  </a:moveTo>
+                  <a:lnTo>
+                    <a:pt x="83182" y="68323"/>
+                  </a:lnTo>
+                  <a:cubicBezTo>
+                    <a:pt x="84311" y="70925"/>
+                    <a:pt x="84913" y="73725"/>
+                    <a:pt x="84954" y="76562"/>
+                  </a:cubicBezTo>
+                  <a:lnTo>
+                    <a:pt x="84896" y="111452"/>
+                  </a:lnTo>
+                  <a:lnTo>
+                    <a:pt x="39881" y="92707"/>
+                  </a:lnTo>
+                  <a:cubicBezTo>
+                    <a:pt x="38747" y="90106"/>
+                    <a:pt x="38141" y="87305"/>
+                    <a:pt x="38100" y="84468"/>
+                  </a:cubicBezTo>
+                  <a:close/>
+                </a:path>
+              </a:pathLst>
+            </a:custGeom>
+            <a:solidFill>
+              <a:srgbClr val="000000"/>
+            </a:solidFill>
+            <a:ln w="9525" cap="flat">
+              <a:noFill/>
+              <a:prstDash val="solid"/>
+              <a:miter/>
+            </a:ln>
+          </p:spPr>
+          <p:txBody>
+            <a:bodyPr rtlCol="0" anchor="ctr"/>
+            <a:lstStyle/>
+            <a:p>
+              <a:endParaRPr lang="en-US"/>
+            </a:p>
+          </p:txBody>
+        </p:sp>
+        <p:sp>
+          <p:nvSpPr>
+            <p:cNvPr id="8" name="Freeform 7">
+              <a:extLst>
+                <a:ext uri="{FF2B5EF4-FFF2-40B4-BE49-F238E27FC236}">
+                  <a16:creationId xmlns:a16="http://schemas.microsoft.com/office/drawing/2014/main" id="{6F53B0C9-DE80-3B7F-41D8-BFB151882D06}"/>
+                </a:ext>
+              </a:extLst>
+            </p:cNvPr>
+            <p:cNvSpPr/>
+            <p:nvPr/>
+          </p:nvSpPr>
+          <p:spPr>
+            <a:xfrm rot="579383" flipH="1">
+              <a:off x="5157588" y="3713127"/>
+              <a:ext cx="876301" cy="572099"/>
+            </a:xfrm>
+            <a:custGeom>
+              <a:avLst/>
+              <a:gdLst>
+                <a:gd name="connsiteX0" fmla="*/ 12002 w 876301"/>
+                <a:gd name="connsiteY0" fmla="*/ 119826 h 572099"/>
+                <a:gd name="connsiteX1" fmla="*/ 8877 w 876301"/>
+                <a:gd name="connsiteY1" fmla="*/ 121389 h 572099"/>
+                <a:gd name="connsiteX2" fmla="*/ 381 w 876301"/>
+                <a:gd name="connsiteY2" fmla="*/ 137248 h 572099"/>
+                <a:gd name="connsiteX3" fmla="*/ 0 w 876301"/>
+                <a:gd name="connsiteY3" fmla="*/ 351379 h 572099"/>
+                <a:gd name="connsiteX4" fmla="*/ 11725 w 876301"/>
+                <a:gd name="connsiteY4" fmla="*/ 369000 h 572099"/>
+                <a:gd name="connsiteX5" fmla="*/ 31071 w 876301"/>
+                <a:gd name="connsiteY5" fmla="*/ 377049 h 572099"/>
+                <a:gd name="connsiteX6" fmla="*/ 43396 w 876301"/>
+                <a:gd name="connsiteY6" fmla="*/ 401814 h 572099"/>
+                <a:gd name="connsiteX7" fmla="*/ 53140 w 876301"/>
+                <a:gd name="connsiteY7" fmla="*/ 410920 h 572099"/>
+                <a:gd name="connsiteX8" fmla="*/ 174927 w 876301"/>
+                <a:gd name="connsiteY8" fmla="*/ 461631 h 572099"/>
+                <a:gd name="connsiteX9" fmla="*/ 235658 w 876301"/>
+                <a:gd name="connsiteY9" fmla="*/ 437819 h 572099"/>
+                <a:gd name="connsiteX10" fmla="*/ 248860 w 876301"/>
+                <a:gd name="connsiteY10" fmla="*/ 413111 h 572099"/>
+                <a:gd name="connsiteX11" fmla="*/ 251231 w 876301"/>
+                <a:gd name="connsiteY11" fmla="*/ 418292 h 572099"/>
+                <a:gd name="connsiteX12" fmla="*/ 267719 w 876301"/>
+                <a:gd name="connsiteY12" fmla="*/ 463203 h 572099"/>
+                <a:gd name="connsiteX13" fmla="*/ 314782 w 876301"/>
+                <a:gd name="connsiteY13" fmla="*/ 519886 h 572099"/>
+                <a:gd name="connsiteX14" fmla="*/ 436578 w 876301"/>
+                <a:gd name="connsiteY14" fmla="*/ 570635 h 572099"/>
+                <a:gd name="connsiteX15" fmla="*/ 458381 w 876301"/>
+                <a:gd name="connsiteY15" fmla="*/ 565425 h 572099"/>
+                <a:gd name="connsiteX16" fmla="*/ 467525 w 876301"/>
+                <a:gd name="connsiteY16" fmla="*/ 554728 h 572099"/>
+                <a:gd name="connsiteX17" fmla="*/ 483565 w 876301"/>
+                <a:gd name="connsiteY17" fmla="*/ 556271 h 572099"/>
+                <a:gd name="connsiteX18" fmla="*/ 485775 w 876301"/>
+                <a:gd name="connsiteY18" fmla="*/ 556348 h 572099"/>
+                <a:gd name="connsiteX19" fmla="*/ 488023 w 876301"/>
+                <a:gd name="connsiteY19" fmla="*/ 556129 h 572099"/>
+                <a:gd name="connsiteX20" fmla="*/ 492947 w 876301"/>
+                <a:gd name="connsiteY20" fmla="*/ 554947 h 572099"/>
+                <a:gd name="connsiteX21" fmla="*/ 616772 w 876301"/>
+                <a:gd name="connsiteY21" fmla="*/ 504598 h 572099"/>
+                <a:gd name="connsiteX22" fmla="*/ 628202 w 876301"/>
+                <a:gd name="connsiteY22" fmla="*/ 491139 h 572099"/>
+                <a:gd name="connsiteX23" fmla="*/ 656987 w 876301"/>
+                <a:gd name="connsiteY23" fmla="*/ 363333 h 572099"/>
+                <a:gd name="connsiteX24" fmla="*/ 761324 w 876301"/>
+                <a:gd name="connsiteY24" fmla="*/ 320128 h 572099"/>
+                <a:gd name="connsiteX25" fmla="*/ 764477 w 876301"/>
+                <a:gd name="connsiteY25" fmla="*/ 320442 h 572099"/>
+                <a:gd name="connsiteX26" fmla="*/ 765972 w 876301"/>
+                <a:gd name="connsiteY26" fmla="*/ 323233 h 572099"/>
+                <a:gd name="connsiteX27" fmla="*/ 765972 w 876301"/>
+                <a:gd name="connsiteY27" fmla="*/ 330015 h 572099"/>
+                <a:gd name="connsiteX28" fmla="*/ 763638 w 876301"/>
+                <a:gd name="connsiteY28" fmla="*/ 333205 h 572099"/>
+                <a:gd name="connsiteX29" fmla="*/ 735063 w 876301"/>
+                <a:gd name="connsiteY29" fmla="*/ 372639 h 572099"/>
+                <a:gd name="connsiteX30" fmla="*/ 735063 w 876301"/>
+                <a:gd name="connsiteY30" fmla="*/ 382888 h 572099"/>
+                <a:gd name="connsiteX31" fmla="*/ 776579 w 876301"/>
+                <a:gd name="connsiteY31" fmla="*/ 424278 h 572099"/>
+                <a:gd name="connsiteX32" fmla="*/ 791528 w 876301"/>
+                <a:gd name="connsiteY32" fmla="*/ 421464 h 572099"/>
+                <a:gd name="connsiteX33" fmla="*/ 800767 w 876301"/>
+                <a:gd name="connsiteY33" fmla="*/ 417864 h 572099"/>
+                <a:gd name="connsiteX34" fmla="*/ 876300 w 876301"/>
+                <a:gd name="connsiteY34" fmla="*/ 307317 h 572099"/>
+                <a:gd name="connsiteX35" fmla="*/ 876300 w 876301"/>
+                <a:gd name="connsiteY35" fmla="*/ 285628 h 572099"/>
+                <a:gd name="connsiteX36" fmla="*/ 790678 w 876301"/>
+                <a:gd name="connsiteY36" fmla="*/ 200029 h 572099"/>
+                <a:gd name="connsiteX37" fmla="*/ 759038 w 876301"/>
+                <a:gd name="connsiteY37" fmla="*/ 206094 h 572099"/>
+                <a:gd name="connsiteX38" fmla="*/ 490776 w 876301"/>
+                <a:gd name="connsiteY38" fmla="*/ 312870 h 572099"/>
+                <a:gd name="connsiteX39" fmla="*/ 184071 w 876301"/>
+                <a:gd name="connsiteY39" fmla="*/ 185168 h 572099"/>
+                <a:gd name="connsiteX40" fmla="*/ 189786 w 876301"/>
+                <a:gd name="connsiteY40" fmla="*/ 163480 h 572099"/>
+                <a:gd name="connsiteX41" fmla="*/ 294561 w 876301"/>
+                <a:gd name="connsiteY41" fmla="*/ 120065 h 572099"/>
+                <a:gd name="connsiteX42" fmla="*/ 298954 w 876301"/>
+                <a:gd name="connsiteY42" fmla="*/ 121886 h 572099"/>
+                <a:gd name="connsiteX43" fmla="*/ 299209 w 876301"/>
+                <a:gd name="connsiteY43" fmla="*/ 123170 h 572099"/>
+                <a:gd name="connsiteX44" fmla="*/ 299209 w 876301"/>
+                <a:gd name="connsiteY44" fmla="*/ 129952 h 572099"/>
+                <a:gd name="connsiteX45" fmla="*/ 296875 w 876301"/>
+                <a:gd name="connsiteY45" fmla="*/ 133142 h 572099"/>
+                <a:gd name="connsiteX46" fmla="*/ 268300 w 876301"/>
+                <a:gd name="connsiteY46" fmla="*/ 172576 h 572099"/>
+                <a:gd name="connsiteX47" fmla="*/ 268300 w 876301"/>
+                <a:gd name="connsiteY47" fmla="*/ 182825 h 572099"/>
+                <a:gd name="connsiteX48" fmla="*/ 309716 w 876301"/>
+                <a:gd name="connsiteY48" fmla="*/ 224277 h 572099"/>
+                <a:gd name="connsiteX49" fmla="*/ 324803 w 876301"/>
+                <a:gd name="connsiteY49" fmla="*/ 221439 h 572099"/>
+                <a:gd name="connsiteX50" fmla="*/ 334042 w 876301"/>
+                <a:gd name="connsiteY50" fmla="*/ 217839 h 572099"/>
+                <a:gd name="connsiteX51" fmla="*/ 409575 w 876301"/>
+                <a:gd name="connsiteY51" fmla="*/ 107292 h 572099"/>
+                <a:gd name="connsiteX52" fmla="*/ 409575 w 876301"/>
+                <a:gd name="connsiteY52" fmla="*/ 85603 h 572099"/>
+                <a:gd name="connsiteX53" fmla="*/ 323957 w 876301"/>
+                <a:gd name="connsiteY53" fmla="*/ 0 h 572099"/>
+                <a:gd name="connsiteX54" fmla="*/ 292208 w 876301"/>
+                <a:gd name="connsiteY54" fmla="*/ 6107 h 572099"/>
+                <a:gd name="connsiteX55" fmla="*/ 306400 w 876301"/>
+                <a:gd name="connsiteY55" fmla="*/ 41474 h 572099"/>
+                <a:gd name="connsiteX56" fmla="*/ 368105 w 876301"/>
+                <a:gd name="connsiteY56" fmla="*/ 68031 h 572099"/>
+                <a:gd name="connsiteX57" fmla="*/ 371475 w 876301"/>
+                <a:gd name="connsiteY57" fmla="*/ 85603 h 572099"/>
+                <a:gd name="connsiteX58" fmla="*/ 371475 w 876301"/>
+                <a:gd name="connsiteY58" fmla="*/ 107292 h 572099"/>
+                <a:gd name="connsiteX59" fmla="*/ 320211 w 876301"/>
+                <a:gd name="connsiteY59" fmla="*/ 182349 h 572099"/>
+                <a:gd name="connsiteX60" fmla="*/ 310963 w 876301"/>
+                <a:gd name="connsiteY60" fmla="*/ 185949 h 572099"/>
+                <a:gd name="connsiteX61" fmla="*/ 306625 w 876301"/>
+                <a:gd name="connsiteY61" fmla="*/ 184069 h 572099"/>
+                <a:gd name="connsiteX62" fmla="*/ 306391 w 876301"/>
+                <a:gd name="connsiteY62" fmla="*/ 182825 h 572099"/>
+                <a:gd name="connsiteX63" fmla="*/ 306391 w 876301"/>
+                <a:gd name="connsiteY63" fmla="*/ 172576 h 572099"/>
+                <a:gd name="connsiteX64" fmla="*/ 308705 w 876301"/>
+                <a:gd name="connsiteY64" fmla="*/ 169385 h 572099"/>
+                <a:gd name="connsiteX65" fmla="*/ 337347 w 876301"/>
+                <a:gd name="connsiteY65" fmla="*/ 129952 h 572099"/>
+                <a:gd name="connsiteX66" fmla="*/ 337347 w 876301"/>
+                <a:gd name="connsiteY66" fmla="*/ 123170 h 572099"/>
+                <a:gd name="connsiteX67" fmla="*/ 295905 w 876301"/>
+                <a:gd name="connsiteY67" fmla="*/ 81706 h 572099"/>
+                <a:gd name="connsiteX68" fmla="*/ 280035 w 876301"/>
+                <a:gd name="connsiteY68" fmla="*/ 84860 h 572099"/>
+                <a:gd name="connsiteX69" fmla="*/ 166535 w 876301"/>
+                <a:gd name="connsiteY69" fmla="*/ 131895 h 572099"/>
+                <a:gd name="connsiteX70" fmla="*/ 155419 w 876301"/>
+                <a:gd name="connsiteY70" fmla="*/ 144610 h 572099"/>
+                <a:gd name="connsiteX71" fmla="*/ 148590 w 876301"/>
+                <a:gd name="connsiteY71" fmla="*/ 170395 h 572099"/>
+                <a:gd name="connsiteX72" fmla="*/ 69399 w 876301"/>
+                <a:gd name="connsiteY72" fmla="*/ 137419 h 572099"/>
+                <a:gd name="connsiteX73" fmla="*/ 466382 w 876301"/>
+                <a:gd name="connsiteY73" fmla="*/ 516343 h 572099"/>
+                <a:gd name="connsiteX74" fmla="*/ 461315 w 876301"/>
+                <a:gd name="connsiteY74" fmla="*/ 515857 h 572099"/>
+                <a:gd name="connsiteX75" fmla="*/ 444999 w 876301"/>
+                <a:gd name="connsiteY75" fmla="*/ 522439 h 572099"/>
+                <a:gd name="connsiteX76" fmla="*/ 438426 w 876301"/>
+                <a:gd name="connsiteY76" fmla="*/ 530144 h 572099"/>
+                <a:gd name="connsiteX77" fmla="*/ 329422 w 876301"/>
+                <a:gd name="connsiteY77" fmla="*/ 484739 h 572099"/>
+                <a:gd name="connsiteX78" fmla="*/ 303486 w 876301"/>
+                <a:gd name="connsiteY78" fmla="*/ 450096 h 572099"/>
+                <a:gd name="connsiteX79" fmla="*/ 286998 w 876301"/>
+                <a:gd name="connsiteY79" fmla="*/ 405186 h 572099"/>
+                <a:gd name="connsiteX80" fmla="*/ 249231 w 876301"/>
+                <a:gd name="connsiteY80" fmla="*/ 370658 h 572099"/>
+                <a:gd name="connsiteX81" fmla="*/ 247059 w 876301"/>
+                <a:gd name="connsiteY81" fmla="*/ 370582 h 572099"/>
+                <a:gd name="connsiteX82" fmla="*/ 218675 w 876301"/>
+                <a:gd name="connsiteY82" fmla="*/ 388774 h 572099"/>
+                <a:gd name="connsiteX83" fmla="*/ 202054 w 876301"/>
+                <a:gd name="connsiteY83" fmla="*/ 419893 h 572099"/>
+                <a:gd name="connsiteX84" fmla="*/ 189576 w 876301"/>
+                <a:gd name="connsiteY84" fmla="*/ 426560 h 572099"/>
+                <a:gd name="connsiteX85" fmla="*/ 74324 w 876301"/>
+                <a:gd name="connsiteY85" fmla="*/ 378583 h 572099"/>
+                <a:gd name="connsiteX86" fmla="*/ 62017 w 876301"/>
+                <a:gd name="connsiteY86" fmla="*/ 353722 h 572099"/>
+                <a:gd name="connsiteX87" fmla="*/ 52283 w 876301"/>
+                <a:gd name="connsiteY87" fmla="*/ 344616 h 572099"/>
+                <a:gd name="connsiteX88" fmla="*/ 38100 w 876301"/>
+                <a:gd name="connsiteY88" fmla="*/ 338720 h 572099"/>
+                <a:gd name="connsiteX89" fmla="*/ 38433 w 876301"/>
+                <a:gd name="connsiteY89" fmla="*/ 165823 h 572099"/>
+                <a:gd name="connsiteX90" fmla="*/ 466725 w 876301"/>
+                <a:gd name="connsiteY90" fmla="*/ 344112 h 572099"/>
+                <a:gd name="connsiteX91" fmla="*/ 838200 w 876301"/>
+                <a:gd name="connsiteY91" fmla="*/ 307317 h 572099"/>
+                <a:gd name="connsiteX92" fmla="*/ 786936 w 876301"/>
+                <a:gd name="connsiteY92" fmla="*/ 382374 h 572099"/>
+                <a:gd name="connsiteX93" fmla="*/ 777688 w 876301"/>
+                <a:gd name="connsiteY93" fmla="*/ 385974 h 572099"/>
+                <a:gd name="connsiteX94" fmla="*/ 773350 w 876301"/>
+                <a:gd name="connsiteY94" fmla="*/ 384094 h 572099"/>
+                <a:gd name="connsiteX95" fmla="*/ 773116 w 876301"/>
+                <a:gd name="connsiteY95" fmla="*/ 382850 h 572099"/>
+                <a:gd name="connsiteX96" fmla="*/ 773116 w 876301"/>
+                <a:gd name="connsiteY96" fmla="*/ 372601 h 572099"/>
+                <a:gd name="connsiteX97" fmla="*/ 775430 w 876301"/>
+                <a:gd name="connsiteY97" fmla="*/ 369410 h 572099"/>
+                <a:gd name="connsiteX98" fmla="*/ 804072 w 876301"/>
+                <a:gd name="connsiteY98" fmla="*/ 329977 h 572099"/>
+                <a:gd name="connsiteX99" fmla="*/ 804072 w 876301"/>
+                <a:gd name="connsiteY99" fmla="*/ 323195 h 572099"/>
+                <a:gd name="connsiteX100" fmla="*/ 762630 w 876301"/>
+                <a:gd name="connsiteY100" fmla="*/ 281731 h 572099"/>
+                <a:gd name="connsiteX101" fmla="*/ 746760 w 876301"/>
+                <a:gd name="connsiteY101" fmla="*/ 284885 h 572099"/>
+                <a:gd name="connsiteX102" fmla="*/ 633260 w 876301"/>
+                <a:gd name="connsiteY102" fmla="*/ 331920 h 572099"/>
+                <a:gd name="connsiteX103" fmla="*/ 621983 w 876301"/>
+                <a:gd name="connsiteY103" fmla="*/ 345331 h 572099"/>
+                <a:gd name="connsiteX104" fmla="*/ 593198 w 876301"/>
+                <a:gd name="connsiteY104" fmla="*/ 473052 h 572099"/>
+                <a:gd name="connsiteX105" fmla="*/ 504825 w 876301"/>
+                <a:gd name="connsiteY105" fmla="*/ 508989 h 572099"/>
+                <a:gd name="connsiteX106" fmla="*/ 504825 w 876301"/>
+                <a:gd name="connsiteY106" fmla="*/ 348284 h 572099"/>
+                <a:gd name="connsiteX107" fmla="*/ 773125 w 876301"/>
+                <a:gd name="connsiteY107" fmla="*/ 241499 h 572099"/>
+                <a:gd name="connsiteX108" fmla="*/ 834830 w 876301"/>
+                <a:gd name="connsiteY108" fmla="*/ 268056 h 572099"/>
+                <a:gd name="connsiteX109" fmla="*/ 838200 w 876301"/>
+                <a:gd name="connsiteY109" fmla="*/ 285628 h 572099"/>
+              </a:gdLst>
+              <a:ahLst/>
+              <a:cxnLst>
+                <a:cxn ang="0">
+                  <a:pos x="connsiteX0" y="connsiteY0"/>
+                </a:cxn>
+                <a:cxn ang="0">
+                  <a:pos x="connsiteX1" y="connsiteY1"/>
+                </a:cxn>
+                <a:cxn ang="0">
+                  <a:pos x="connsiteX2" y="connsiteY2"/>
+                </a:cxn>
+                <a:cxn ang="0">
+                  <a:pos x="connsiteX3" y="connsiteY3"/>
+                </a:cxn>
+                <a:cxn ang="0">
+                  <a:pos x="connsiteX4" y="connsiteY4"/>
+                </a:cxn>
+                <a:cxn ang="0">
+                  <a:pos x="connsiteX5" y="connsiteY5"/>
+                </a:cxn>
+                <a:cxn ang="0">
+                  <a:pos x="connsiteX6" y="connsiteY6"/>
+                </a:cxn>
+                <a:cxn ang="0">
+                  <a:pos x="connsiteX7" y="connsiteY7"/>
+                </a:cxn>
+                <a:cxn ang="0">
+                  <a:pos x="connsiteX8" y="connsiteY8"/>
+                </a:cxn>
+                <a:cxn ang="0">
+                  <a:pos x="connsiteX9" y="connsiteY9"/>
+                </a:cxn>
+                <a:cxn ang="0">
+                  <a:pos x="connsiteX10" y="connsiteY10"/>
+                </a:cxn>
+                <a:cxn ang="0">
+                  <a:pos x="connsiteX11" y="connsiteY11"/>
+                </a:cxn>
+                <a:cxn ang="0">
+                  <a:pos x="connsiteX12" y="connsiteY12"/>
+                </a:cxn>
+                <a:cxn ang="0">
+                  <a:pos x="connsiteX13" y="connsiteY13"/>
+                </a:cxn>
+                <a:cxn ang="0">
+                  <a:pos x="connsiteX14" y="connsiteY14"/>
+                </a:cxn>
+                <a:cxn ang="0">
+                  <a:pos x="connsiteX15" y="connsiteY15"/>
+                </a:cxn>
+                <a:cxn ang="0">
+                  <a:pos x="connsiteX16" y="connsiteY16"/>
+                </a:cxn>
+                <a:cxn ang="0">
+                  <a:pos x="connsiteX17" y="connsiteY17"/>
+                </a:cxn>
+                <a:cxn ang="0">
+                  <a:pos x="connsiteX18" y="connsiteY18"/>
+                </a:cxn>
+                <a:cxn ang="0">
+                  <a:pos x="connsiteX19" y="connsiteY19"/>
+                </a:cxn>
+                <a:cxn ang="0">
+                  <a:pos x="connsiteX20" y="connsiteY20"/>
+                </a:cxn>
+                <a:cxn ang="0">
+                  <a:pos x="connsiteX21" y="connsiteY21"/>
+                </a:cxn>
+                <a:cxn ang="0">
+                  <a:pos x="connsiteX22" y="connsiteY22"/>
+                </a:cxn>
+                <a:cxn ang="0">
+                  <a:pos x="connsiteX23" y="connsiteY23"/>
+                </a:cxn>
+                <a:cxn ang="0">
+                  <a:pos x="connsiteX24" y="connsiteY24"/>
+                </a:cxn>
+                <a:cxn ang="0">
+                  <a:pos x="connsiteX25" y="connsiteY25"/>
+                </a:cxn>
+                <a:cxn ang="0">
+                  <a:pos x="connsiteX26" y="connsiteY26"/>
+                </a:cxn>
+                <a:cxn ang="0">
+                  <a:pos x="connsiteX27" y="connsiteY27"/>
+                </a:cxn>
+                <a:cxn ang="0">
+                  <a:pos x="connsiteX28" y="connsiteY28"/>
+                </a:cxn>
+                <a:cxn ang="0">
+                  <a:pos x="connsiteX29" y="connsiteY29"/>
+                </a:cxn>
+                <a:cxn ang="0">
+                  <a:pos x="connsiteX30" y="connsiteY30"/>
+                </a:cxn>
+                <a:cxn ang="0">
+                  <a:pos x="connsiteX31" y="connsiteY31"/>
+                </a:cxn>
+                <a:cxn ang="0">
+                  <a:pos x="connsiteX32" y="connsiteY32"/>
+                </a:cxn>
+                <a:cxn ang="0">
+                  <a:pos x="connsiteX33" y="connsiteY33"/>
+                </a:cxn>
+                <a:cxn ang="0">
+                  <a:pos x="connsiteX34" y="connsiteY34"/>
+                </a:cxn>
+                <a:cxn ang="0">
+                  <a:pos x="connsiteX35" y="connsiteY35"/>
+                </a:cxn>
+                <a:cxn ang="0">
+                  <a:pos x="connsiteX36" y="connsiteY36"/>
+                </a:cxn>
+                <a:cxn ang="0">
+                  <a:pos x="connsiteX37" y="connsiteY37"/>
+                </a:cxn>
+                <a:cxn ang="0">
+                  <a:pos x="connsiteX38" y="connsiteY38"/>
+                </a:cxn>
+                <a:cxn ang="0">
+                  <a:pos x="connsiteX39" y="connsiteY39"/>
+                </a:cxn>
+                <a:cxn ang="0">
+                  <a:pos x="connsiteX40" y="connsiteY40"/>
+                </a:cxn>
+                <a:cxn ang="0">
+                  <a:pos x="connsiteX41" y="connsiteY41"/>
+                </a:cxn>
+                <a:cxn ang="0">
+                  <a:pos x="connsiteX42" y="connsiteY42"/>
+                </a:cxn>
+                <a:cxn ang="0">
+                  <a:pos x="connsiteX43" y="connsiteY43"/>
+                </a:cxn>
+                <a:cxn ang="0">
+                  <a:pos x="connsiteX44" y="connsiteY44"/>
+                </a:cxn>
+                <a:cxn ang="0">
+                  <a:pos x="connsiteX45" y="connsiteY45"/>
+                </a:cxn>
+                <a:cxn ang="0">
+                  <a:pos x="connsiteX46" y="connsiteY46"/>
+                </a:cxn>
+                <a:cxn ang="0">
+                  <a:pos x="connsiteX47" y="connsiteY47"/>
+                </a:cxn>
+                <a:cxn ang="0">
+                  <a:pos x="connsiteX48" y="connsiteY48"/>
+                </a:cxn>
+                <a:cxn ang="0">
+                  <a:pos x="connsiteX49" y="connsiteY49"/>
+                </a:cxn>
+                <a:cxn ang="0">
+                  <a:pos x="connsiteX50" y="connsiteY50"/>
+                </a:cxn>
+                <a:cxn ang="0">
+                  <a:pos x="connsiteX51" y="connsiteY51"/>
+                </a:cxn>
+                <a:cxn ang="0">
+                  <a:pos x="connsiteX52" y="connsiteY52"/>
+                </a:cxn>
+                <a:cxn ang="0">
+                  <a:pos x="connsiteX53" y="connsiteY53"/>
+                </a:cxn>
+                <a:cxn ang="0">
+                  <a:pos x="connsiteX54" y="connsiteY54"/>
+                </a:cxn>
+                <a:cxn ang="0">
+                  <a:pos x="connsiteX55" y="connsiteY55"/>
+                </a:cxn>
+                <a:cxn ang="0">
+                  <a:pos x="connsiteX56" y="connsiteY56"/>
+                </a:cxn>
+                <a:cxn ang="0">
+                  <a:pos x="connsiteX57" y="connsiteY57"/>
+                </a:cxn>
+                <a:cxn ang="0">
+                  <a:pos x="connsiteX58" y="connsiteY58"/>
+                </a:cxn>
+                <a:cxn ang="0">
+                  <a:pos x="connsiteX59" y="connsiteY59"/>
+                </a:cxn>
+                <a:cxn ang="0">
+                  <a:pos x="connsiteX60" y="connsiteY60"/>
+                </a:cxn>
+                <a:cxn ang="0">
+                  <a:pos x="connsiteX61" y="connsiteY61"/>
+                </a:cxn>
+                <a:cxn ang="0">
+                  <a:pos x="connsiteX62" y="connsiteY62"/>
+                </a:cxn>
+                <a:cxn ang="0">
+                  <a:pos x="connsiteX63" y="connsiteY63"/>
+                </a:cxn>
+                <a:cxn ang="0">
+                  <a:pos x="connsiteX64" y="connsiteY64"/>
+                </a:cxn>
+                <a:cxn ang="0">
+                  <a:pos x="connsiteX65" y="connsiteY65"/>
+                </a:cxn>
+                <a:cxn ang="0">
+                  <a:pos x="connsiteX66" y="connsiteY66"/>
+                </a:cxn>
+                <a:cxn ang="0">
+                  <a:pos x="connsiteX67" y="connsiteY67"/>
+                </a:cxn>
+                <a:cxn ang="0">
+                  <a:pos x="connsiteX68" y="connsiteY68"/>
+                </a:cxn>
+                <a:cxn ang="0">
+                  <a:pos x="connsiteX69" y="connsiteY69"/>
+                </a:cxn>
+                <a:cxn ang="0">
+                  <a:pos x="connsiteX70" y="connsiteY70"/>
+                </a:cxn>
+                <a:cxn ang="0">
+                  <a:pos x="connsiteX71" y="connsiteY71"/>
+                </a:cxn>
+                <a:cxn ang="0">
+                  <a:pos x="connsiteX72" y="connsiteY72"/>
+                </a:cxn>
+                <a:cxn ang="0">
+                  <a:pos x="connsiteX73" y="connsiteY73"/>
+                </a:cxn>
+                <a:cxn ang="0">
+                  <a:pos x="connsiteX74" y="connsiteY74"/>
+                </a:cxn>
+                <a:cxn ang="0">
+                  <a:pos x="connsiteX75" y="connsiteY75"/>
+                </a:cxn>
+                <a:cxn ang="0">
+                  <a:pos x="connsiteX76" y="connsiteY76"/>
+                </a:cxn>
+                <a:cxn ang="0">
+                  <a:pos x="connsiteX77" y="connsiteY77"/>
+                </a:cxn>
+                <a:cxn ang="0">
+                  <a:pos x="connsiteX78" y="connsiteY78"/>
+                </a:cxn>
+                <a:cxn ang="0">
+                  <a:pos x="connsiteX79" y="connsiteY79"/>
+                </a:cxn>
+                <a:cxn ang="0">
+                  <a:pos x="connsiteX80" y="connsiteY80"/>
+                </a:cxn>
+                <a:cxn ang="0">
+                  <a:pos x="connsiteX81" y="connsiteY81"/>
+                </a:cxn>
+                <a:cxn ang="0">
+                  <a:pos x="connsiteX82" y="connsiteY82"/>
+                </a:cxn>
+                <a:cxn ang="0">
+                  <a:pos x="connsiteX83" y="connsiteY83"/>
+                </a:cxn>
+                <a:cxn ang="0">
+                  <a:pos x="connsiteX84" y="connsiteY84"/>
+                </a:cxn>
+                <a:cxn ang="0">
+                  <a:pos x="connsiteX85" y="connsiteY85"/>
+                </a:cxn>
+                <a:cxn ang="0">
+                  <a:pos x="connsiteX86" y="connsiteY86"/>
+                </a:cxn>
+                <a:cxn ang="0">
+                  <a:pos x="connsiteX87" y="connsiteY87"/>
+                </a:cxn>
+                <a:cxn ang="0">
+                  <a:pos x="connsiteX88" y="connsiteY88"/>
+                </a:cxn>
+                <a:cxn ang="0">
+                  <a:pos x="connsiteX89" y="connsiteY89"/>
+                </a:cxn>
+                <a:cxn ang="0">
+                  <a:pos x="connsiteX90" y="connsiteY90"/>
+                </a:cxn>
+                <a:cxn ang="0">
+                  <a:pos x="connsiteX91" y="connsiteY91"/>
+                </a:cxn>
+                <a:cxn ang="0">
+                  <a:pos x="connsiteX92" y="connsiteY92"/>
+                </a:cxn>
+                <a:cxn ang="0">
+                  <a:pos x="connsiteX93" y="connsiteY93"/>
+                </a:cxn>
+                <a:cxn ang="0">
+                  <a:pos x="connsiteX94" y="connsiteY94"/>
+                </a:cxn>
+                <a:cxn ang="0">
+                  <a:pos x="connsiteX95" y="connsiteY95"/>
+                </a:cxn>
+                <a:cxn ang="0">
+                  <a:pos x="connsiteX96" y="connsiteY96"/>
+                </a:cxn>
+                <a:cxn ang="0">
+                  <a:pos x="connsiteX97" y="connsiteY97"/>
+                </a:cxn>
+                <a:cxn ang="0">
+                  <a:pos x="connsiteX98" y="connsiteY98"/>
+                </a:cxn>
+                <a:cxn ang="0">
+                  <a:pos x="connsiteX99" y="connsiteY99"/>
+                </a:cxn>
+                <a:cxn ang="0">
+                  <a:pos x="connsiteX100" y="connsiteY100"/>
+                </a:cxn>
+                <a:cxn ang="0">
+                  <a:pos x="connsiteX101" y="connsiteY101"/>
+                </a:cxn>
+                <a:cxn ang="0">
+                  <a:pos x="connsiteX102" y="connsiteY102"/>
+                </a:cxn>
+                <a:cxn ang="0">
+                  <a:pos x="connsiteX103" y="connsiteY103"/>
+                </a:cxn>
+                <a:cxn ang="0">
+                  <a:pos x="connsiteX104" y="connsiteY104"/>
+                </a:cxn>
+                <a:cxn ang="0">
+                  <a:pos x="connsiteX105" y="connsiteY105"/>
+                </a:cxn>
+                <a:cxn ang="0">
+                  <a:pos x="connsiteX106" y="connsiteY106"/>
+                </a:cxn>
+                <a:cxn ang="0">
+                  <a:pos x="connsiteX107" y="connsiteY107"/>
+                </a:cxn>
+                <a:cxn ang="0">
+                  <a:pos x="connsiteX108" y="connsiteY108"/>
+                </a:cxn>
+                <a:cxn ang="0">
+                  <a:pos x="connsiteX109" y="connsiteY109"/>
+                </a:cxn>
+              </a:cxnLst>
+              <a:rect l="l" t="t" r="r" b="b"/>
+              <a:pathLst>
+                <a:path w="876301" h="572099">
+                  <a:moveTo>
+                    <a:pt x="12002" y="119826"/>
+                  </a:moveTo>
+                  <a:cubicBezTo>
+                    <a:pt x="10914" y="120248"/>
+                    <a:pt x="9868" y="120772"/>
+                    <a:pt x="8877" y="121389"/>
+                  </a:cubicBezTo>
+                  <a:cubicBezTo>
+                    <a:pt x="3570" y="124920"/>
+                    <a:pt x="381" y="130873"/>
+                    <a:pt x="381" y="137248"/>
+                  </a:cubicBezTo>
+                  <a:lnTo>
+                    <a:pt x="0" y="351379"/>
+                  </a:lnTo>
+                  <a:cubicBezTo>
+                    <a:pt x="-14" y="359084"/>
+                    <a:pt x="4613" y="366038"/>
+                    <a:pt x="11725" y="369000"/>
+                  </a:cubicBezTo>
+                  <a:lnTo>
+                    <a:pt x="31071" y="377049"/>
+                  </a:lnTo>
+                  <a:lnTo>
+                    <a:pt x="43396" y="401814"/>
+                  </a:lnTo>
+                  <a:cubicBezTo>
+                    <a:pt x="45441" y="405924"/>
+                    <a:pt x="48901" y="409158"/>
+                    <a:pt x="53140" y="410920"/>
+                  </a:cubicBezTo>
+                  <a:lnTo>
+                    <a:pt x="174927" y="461631"/>
+                  </a:lnTo>
+                  <a:cubicBezTo>
+                    <a:pt x="198787" y="471585"/>
+                    <a:pt x="222618" y="462203"/>
+                    <a:pt x="235658" y="437819"/>
+                  </a:cubicBezTo>
+                  <a:lnTo>
+                    <a:pt x="248860" y="413111"/>
+                  </a:lnTo>
+                  <a:cubicBezTo>
+                    <a:pt x="249793" y="414769"/>
+                    <a:pt x="250587" y="416503"/>
+                    <a:pt x="251231" y="418292"/>
+                  </a:cubicBezTo>
+                  <a:lnTo>
+                    <a:pt x="267719" y="463203"/>
+                  </a:lnTo>
+                  <a:cubicBezTo>
+                    <a:pt x="277940" y="491025"/>
+                    <a:pt x="295094" y="511685"/>
+                    <a:pt x="314782" y="519886"/>
+                  </a:cubicBezTo>
+                  <a:lnTo>
+                    <a:pt x="436578" y="570635"/>
+                  </a:lnTo>
+                  <a:cubicBezTo>
+                    <a:pt x="444207" y="573811"/>
+                    <a:pt x="453013" y="571707"/>
+                    <a:pt x="458381" y="565425"/>
+                  </a:cubicBezTo>
+                  <a:lnTo>
+                    <a:pt x="467525" y="554728"/>
+                  </a:lnTo>
+                  <a:lnTo>
+                    <a:pt x="483565" y="556271"/>
+                  </a:lnTo>
+                  <a:lnTo>
+                    <a:pt x="485775" y="556348"/>
+                  </a:lnTo>
+                  <a:lnTo>
+                    <a:pt x="488023" y="556129"/>
+                  </a:lnTo>
+                  <a:cubicBezTo>
+                    <a:pt x="489710" y="555957"/>
+                    <a:pt x="491366" y="555560"/>
+                    <a:pt x="492947" y="554947"/>
+                  </a:cubicBezTo>
+                  <a:lnTo>
+                    <a:pt x="616772" y="504598"/>
+                  </a:lnTo>
+                  <a:cubicBezTo>
+                    <a:pt x="622557" y="502255"/>
+                    <a:pt x="626827" y="497227"/>
+                    <a:pt x="628202" y="491139"/>
+                  </a:cubicBezTo>
+                  <a:lnTo>
+                    <a:pt x="656987" y="363333"/>
+                  </a:lnTo>
+                  <a:lnTo>
+                    <a:pt x="761324" y="320128"/>
+                  </a:lnTo>
+                  <a:cubicBezTo>
+                    <a:pt x="762357" y="319672"/>
+                    <a:pt x="763554" y="319791"/>
+                    <a:pt x="764477" y="320442"/>
+                  </a:cubicBezTo>
+                  <a:cubicBezTo>
+                    <a:pt x="765436" y="321040"/>
+                    <a:pt x="766004" y="322103"/>
+                    <a:pt x="765972" y="323233"/>
+                  </a:cubicBezTo>
+                  <a:lnTo>
+                    <a:pt x="765972" y="330015"/>
+                  </a:lnTo>
+                  <a:cubicBezTo>
+                    <a:pt x="765974" y="331474"/>
+                    <a:pt x="765029" y="332764"/>
+                    <a:pt x="763638" y="333205"/>
+                  </a:cubicBezTo>
+                  <a:cubicBezTo>
+                    <a:pt x="746568" y="338760"/>
+                    <a:pt x="735025" y="354687"/>
+                    <a:pt x="735063" y="372639"/>
+                  </a:cubicBezTo>
+                  <a:lnTo>
+                    <a:pt x="735063" y="382888"/>
+                  </a:lnTo>
+                  <a:cubicBezTo>
+                    <a:pt x="735099" y="405781"/>
+                    <a:pt x="753686" y="424312"/>
+                    <a:pt x="776579" y="424278"/>
+                  </a:cubicBezTo>
+                  <a:cubicBezTo>
+                    <a:pt x="781693" y="424270"/>
+                    <a:pt x="786761" y="423316"/>
+                    <a:pt x="791528" y="421464"/>
+                  </a:cubicBezTo>
+                  <a:lnTo>
+                    <a:pt x="800767" y="417864"/>
+                  </a:lnTo>
+                  <a:cubicBezTo>
+                    <a:pt x="846444" y="400258"/>
+                    <a:pt x="876500" y="356269"/>
+                    <a:pt x="876300" y="307317"/>
+                  </a:cubicBezTo>
+                  <a:lnTo>
+                    <a:pt x="876300" y="285628"/>
+                  </a:lnTo>
+                  <a:cubicBezTo>
+                    <a:pt x="876294" y="238347"/>
+                    <a:pt x="837960" y="200022"/>
+                    <a:pt x="790678" y="200029"/>
+                  </a:cubicBezTo>
+                  <a:cubicBezTo>
+                    <a:pt x="779842" y="200030"/>
+                    <a:pt x="769106" y="202088"/>
+                    <a:pt x="759038" y="206094"/>
+                  </a:cubicBezTo>
+                  <a:lnTo>
+                    <a:pt x="490776" y="312870"/>
+                  </a:lnTo>
+                  <a:lnTo>
+                    <a:pt x="184071" y="185168"/>
+                  </a:lnTo>
+                  <a:lnTo>
+                    <a:pt x="189786" y="163480"/>
+                  </a:lnTo>
+                  <a:lnTo>
+                    <a:pt x="294561" y="120065"/>
+                  </a:lnTo>
+                  <a:cubicBezTo>
+                    <a:pt x="296276" y="119354"/>
+                    <a:pt x="298243" y="120169"/>
+                    <a:pt x="298954" y="121886"/>
+                  </a:cubicBezTo>
+                  <a:cubicBezTo>
+                    <a:pt x="299122" y="122292"/>
+                    <a:pt x="299209" y="122729"/>
+                    <a:pt x="299209" y="123170"/>
+                  </a:cubicBezTo>
+                  <a:lnTo>
+                    <a:pt x="299209" y="129952"/>
+                  </a:lnTo>
+                  <a:cubicBezTo>
+                    <a:pt x="299211" y="131411"/>
+                    <a:pt x="298266" y="132701"/>
+                    <a:pt x="296875" y="133142"/>
+                  </a:cubicBezTo>
+                  <a:cubicBezTo>
+                    <a:pt x="279805" y="138696"/>
+                    <a:pt x="268262" y="154624"/>
+                    <a:pt x="268300" y="172576"/>
+                  </a:cubicBezTo>
+                  <a:lnTo>
+                    <a:pt x="268300" y="182825"/>
+                  </a:lnTo>
+                  <a:cubicBezTo>
+                    <a:pt x="268291" y="205708"/>
+                    <a:pt x="286833" y="224266"/>
+                    <a:pt x="309716" y="224277"/>
+                  </a:cubicBezTo>
+                  <a:cubicBezTo>
+                    <a:pt x="314877" y="224279"/>
+                    <a:pt x="319994" y="223316"/>
+                    <a:pt x="324803" y="221439"/>
+                  </a:cubicBezTo>
+                  <a:lnTo>
+                    <a:pt x="334042" y="217839"/>
+                  </a:lnTo>
+                  <a:cubicBezTo>
+                    <a:pt x="379719" y="200233"/>
+                    <a:pt x="409775" y="156244"/>
+                    <a:pt x="409575" y="107292"/>
+                  </a:cubicBezTo>
+                  <a:lnTo>
+                    <a:pt x="409575" y="85603"/>
+                  </a:lnTo>
+                  <a:cubicBezTo>
+                    <a:pt x="409571" y="38322"/>
+                    <a:pt x="371239" y="-5"/>
+                    <a:pt x="323957" y="0"/>
+                  </a:cubicBezTo>
+                  <a:cubicBezTo>
+                    <a:pt x="313082" y="1"/>
+                    <a:pt x="302307" y="2074"/>
+                    <a:pt x="292208" y="6107"/>
+                  </a:cubicBezTo>
+                  <a:close/>
+                  <a:moveTo>
+                    <a:pt x="306400" y="41474"/>
+                  </a:moveTo>
+                  <a:cubicBezTo>
+                    <a:pt x="330773" y="31768"/>
+                    <a:pt x="358399" y="43658"/>
+                    <a:pt x="368105" y="68031"/>
+                  </a:cubicBezTo>
+                  <a:cubicBezTo>
+                    <a:pt x="370331" y="73622"/>
+                    <a:pt x="371475" y="79585"/>
+                    <a:pt x="371475" y="85603"/>
+                  </a:cubicBezTo>
+                  <a:lnTo>
+                    <a:pt x="371475" y="107292"/>
+                  </a:lnTo>
+                  <a:cubicBezTo>
+                    <a:pt x="371612" y="140522"/>
+                    <a:pt x="351215" y="170386"/>
+                    <a:pt x="320211" y="182349"/>
+                  </a:cubicBezTo>
+                  <a:lnTo>
+                    <a:pt x="310963" y="185949"/>
+                  </a:lnTo>
+                  <a:cubicBezTo>
+                    <a:pt x="309245" y="186627"/>
+                    <a:pt x="307303" y="185786"/>
+                    <a:pt x="306625" y="184069"/>
+                  </a:cubicBezTo>
+                  <a:cubicBezTo>
+                    <a:pt x="306468" y="183672"/>
+                    <a:pt x="306389" y="183251"/>
+                    <a:pt x="306391" y="182825"/>
+                  </a:cubicBezTo>
+                  <a:lnTo>
+                    <a:pt x="306391" y="172576"/>
+                  </a:lnTo>
+                  <a:cubicBezTo>
+                    <a:pt x="306387" y="171122"/>
+                    <a:pt x="307322" y="169833"/>
+                    <a:pt x="308705" y="169385"/>
+                  </a:cubicBezTo>
+                  <a:cubicBezTo>
+                    <a:pt x="325803" y="163855"/>
+                    <a:pt x="337376" y="147920"/>
+                    <a:pt x="337347" y="129952"/>
+                  </a:cubicBezTo>
+                  <a:lnTo>
+                    <a:pt x="337347" y="123170"/>
+                  </a:lnTo>
+                  <a:cubicBezTo>
+                    <a:pt x="337353" y="100276"/>
+                    <a:pt x="318798" y="81712"/>
+                    <a:pt x="295905" y="81706"/>
+                  </a:cubicBezTo>
+                  <a:cubicBezTo>
+                    <a:pt x="290459" y="81705"/>
+                    <a:pt x="285066" y="82777"/>
+                    <a:pt x="280035" y="84860"/>
+                  </a:cubicBezTo>
+                  <a:lnTo>
+                    <a:pt x="166535" y="131895"/>
+                  </a:lnTo>
+                  <a:cubicBezTo>
+                    <a:pt x="161051" y="134169"/>
+                    <a:pt x="156941" y="138872"/>
+                    <a:pt x="155419" y="144610"/>
+                  </a:cubicBezTo>
+                  <a:lnTo>
+                    <a:pt x="148590" y="170395"/>
+                  </a:lnTo>
+                  <a:lnTo>
+                    <a:pt x="69399" y="137419"/>
+                  </a:lnTo>
+                  <a:close/>
+                  <a:moveTo>
+                    <a:pt x="466382" y="516343"/>
+                  </a:moveTo>
+                  <a:lnTo>
+                    <a:pt x="461315" y="515857"/>
+                  </a:lnTo>
+                  <a:cubicBezTo>
+                    <a:pt x="455128" y="515258"/>
+                    <a:pt x="449038" y="517714"/>
+                    <a:pt x="444999" y="522439"/>
+                  </a:cubicBezTo>
+                  <a:lnTo>
+                    <a:pt x="438426" y="530144"/>
+                  </a:lnTo>
+                  <a:lnTo>
+                    <a:pt x="329422" y="484739"/>
+                  </a:lnTo>
+                  <a:cubicBezTo>
+                    <a:pt x="322231" y="481738"/>
+                    <a:pt x="311115" y="470870"/>
+                    <a:pt x="303486" y="450096"/>
+                  </a:cubicBezTo>
+                  <a:lnTo>
+                    <a:pt x="286998" y="405186"/>
+                  </a:lnTo>
+                  <a:cubicBezTo>
+                    <a:pt x="279587" y="384993"/>
+                    <a:pt x="265090" y="371763"/>
+                    <a:pt x="249231" y="370658"/>
+                  </a:cubicBezTo>
+                  <a:cubicBezTo>
+                    <a:pt x="248498" y="370610"/>
+                    <a:pt x="247783" y="370582"/>
+                    <a:pt x="247059" y="370582"/>
+                  </a:cubicBezTo>
+                  <a:cubicBezTo>
+                    <a:pt x="234924" y="370804"/>
+                    <a:pt x="223946" y="377841"/>
+                    <a:pt x="218675" y="388774"/>
+                  </a:cubicBezTo>
+                  <a:lnTo>
+                    <a:pt x="202054" y="419893"/>
+                  </a:lnTo>
+                  <a:cubicBezTo>
+                    <a:pt x="196891" y="429551"/>
+                    <a:pt x="192310" y="427646"/>
+                    <a:pt x="189576" y="426560"/>
+                  </a:cubicBezTo>
+                  <a:lnTo>
+                    <a:pt x="74324" y="378583"/>
+                  </a:lnTo>
+                  <a:lnTo>
+                    <a:pt x="62017" y="353722"/>
+                  </a:lnTo>
+                  <a:cubicBezTo>
+                    <a:pt x="59979" y="349610"/>
+                    <a:pt x="56521" y="346376"/>
+                    <a:pt x="52283" y="344616"/>
+                  </a:cubicBezTo>
+                  <a:lnTo>
+                    <a:pt x="38100" y="338720"/>
+                  </a:lnTo>
+                  <a:lnTo>
+                    <a:pt x="38433" y="165823"/>
+                  </a:lnTo>
+                  <a:lnTo>
+                    <a:pt x="466725" y="344112"/>
+                  </a:lnTo>
+                  <a:close/>
+                  <a:moveTo>
+                    <a:pt x="838200" y="307317"/>
+                  </a:moveTo>
+                  <a:cubicBezTo>
+                    <a:pt x="838337" y="340547"/>
+                    <a:pt x="817940" y="370411"/>
+                    <a:pt x="786936" y="382374"/>
+                  </a:cubicBezTo>
+                  <a:lnTo>
+                    <a:pt x="777688" y="385974"/>
+                  </a:lnTo>
+                  <a:cubicBezTo>
+                    <a:pt x="775970" y="386652"/>
+                    <a:pt x="774028" y="385811"/>
+                    <a:pt x="773350" y="384094"/>
+                  </a:cubicBezTo>
+                  <a:cubicBezTo>
+                    <a:pt x="773193" y="383698"/>
+                    <a:pt x="773114" y="383276"/>
+                    <a:pt x="773116" y="382850"/>
+                  </a:cubicBezTo>
+                  <a:lnTo>
+                    <a:pt x="773116" y="372601"/>
+                  </a:lnTo>
+                  <a:cubicBezTo>
+                    <a:pt x="773111" y="371147"/>
+                    <a:pt x="774047" y="369858"/>
+                    <a:pt x="775430" y="369410"/>
+                  </a:cubicBezTo>
+                  <a:cubicBezTo>
+                    <a:pt x="792528" y="363880"/>
+                    <a:pt x="804101" y="347945"/>
+                    <a:pt x="804072" y="329977"/>
+                  </a:cubicBezTo>
+                  <a:lnTo>
+                    <a:pt x="804072" y="323195"/>
+                  </a:lnTo>
+                  <a:cubicBezTo>
+                    <a:pt x="804078" y="300301"/>
+                    <a:pt x="785523" y="281737"/>
+                    <a:pt x="762630" y="281731"/>
+                  </a:cubicBezTo>
+                  <a:cubicBezTo>
+                    <a:pt x="757184" y="281730"/>
+                    <a:pt x="751791" y="282802"/>
+                    <a:pt x="746760" y="284885"/>
+                  </a:cubicBezTo>
+                  <a:lnTo>
+                    <a:pt x="633260" y="331920"/>
+                  </a:lnTo>
+                  <a:cubicBezTo>
+                    <a:pt x="627546" y="334293"/>
+                    <a:pt x="623341" y="339294"/>
+                    <a:pt x="621983" y="345331"/>
+                  </a:cubicBezTo>
+                  <a:lnTo>
+                    <a:pt x="593198" y="473052"/>
+                  </a:lnTo>
+                  <a:lnTo>
+                    <a:pt x="504825" y="508989"/>
+                  </a:lnTo>
+                  <a:lnTo>
+                    <a:pt x="504825" y="348284"/>
+                  </a:lnTo>
+                  <a:lnTo>
+                    <a:pt x="773125" y="241499"/>
+                  </a:lnTo>
+                  <a:cubicBezTo>
+                    <a:pt x="797498" y="231793"/>
+                    <a:pt x="825124" y="243683"/>
+                    <a:pt x="834830" y="268056"/>
+                  </a:cubicBezTo>
+                  <a:cubicBezTo>
+                    <a:pt x="837056" y="273647"/>
+                    <a:pt x="838200" y="279610"/>
+                    <a:pt x="838200" y="285628"/>
+                  </a:cubicBezTo>
+                  <a:close/>
+                </a:path>
+              </a:pathLst>
+            </a:custGeom>
+            <a:solidFill>
+              <a:srgbClr val="000000"/>
+            </a:solidFill>
+            <a:ln w="9525" cap="flat">
+              <a:noFill/>
+              <a:prstDash val="solid"/>
+              <a:miter/>
+            </a:ln>
+          </p:spPr>
+          <p:txBody>
+            <a:bodyPr rtlCol="0" anchor="ctr"/>
+            <a:lstStyle/>
+            <a:p>
+              <a:endParaRPr lang="en-US"/>
+            </a:p>
+          </p:txBody>
+        </p:sp>
+      </p:grpSp>
+    </p:spTree>
+    <p:extLst>
+      <p:ext uri="{BB962C8B-B14F-4D97-AF65-F5344CB8AC3E}">
+        <p14:creationId xmlns:p14="http://schemas.microsoft.com/office/powerpoint/2010/main" val="888160931"/>
+      </p:ext>
+    </p:extLst>
+  </p:cSld>
+  <p:clrMapOvr>
+    <a:masterClrMapping/>
+  </p:clrMapOvr>
+</p:sld>
+</file>
+
+<file path=ppt/slides/slide25.xml><?xml version="1.0" encoding="utf-8"?>
+<p:sld xmlns:a="http://schemas.openxmlformats.org/drawingml/2006/main" xmlns:r="http://schemas.openxmlformats.org/officeDocument/2006/relationships" xmlns:p="http://schemas.openxmlformats.org/presentationml/2006/main">
+  <p:cSld>
+    <p:spTree>
+      <p:nvGrpSpPr>
+        <p:cNvPr id="1" name=""/>
+        <p:cNvGrpSpPr/>
+        <p:nvPr/>
+      </p:nvGrpSpPr>
+      <p:grpSpPr>
+        <a:xfrm>
+          <a:off x="0" y="0"/>
+          <a:ext cx="0" cy="0"/>
+          <a:chOff x="0" y="0"/>
+          <a:chExt cx="0" cy="0"/>
+        </a:xfrm>
+      </p:grpSpPr>
+      <p:sp>
+        <p:nvSpPr>
+          <p:cNvPr id="2" name="Title 1">
+            <a:extLst>
+              <a:ext uri="{FF2B5EF4-FFF2-40B4-BE49-F238E27FC236}">
+                <a16:creationId xmlns:a16="http://schemas.microsoft.com/office/drawing/2014/main" id="{34674466-1325-F9D7-E232-7918868CF163}"/>
+              </a:ext>
+            </a:extLst>
+          </p:cNvPr>
+          <p:cNvSpPr>
+            <a:spLocks noGrp="1"/>
+          </p:cNvSpPr>
+          <p:nvPr>
+            <p:ph type="title"/>
+          </p:nvPr>
+        </p:nvSpPr>
+        <p:spPr/>
+        <p:txBody>
+          <a:bodyPr/>
+          <a:lstStyle/>
+          <a:p>
+            <a:r>
+              <a:rPr lang="en-US" dirty="0"/>
+              <a:t>Hi</a:t>
+            </a:r>
+          </a:p>
+        </p:txBody>
+      </p:sp>
+      <p:sp>
+        <p:nvSpPr>
+          <p:cNvPr id="3" name="Content Placeholder 2">
+            <a:extLst>
+              <a:ext uri="{FF2B5EF4-FFF2-40B4-BE49-F238E27FC236}">
+                <a16:creationId xmlns:a16="http://schemas.microsoft.com/office/drawing/2014/main" id="{5A1A3089-7055-6E37-6C42-234E587AB2D4}"/>
+              </a:ext>
+            </a:extLst>
+          </p:cNvPr>
+          <p:cNvSpPr>
+            <a:spLocks noGrp="1"/>
+          </p:cNvSpPr>
+          <p:nvPr>
+            <p:ph idx="1"/>
+          </p:nvPr>
+        </p:nvSpPr>
+        <p:spPr/>
+        <p:txBody>
+          <a:bodyPr/>
+          <a:lstStyle/>
+          <a:p>
+            <a:r>
+              <a:rPr lang="en-US" dirty="0">
+                <a:hlinkClick r:id="rId2"/>
+              </a:rPr>
+              <a:t>https://1054009.github.io/CSET-120-FinalProject/</a:t>
+            </a:r>
+            <a:endParaRPr lang="en-US" dirty="0"/>
+          </a:p>
+          <a:p>
+            <a:pPr marL="0" indent="0">
+              <a:buNone/>
+            </a:pPr>
+            <a:endParaRPr lang="en-US" dirty="0"/>
+          </a:p>
+        </p:txBody>
+      </p:sp>
+    </p:spTree>
+    <p:extLst>
+      <p:ext uri="{BB962C8B-B14F-4D97-AF65-F5344CB8AC3E}">
+        <p14:creationId xmlns:p14="http://schemas.microsoft.com/office/powerpoint/2010/main" val="4049332769"/>
       </p:ext>
     </p:extLst>
   </p:cSld>
@@ -13590,6 +19533,138 @@
           <p:cNvPr id="2" name="Title 1">
             <a:extLst>
               <a:ext uri="{FF2B5EF4-FFF2-40B4-BE49-F238E27FC236}">
+                <a16:creationId xmlns:a16="http://schemas.microsoft.com/office/drawing/2014/main" id="{4C051C3A-7FF0-9818-CCA9-E3007E67436A}"/>
+              </a:ext>
+            </a:extLst>
+          </p:cNvPr>
+          <p:cNvSpPr>
+            <a:spLocks noGrp="1"/>
+          </p:cNvSpPr>
+          <p:nvPr>
+            <p:ph type="title"/>
+          </p:nvPr>
+        </p:nvSpPr>
+        <p:spPr/>
+        <p:txBody>
+          <a:bodyPr/>
+          <a:lstStyle/>
+          <a:p>
+            <a:r>
+              <a:rPr lang="en-US" b="0" i="0" dirty="0">
+                <a:effectLst/>
+                <a:latin typeface="Arial" panose="020B0604020202020204" pitchFamily="34" charset="0"/>
+              </a:rPr>
+              <a:t>Introduction (cont.)</a:t>
+            </a:r>
+            <a:endParaRPr lang="en-US" dirty="0"/>
+          </a:p>
+        </p:txBody>
+      </p:sp>
+      <p:sp>
+        <p:nvSpPr>
+          <p:cNvPr id="3" name="Content Placeholder 2">
+            <a:extLst>
+              <a:ext uri="{FF2B5EF4-FFF2-40B4-BE49-F238E27FC236}">
+                <a16:creationId xmlns:a16="http://schemas.microsoft.com/office/drawing/2014/main" id="{D7558010-8011-9C05-1617-F2D0E4DA4F25}"/>
+              </a:ext>
+            </a:extLst>
+          </p:cNvPr>
+          <p:cNvSpPr>
+            <a:spLocks noGrp="1"/>
+          </p:cNvSpPr>
+          <p:nvPr>
+            <p:ph idx="1"/>
+          </p:nvPr>
+        </p:nvSpPr>
+        <p:spPr/>
+        <p:txBody>
+          <a:bodyPr>
+            <a:normAutofit lnSpcReduction="10000"/>
+          </a:bodyPr>
+          <a:lstStyle/>
+          <a:p>
+            <a:r>
+              <a:rPr lang="en-US" dirty="0"/>
+              <a:t>Title: Software Requirements Specification (SRS)</a:t>
+            </a:r>
+          </a:p>
+          <a:p>
+            <a:endParaRPr lang="en-US" dirty="0"/>
+          </a:p>
+          <a:p>
+            <a:r>
+              <a:rPr lang="en-US" strike="sngStrike" dirty="0"/>
+              <a:t>Briefly discuss the importance of the SRS document</a:t>
+            </a:r>
+          </a:p>
+          <a:p>
+            <a:r>
+              <a:rPr lang="en-US" dirty="0"/>
+              <a:t>A document that outlines the features of the software</a:t>
+            </a:r>
+          </a:p>
+          <a:p>
+            <a:endParaRPr lang="en-US" dirty="0"/>
+          </a:p>
+          <a:p>
+            <a:r>
+              <a:rPr lang="en-US" dirty="0"/>
+              <a:t>Mention key components covered in the SRS for the project</a:t>
+            </a:r>
+          </a:p>
+          <a:p>
+            <a:endParaRPr lang="en-US" dirty="0">
+              <a:solidFill>
+                <a:srgbClr val="FF0000"/>
+              </a:solidFill>
+            </a:endParaRPr>
+          </a:p>
+          <a:p>
+            <a:pPr marL="0" indent="0">
+              <a:buNone/>
+            </a:pPr>
+            <a:br>
+              <a:rPr lang="en-US" dirty="0"/>
+            </a:br>
+            <a:endParaRPr lang="en-US" dirty="0"/>
+          </a:p>
+        </p:txBody>
+      </p:sp>
+    </p:spTree>
+    <p:extLst>
+      <p:ext uri="{BB962C8B-B14F-4D97-AF65-F5344CB8AC3E}">
+        <p14:creationId xmlns:p14="http://schemas.microsoft.com/office/powerpoint/2010/main" val="3987467324"/>
+      </p:ext>
+    </p:extLst>
+  </p:cSld>
+  <p:clrMapOvr>
+    <a:masterClrMapping/>
+  </p:clrMapOvr>
+</p:sld>
+</file>
+
+<file path=ppt/slides/slide4.xml><?xml version="1.0" encoding="utf-8"?>
+<p:sld xmlns:a="http://schemas.openxmlformats.org/drawingml/2006/main" xmlns:r="http://schemas.openxmlformats.org/officeDocument/2006/relationships" xmlns:p="http://schemas.openxmlformats.org/presentationml/2006/main">
+  <p:cSld>
+    <p:spTree>
+      <p:nvGrpSpPr>
+        <p:cNvPr id="1" name=""/>
+        <p:cNvGrpSpPr/>
+        <p:nvPr/>
+      </p:nvGrpSpPr>
+      <p:grpSpPr>
+        <a:xfrm>
+          <a:off x="0" y="0"/>
+          <a:ext cx="0" cy="0"/>
+          <a:chOff x="0" y="0"/>
+          <a:chExt cx="0" cy="0"/>
+        </a:xfrm>
+      </p:grpSpPr>
+      <p:sp>
+        <p:nvSpPr>
+          <p:cNvPr id="2" name="Title 1">
+            <a:extLst>
+              <a:ext uri="{FF2B5EF4-FFF2-40B4-BE49-F238E27FC236}">
                 <a16:creationId xmlns:a16="http://schemas.microsoft.com/office/drawing/2014/main" id="{E51AFFEF-D991-9598-787D-C3FC8C01C602}"/>
               </a:ext>
             </a:extLst>
@@ -13608,7 +19683,100 @@
           <a:p>
             <a:r>
               <a:rPr lang="en-US" dirty="0"/>
-              <a:t>Diagrams yeah (cont.)</a:t>
+              <a:t>Activity Diagram</a:t>
+            </a:r>
+          </a:p>
+        </p:txBody>
+      </p:sp>
+      <p:pic>
+        <p:nvPicPr>
+          <p:cNvPr id="5" name="Content Placeholder 4" descr="A diagram of a flowchart&#10;&#10;Description automatically generated">
+            <a:extLst>
+              <a:ext uri="{FF2B5EF4-FFF2-40B4-BE49-F238E27FC236}">
+                <a16:creationId xmlns:a16="http://schemas.microsoft.com/office/drawing/2014/main" id="{46547DBA-00C0-FE5C-B5B7-927CAADBBA12}"/>
+              </a:ext>
+            </a:extLst>
+          </p:cNvPr>
+          <p:cNvPicPr>
+            <a:picLocks noGrp="1" noChangeAspect="1"/>
+          </p:cNvPicPr>
+          <p:nvPr>
+            <p:ph idx="1"/>
+          </p:nvPr>
+        </p:nvPicPr>
+        <p:blipFill>
+          <a:blip r:embed="rId3">
+            <a:extLst>
+              <a:ext uri="{28A0092B-C50C-407E-A947-70E740481C1C}">
+                <a14:useLocalDpi xmlns:a14="http://schemas.microsoft.com/office/drawing/2010/main" val="0"/>
+              </a:ext>
+            </a:extLst>
+          </a:blip>
+          <a:stretch>
+            <a:fillRect/>
+          </a:stretch>
+        </p:blipFill>
+        <p:spPr>
+          <a:xfrm>
+            <a:off x="4804229" y="1319893"/>
+            <a:ext cx="6745938" cy="5386490"/>
+          </a:xfrm>
+        </p:spPr>
+      </p:pic>
+    </p:spTree>
+    <p:extLst>
+      <p:ext uri="{BB962C8B-B14F-4D97-AF65-F5344CB8AC3E}">
+        <p14:creationId xmlns:p14="http://schemas.microsoft.com/office/powerpoint/2010/main" val="2587489695"/>
+      </p:ext>
+    </p:extLst>
+  </p:cSld>
+  <p:clrMapOvr>
+    <a:masterClrMapping/>
+  </p:clrMapOvr>
+</p:sld>
+</file>
+
+<file path=ppt/slides/slide5.xml><?xml version="1.0" encoding="utf-8"?>
+<p:sld xmlns:a="http://schemas.openxmlformats.org/drawingml/2006/main" xmlns:r="http://schemas.openxmlformats.org/officeDocument/2006/relationships" xmlns:p="http://schemas.openxmlformats.org/presentationml/2006/main">
+  <p:cSld>
+    <p:spTree>
+      <p:nvGrpSpPr>
+        <p:cNvPr id="1" name=""/>
+        <p:cNvGrpSpPr/>
+        <p:nvPr/>
+      </p:nvGrpSpPr>
+      <p:grpSpPr>
+        <a:xfrm>
+          <a:off x="0" y="0"/>
+          <a:ext cx="0" cy="0"/>
+          <a:chOff x="0" y="0"/>
+          <a:chExt cx="0" cy="0"/>
+        </a:xfrm>
+      </p:grpSpPr>
+      <p:sp>
+        <p:nvSpPr>
+          <p:cNvPr id="2" name="Title 1">
+            <a:extLst>
+              <a:ext uri="{FF2B5EF4-FFF2-40B4-BE49-F238E27FC236}">
+                <a16:creationId xmlns:a16="http://schemas.microsoft.com/office/drawing/2014/main" id="{E51AFFEF-D991-9598-787D-C3FC8C01C602}"/>
+              </a:ext>
+            </a:extLst>
+          </p:cNvPr>
+          <p:cNvSpPr>
+            <a:spLocks noGrp="1"/>
+          </p:cNvSpPr>
+          <p:nvPr>
+            <p:ph type="title"/>
+          </p:nvPr>
+        </p:nvSpPr>
+        <p:spPr/>
+        <p:txBody>
+          <a:bodyPr/>
+          <a:lstStyle/>
+          <a:p>
+            <a:r>
+              <a:rPr lang="en-US" dirty="0"/>
+              <a:t>Use Case Diagram</a:t>
             </a:r>
           </a:p>
         </p:txBody>
@@ -13652,7 +19820,7 @@
     </p:spTree>
     <p:extLst>
       <p:ext uri="{BB962C8B-B14F-4D97-AF65-F5344CB8AC3E}">
-        <p14:creationId xmlns:p14="http://schemas.microsoft.com/office/powerpoint/2010/main" val="3709534291"/>
+        <p14:creationId xmlns:p14="http://schemas.microsoft.com/office/powerpoint/2010/main" val="241719118"/>
       </p:ext>
     </p:extLst>
   </p:cSld>
@@ -13662,7 +19830,7 @@
 </p:sld>
 </file>
 
-<file path=ppt/slides/slide4.xml><?xml version="1.0" encoding="utf-8"?>
+<file path=ppt/slides/slide6.xml><?xml version="1.0" encoding="utf-8"?>
 <p:sld xmlns:a="http://schemas.openxmlformats.org/drawingml/2006/main" xmlns:r="http://schemas.openxmlformats.org/officeDocument/2006/relationships" xmlns:p="http://schemas.openxmlformats.org/presentationml/2006/main">
   <p:cSld>
     <p:spTree>
@@ -13684,7 +19852,7 @@
           <p:cNvPr id="2" name="Title 1">
             <a:extLst>
               <a:ext uri="{FF2B5EF4-FFF2-40B4-BE49-F238E27FC236}">
-                <a16:creationId xmlns:a16="http://schemas.microsoft.com/office/drawing/2014/main" id="{34674466-1325-F9D7-E232-7918868CF163}"/>
+                <a16:creationId xmlns:a16="http://schemas.microsoft.com/office/drawing/2014/main" id="{4C051C3A-7FF0-9818-CCA9-E3007E67436A}"/>
               </a:ext>
             </a:extLst>
           </p:cNvPr>
@@ -13701,9 +19869,15 @@
           <a:lstStyle/>
           <a:p>
             <a:r>
-              <a:rPr lang="en-US" dirty="0"/>
-              <a:t>Hi</a:t>
+              <a:rPr lang="en-US" sz="3600" b="1" dirty="0">
+                <a:effectLst/>
+                <a:latin typeface="Calibri" panose="020F0502020204030204" pitchFamily="34" charset="0"/>
+                <a:ea typeface="Calibri" panose="020F0502020204030204" pitchFamily="34" charset="0"/>
+                <a:cs typeface="Times New Roman" panose="02020603050405020304" pitchFamily="18" charset="0"/>
+              </a:rPr>
+              <a:t>User Authentication Module</a:t>
             </a:r>
+            <a:endParaRPr lang="en-US" dirty="0"/>
           </a:p>
         </p:txBody>
       </p:sp>
@@ -13712,7 +19886,7 @@
           <p:cNvPr id="3" name="Content Placeholder 2">
             <a:extLst>
               <a:ext uri="{FF2B5EF4-FFF2-40B4-BE49-F238E27FC236}">
-                <a16:creationId xmlns:a16="http://schemas.microsoft.com/office/drawing/2014/main" id="{5A1A3089-7055-6E37-6C42-234E587AB2D4}"/>
+                <a16:creationId xmlns:a16="http://schemas.microsoft.com/office/drawing/2014/main" id="{D7558010-8011-9C05-1617-F2D0E4DA4F25}"/>
               </a:ext>
             </a:extLst>
           </p:cNvPr>
@@ -13725,29 +19899,383 @@
         </p:nvSpPr>
         <p:spPr/>
         <p:txBody>
-          <a:bodyPr/>
+          <a:bodyPr>
+            <a:normAutofit/>
+          </a:bodyPr>
           <a:lstStyle/>
           <a:p>
             <a:r>
               <a:rPr lang="en-US" dirty="0">
-                <a:hlinkClick r:id="rId2"/>
+                <a:solidFill>
+                  <a:schemeClr val="tx1"/>
+                </a:solidFill>
               </a:rPr>
-              <a:t>https://1054009.github.io/CSET-120-FinalProject/</a:t>
+              <a:t>Sign-up page for customers </a:t>
             </a:r>
-            <a:endParaRPr lang="en-US" dirty="0"/>
+            <a:r>
+              <a:rPr lang="en-US" strike="sngStrike" dirty="0">
+                <a:solidFill>
+                  <a:schemeClr val="tx1"/>
+                </a:solidFill>
+              </a:rPr>
+              <a:t>(initially show the user page for each visit or account for multiple customers)</a:t>
+            </a:r>
+          </a:p>
+          <a:p>
+            <a:endParaRPr lang="en-US" dirty="0">
+              <a:solidFill>
+                <a:schemeClr val="tx1"/>
+              </a:solidFill>
+            </a:endParaRPr>
+          </a:p>
+          <a:p>
+            <a:r>
+              <a:rPr lang="en-US" dirty="0">
+                <a:solidFill>
+                  <a:schemeClr val="tx1"/>
+                </a:solidFill>
+              </a:rPr>
+              <a:t>Login page for customers and managers</a:t>
+            </a:r>
           </a:p>
           <a:p>
             <a:pPr marL="0" indent="0">
               <a:buNone/>
             </a:pPr>
-            <a:endParaRPr lang="en-US" dirty="0"/>
+            <a:endParaRPr lang="en-US" dirty="0">
+              <a:solidFill>
+                <a:schemeClr val="tx1"/>
+              </a:solidFill>
+            </a:endParaRPr>
+          </a:p>
+          <a:p>
+            <a:r>
+              <a:rPr lang="en-US" strike="sngStrike" dirty="0">
+                <a:solidFill>
+                  <a:schemeClr val="tx1"/>
+                </a:solidFill>
+              </a:rPr>
+              <a:t>Emphasize exclusivity to customers for sign-up</a:t>
+            </a:r>
+          </a:p>
+          <a:p>
+            <a:endParaRPr lang="en-US" dirty="0">
+              <a:solidFill>
+                <a:schemeClr val="tx1"/>
+              </a:solidFill>
+            </a:endParaRPr>
+          </a:p>
+          <a:p>
+            <a:endParaRPr lang="en-US" dirty="0">
+              <a:solidFill>
+                <a:schemeClr val="tx1"/>
+              </a:solidFill>
+            </a:endParaRPr>
+          </a:p>
+          <a:p>
+            <a:pPr lvl="1"/>
+            <a:endParaRPr lang="en-US" dirty="0">
+              <a:solidFill>
+                <a:srgbClr val="FF0000"/>
+              </a:solidFill>
+            </a:endParaRPr>
           </a:p>
         </p:txBody>
       </p:sp>
     </p:spTree>
     <p:extLst>
       <p:ext uri="{BB962C8B-B14F-4D97-AF65-F5344CB8AC3E}">
-        <p14:creationId xmlns:p14="http://schemas.microsoft.com/office/powerpoint/2010/main" val="4049332769"/>
+        <p14:creationId xmlns:p14="http://schemas.microsoft.com/office/powerpoint/2010/main" val="1315975047"/>
+      </p:ext>
+    </p:extLst>
+  </p:cSld>
+  <p:clrMapOvr>
+    <a:masterClrMapping/>
+  </p:clrMapOvr>
+</p:sld>
+</file>
+
+<file path=ppt/slides/slide7.xml><?xml version="1.0" encoding="utf-8"?>
+<p:sld xmlns:a="http://schemas.openxmlformats.org/drawingml/2006/main" xmlns:r="http://schemas.openxmlformats.org/officeDocument/2006/relationships" xmlns:p="http://schemas.openxmlformats.org/presentationml/2006/main">
+  <p:cSld>
+    <p:spTree>
+      <p:nvGrpSpPr>
+        <p:cNvPr id="1" name=""/>
+        <p:cNvGrpSpPr/>
+        <p:nvPr/>
+      </p:nvGrpSpPr>
+      <p:grpSpPr>
+        <a:xfrm>
+          <a:off x="0" y="0"/>
+          <a:ext cx="0" cy="0"/>
+          <a:chOff x="0" y="0"/>
+          <a:chExt cx="0" cy="0"/>
+        </a:xfrm>
+      </p:grpSpPr>
+      <p:sp>
+        <p:nvSpPr>
+          <p:cNvPr id="2" name="Title 1">
+            <a:extLst>
+              <a:ext uri="{FF2B5EF4-FFF2-40B4-BE49-F238E27FC236}">
+                <a16:creationId xmlns:a16="http://schemas.microsoft.com/office/drawing/2014/main" id="{4C051C3A-7FF0-9818-CCA9-E3007E67436A}"/>
+              </a:ext>
+            </a:extLst>
+          </p:cNvPr>
+          <p:cNvSpPr>
+            <a:spLocks noGrp="1"/>
+          </p:cNvSpPr>
+          <p:nvPr>
+            <p:ph type="title"/>
+          </p:nvPr>
+        </p:nvSpPr>
+        <p:spPr/>
+        <p:txBody>
+          <a:bodyPr/>
+          <a:lstStyle/>
+          <a:p>
+            <a:r>
+              <a:rPr lang="en-US" sz="3600" b="1" dirty="0">
+                <a:effectLst/>
+                <a:latin typeface="Calibri" panose="020F0502020204030204" pitchFamily="34" charset="0"/>
+                <a:ea typeface="Calibri" panose="020F0502020204030204" pitchFamily="34" charset="0"/>
+                <a:cs typeface="Times New Roman" panose="02020603050405020304" pitchFamily="18" charset="0"/>
+              </a:rPr>
+              <a:t>User Authentication Module (cont.)</a:t>
+            </a:r>
+            <a:endParaRPr lang="en-US" dirty="0"/>
+          </a:p>
+        </p:txBody>
+      </p:sp>
+      <p:sp>
+        <p:nvSpPr>
+          <p:cNvPr id="4" name="TextBox 3">
+            <a:extLst>
+              <a:ext uri="{FF2B5EF4-FFF2-40B4-BE49-F238E27FC236}">
+                <a16:creationId xmlns:a16="http://schemas.microsoft.com/office/drawing/2014/main" id="{DF14A66F-A75C-D886-EFA0-8A8AE63EDADA}"/>
+              </a:ext>
+            </a:extLst>
+          </p:cNvPr>
+          <p:cNvSpPr txBox="1"/>
+          <p:nvPr/>
+        </p:nvSpPr>
+        <p:spPr>
+          <a:xfrm>
+            <a:off x="1154954" y="1588068"/>
+            <a:ext cx="3257623" cy="369332"/>
+          </a:xfrm>
+          <a:prstGeom prst="rect">
+            <a:avLst/>
+          </a:prstGeom>
+          <a:noFill/>
+        </p:spPr>
+        <p:txBody>
+          <a:bodyPr wrap="none" rtlCol="0">
+            <a:spAutoFit/>
+          </a:bodyPr>
+          <a:lstStyle/>
+          <a:p>
+            <a:r>
+              <a:rPr lang="en-US" dirty="0">
+                <a:solidFill>
+                  <a:schemeClr val="bg1"/>
+                </a:solidFill>
+              </a:rPr>
+              <a:t>Sign-up page for customers</a:t>
+            </a:r>
+          </a:p>
+        </p:txBody>
+      </p:sp>
+    </p:spTree>
+    <p:extLst>
+      <p:ext uri="{BB962C8B-B14F-4D97-AF65-F5344CB8AC3E}">
+        <p14:creationId xmlns:p14="http://schemas.microsoft.com/office/powerpoint/2010/main" val="1356152246"/>
+      </p:ext>
+    </p:extLst>
+  </p:cSld>
+  <p:clrMapOvr>
+    <a:masterClrMapping/>
+  </p:clrMapOvr>
+</p:sld>
+</file>
+
+<file path=ppt/slides/slide8.xml><?xml version="1.0" encoding="utf-8"?>
+<p:sld xmlns:a="http://schemas.openxmlformats.org/drawingml/2006/main" xmlns:r="http://schemas.openxmlformats.org/officeDocument/2006/relationships" xmlns:p="http://schemas.openxmlformats.org/presentationml/2006/main">
+  <p:cSld>
+    <p:spTree>
+      <p:nvGrpSpPr>
+        <p:cNvPr id="1" name=""/>
+        <p:cNvGrpSpPr/>
+        <p:nvPr/>
+      </p:nvGrpSpPr>
+      <p:grpSpPr>
+        <a:xfrm>
+          <a:off x="0" y="0"/>
+          <a:ext cx="0" cy="0"/>
+          <a:chOff x="0" y="0"/>
+          <a:chExt cx="0" cy="0"/>
+        </a:xfrm>
+      </p:grpSpPr>
+      <p:sp>
+        <p:nvSpPr>
+          <p:cNvPr id="2" name="Title 1">
+            <a:extLst>
+              <a:ext uri="{FF2B5EF4-FFF2-40B4-BE49-F238E27FC236}">
+                <a16:creationId xmlns:a16="http://schemas.microsoft.com/office/drawing/2014/main" id="{E51AFFEF-D991-9598-787D-C3FC8C01C602}"/>
+              </a:ext>
+            </a:extLst>
+          </p:cNvPr>
+          <p:cNvSpPr>
+            <a:spLocks noGrp="1"/>
+          </p:cNvSpPr>
+          <p:nvPr>
+            <p:ph type="title"/>
+          </p:nvPr>
+        </p:nvSpPr>
+        <p:spPr/>
+        <p:txBody>
+          <a:bodyPr/>
+          <a:lstStyle/>
+          <a:p>
+            <a:r>
+              <a:rPr lang="en-US" dirty="0"/>
+              <a:t>Diagrams yeah</a:t>
+            </a:r>
+          </a:p>
+        </p:txBody>
+      </p:sp>
+      <p:pic>
+        <p:nvPicPr>
+          <p:cNvPr id="5" name="Content Placeholder 4" descr="A diagram of a flowchart&#10;&#10;Description automatically generated">
+            <a:extLst>
+              <a:ext uri="{FF2B5EF4-FFF2-40B4-BE49-F238E27FC236}">
+                <a16:creationId xmlns:a16="http://schemas.microsoft.com/office/drawing/2014/main" id="{46547DBA-00C0-FE5C-B5B7-927CAADBBA12}"/>
+              </a:ext>
+            </a:extLst>
+          </p:cNvPr>
+          <p:cNvPicPr>
+            <a:picLocks noGrp="1" noChangeAspect="1"/>
+          </p:cNvPicPr>
+          <p:nvPr>
+            <p:ph idx="1"/>
+          </p:nvPr>
+        </p:nvPicPr>
+        <p:blipFill>
+          <a:blip r:embed="rId2">
+            <a:extLst>
+              <a:ext uri="{28A0092B-C50C-407E-A947-70E740481C1C}">
+                <a14:useLocalDpi xmlns:a14="http://schemas.microsoft.com/office/drawing/2010/main" val="0"/>
+              </a:ext>
+            </a:extLst>
+          </a:blip>
+          <a:stretch>
+            <a:fillRect/>
+          </a:stretch>
+        </p:blipFill>
+        <p:spPr>
+          <a:xfrm>
+            <a:off x="4804229" y="1319893"/>
+            <a:ext cx="6745938" cy="5386490"/>
+          </a:xfrm>
+        </p:spPr>
+      </p:pic>
+    </p:spTree>
+    <p:extLst>
+      <p:ext uri="{BB962C8B-B14F-4D97-AF65-F5344CB8AC3E}">
+        <p14:creationId xmlns:p14="http://schemas.microsoft.com/office/powerpoint/2010/main" val="31508117"/>
+      </p:ext>
+    </p:extLst>
+  </p:cSld>
+  <p:clrMapOvr>
+    <a:masterClrMapping/>
+  </p:clrMapOvr>
+</p:sld>
+</file>
+
+<file path=ppt/slides/slide9.xml><?xml version="1.0" encoding="utf-8"?>
+<p:sld xmlns:a="http://schemas.openxmlformats.org/drawingml/2006/main" xmlns:r="http://schemas.openxmlformats.org/officeDocument/2006/relationships" xmlns:p="http://schemas.openxmlformats.org/presentationml/2006/main">
+  <p:cSld>
+    <p:spTree>
+      <p:nvGrpSpPr>
+        <p:cNvPr id="1" name=""/>
+        <p:cNvGrpSpPr/>
+        <p:nvPr/>
+      </p:nvGrpSpPr>
+      <p:grpSpPr>
+        <a:xfrm>
+          <a:off x="0" y="0"/>
+          <a:ext cx="0" cy="0"/>
+          <a:chOff x="0" y="0"/>
+          <a:chExt cx="0" cy="0"/>
+        </a:xfrm>
+      </p:grpSpPr>
+      <p:sp>
+        <p:nvSpPr>
+          <p:cNvPr id="2" name="Title 1">
+            <a:extLst>
+              <a:ext uri="{FF2B5EF4-FFF2-40B4-BE49-F238E27FC236}">
+                <a16:creationId xmlns:a16="http://schemas.microsoft.com/office/drawing/2014/main" id="{E51AFFEF-D991-9598-787D-C3FC8C01C602}"/>
+              </a:ext>
+            </a:extLst>
+          </p:cNvPr>
+          <p:cNvSpPr>
+            <a:spLocks noGrp="1"/>
+          </p:cNvSpPr>
+          <p:nvPr>
+            <p:ph type="title"/>
+          </p:nvPr>
+        </p:nvSpPr>
+        <p:spPr/>
+        <p:txBody>
+          <a:bodyPr/>
+          <a:lstStyle/>
+          <a:p>
+            <a:r>
+              <a:rPr lang="en-US" dirty="0"/>
+              <a:t>Diagrams yeah (cont.)</a:t>
+            </a:r>
+          </a:p>
+        </p:txBody>
+      </p:sp>
+      <p:pic>
+        <p:nvPicPr>
+          <p:cNvPr id="4" name="Picture 3" descr="A diagram of a flowchart&#10;&#10;Description automatically generated">
+            <a:extLst>
+              <a:ext uri="{FF2B5EF4-FFF2-40B4-BE49-F238E27FC236}">
+                <a16:creationId xmlns:a16="http://schemas.microsoft.com/office/drawing/2014/main" id="{B7D523FC-3341-DA39-0948-4F4E62DE6667}"/>
+              </a:ext>
+            </a:extLst>
+          </p:cNvPr>
+          <p:cNvPicPr>
+            <a:picLocks noChangeAspect="1"/>
+          </p:cNvPicPr>
+          <p:nvPr/>
+        </p:nvPicPr>
+        <p:blipFill>
+          <a:blip r:embed="rId2">
+            <a:extLst>
+              <a:ext uri="{28A0092B-C50C-407E-A947-70E740481C1C}">
+                <a14:useLocalDpi xmlns:a14="http://schemas.microsoft.com/office/drawing/2010/main" val="0"/>
+              </a:ext>
+            </a:extLst>
+          </a:blip>
+          <a:stretch>
+            <a:fillRect/>
+          </a:stretch>
+        </p:blipFill>
+        <p:spPr>
+          <a:xfrm>
+            <a:off x="5833232" y="0"/>
+            <a:ext cx="4499013" cy="6858000"/>
+          </a:xfrm>
+          <a:prstGeom prst="rect">
+            <a:avLst/>
+          </a:prstGeom>
+        </p:spPr>
+      </p:pic>
+    </p:spTree>
+    <p:extLst>
+      <p:ext uri="{BB962C8B-B14F-4D97-AF65-F5344CB8AC3E}">
+        <p14:creationId xmlns:p14="http://schemas.microsoft.com/office/powerpoint/2010/main" val="2345835504"/>
       </p:ext>
     </p:extLst>
   </p:cSld>
@@ -14019,4 +20547,299 @@
     </a:ext>
   </a:extLst>
 </a:theme>
+</file>
+
+<file path=ppt/theme/theme2.xml><?xml version="1.0" encoding="utf-8"?>
+<a:theme xmlns:a="http://schemas.openxmlformats.org/drawingml/2006/main" name="Office Theme">
+  <a:themeElements>
+    <a:clrScheme name="Office">
+      <a:dk1>
+        <a:sysClr val="windowText" lastClr="000000"/>
+      </a:dk1>
+      <a:lt1>
+        <a:sysClr val="window" lastClr="FFFFFF"/>
+      </a:lt1>
+      <a:dk2>
+        <a:srgbClr val="44546A"/>
+      </a:dk2>
+      <a:lt2>
+        <a:srgbClr val="E7E6E6"/>
+      </a:lt2>
+      <a:accent1>
+        <a:srgbClr val="4472C4"/>
+      </a:accent1>
+      <a:accent2>
+        <a:srgbClr val="ED7D31"/>
+      </a:accent2>
+      <a:accent3>
+        <a:srgbClr val="A5A5A5"/>
+      </a:accent3>
+      <a:accent4>
+        <a:srgbClr val="FFC000"/>
+      </a:accent4>
+      <a:accent5>
+        <a:srgbClr val="5B9BD5"/>
+      </a:accent5>
+      <a:accent6>
+        <a:srgbClr val="70AD47"/>
+      </a:accent6>
+      <a:hlink>
+        <a:srgbClr val="0563C1"/>
+      </a:hlink>
+      <a:folHlink>
+        <a:srgbClr val="954F72"/>
+      </a:folHlink>
+    </a:clrScheme>
+    <a:fontScheme name="Office">
+      <a:majorFont>
+        <a:latin typeface="Calibri Light" panose="020F0302020204030204"/>
+        <a:ea typeface=""/>
+        <a:cs typeface=""/>
+        <a:font script="Jpan" typeface="游ゴシック Light"/>
+        <a:font script="Hang" typeface="맑은 고딕"/>
+        <a:font script="Hans" typeface="等线 Light"/>
+        <a:font script="Hant" typeface="新細明體"/>
+        <a:font script="Arab" typeface="Times New Roman"/>
+        <a:font script="Hebr" typeface="Times New Roman"/>
+        <a:font script="Thai" typeface="Angsana New"/>
+        <a:font script="Ethi" typeface="Nyala"/>
+        <a:font script="Beng" typeface="Vrinda"/>
+        <a:font script="Gujr" typeface="Shruti"/>
+        <a:font script="Khmr" typeface="MoolBoran"/>
+        <a:font script="Knda" typeface="Tunga"/>
+        <a:font script="Guru" typeface="Raavi"/>
+        <a:font script="Cans" typeface="Euphemia"/>
+        <a:font script="Cher" typeface="Plantagenet Cherokee"/>
+        <a:font script="Yiii" typeface="Microsoft Yi Baiti"/>
+        <a:font script="Tibt" typeface="Microsoft Himalaya"/>
+        <a:font script="Thaa" typeface="MV Boli"/>
+        <a:font script="Deva" typeface="Mangal"/>
+        <a:font script="Telu" typeface="Gautami"/>
+        <a:font script="Taml" typeface="Latha"/>
+        <a:font script="Syrc" typeface="Estrangelo Edessa"/>
+        <a:font script="Orya" typeface="Kalinga"/>
+        <a:font script="Mlym" typeface="Kartika"/>
+        <a:font script="Laoo" typeface="DokChampa"/>
+        <a:font script="Sinh" typeface="Iskoola Pota"/>
+        <a:font script="Mong" typeface="Mongolian Baiti"/>
+        <a:font script="Viet" typeface="Times New Roman"/>
+        <a:font script="Uigh" typeface="Microsoft Uighur"/>
+        <a:font script="Geor" typeface="Sylfaen"/>
+        <a:font script="Armn" typeface="Arial"/>
+        <a:font script="Bugi" typeface="Leelawadee UI"/>
+        <a:font script="Bopo" typeface="Microsoft JhengHei"/>
+        <a:font script="Java" typeface="Javanese Text"/>
+        <a:font script="Lisu" typeface="Segoe UI"/>
+        <a:font script="Mymr" typeface="Myanmar Text"/>
+        <a:font script="Nkoo" typeface="Ebrima"/>
+        <a:font script="Olck" typeface="Nirmala UI"/>
+        <a:font script="Osma" typeface="Ebrima"/>
+        <a:font script="Phag" typeface="Phagspa"/>
+        <a:font script="Syrn" typeface="Estrangelo Edessa"/>
+        <a:font script="Syrj" typeface="Estrangelo Edessa"/>
+        <a:font script="Syre" typeface="Estrangelo Edessa"/>
+        <a:font script="Sora" typeface="Nirmala UI"/>
+        <a:font script="Tale" typeface="Microsoft Tai Le"/>
+        <a:font script="Talu" typeface="Microsoft New Tai Lue"/>
+        <a:font script="Tfng" typeface="Ebrima"/>
+      </a:majorFont>
+      <a:minorFont>
+        <a:latin typeface="Calibri" panose="020F0502020204030204"/>
+        <a:ea typeface=""/>
+        <a:cs typeface=""/>
+        <a:font script="Jpan" typeface="游ゴシック"/>
+        <a:font script="Hang" typeface="맑은 고딕"/>
+        <a:font script="Hans" typeface="等线"/>
+        <a:font script="Hant" typeface="新細明體"/>
+        <a:font script="Arab" typeface="Arial"/>
+        <a:font script="Hebr" typeface="Arial"/>
+        <a:font script="Thai" typeface="Cordia New"/>
+        <a:font script="Ethi" typeface="Nyala"/>
+        <a:font script="Beng" typeface="Vrinda"/>
+        <a:font script="Gujr" typeface="Shruti"/>
+        <a:font script="Khmr" typeface="DaunPenh"/>
+        <a:font script="Knda" typeface="Tunga"/>
+        <a:font script="Guru" typeface="Raavi"/>
+        <a:font script="Cans" typeface="Euphemia"/>
+        <a:font script="Cher" typeface="Plantagenet Cherokee"/>
+        <a:font script="Yiii" typeface="Microsoft Yi Baiti"/>
+        <a:font script="Tibt" typeface="Microsoft Himalaya"/>
+        <a:font script="Thaa" typeface="MV Boli"/>
+        <a:font script="Deva" typeface="Mangal"/>
+        <a:font script="Telu" typeface="Gautami"/>
+        <a:font script="Taml" typeface="Latha"/>
+        <a:font script="Syrc" typeface="Estrangelo Edessa"/>
+        <a:font script="Orya" typeface="Kalinga"/>
+        <a:font script="Mlym" typeface="Kartika"/>
+        <a:font script="Laoo" typeface="DokChampa"/>
+        <a:font script="Sinh" typeface="Iskoola Pota"/>
+        <a:font script="Mong" typeface="Mongolian Baiti"/>
+        <a:font script="Viet" typeface="Arial"/>
+        <a:font script="Uigh" typeface="Microsoft Uighur"/>
+        <a:font script="Geor" typeface="Sylfaen"/>
+        <a:font script="Armn" typeface="Arial"/>
+        <a:font script="Bugi" typeface="Leelawadee UI"/>
+        <a:font script="Bopo" typeface="Microsoft JhengHei"/>
+        <a:font script="Java" typeface="Javanese Text"/>
+        <a:font script="Lisu" typeface="Segoe UI"/>
+        <a:font script="Mymr" typeface="Myanmar Text"/>
+        <a:font script="Nkoo" typeface="Ebrima"/>
+        <a:font script="Olck" typeface="Nirmala UI"/>
+        <a:font script="Osma" typeface="Ebrima"/>
+        <a:font script="Phag" typeface="Phagspa"/>
+        <a:font script="Syrn" typeface="Estrangelo Edessa"/>
+        <a:font script="Syrj" typeface="Estrangelo Edessa"/>
+        <a:font script="Syre" typeface="Estrangelo Edessa"/>
+        <a:font script="Sora" typeface="Nirmala UI"/>
+        <a:font script="Tale" typeface="Microsoft Tai Le"/>
+        <a:font script="Talu" typeface="Microsoft New Tai Lue"/>
+        <a:font script="Tfng" typeface="Ebrima"/>
+      </a:minorFont>
+    </a:fontScheme>
+    <a:fmtScheme name="Office">
+      <a:fillStyleLst>
+        <a:solidFill>
+          <a:schemeClr val="phClr"/>
+        </a:solidFill>
+        <a:gradFill rotWithShape="1">
+          <a:gsLst>
+            <a:gs pos="0">
+              <a:schemeClr val="phClr">
+                <a:lumMod val="110000"/>
+                <a:satMod val="105000"/>
+                <a:tint val="67000"/>
+              </a:schemeClr>
+            </a:gs>
+            <a:gs pos="50000">
+              <a:schemeClr val="phClr">
+                <a:lumMod val="105000"/>
+                <a:satMod val="103000"/>
+                <a:tint val="73000"/>
+              </a:schemeClr>
+            </a:gs>
+            <a:gs pos="100000">
+              <a:schemeClr val="phClr">
+                <a:lumMod val="105000"/>
+                <a:satMod val="109000"/>
+                <a:tint val="81000"/>
+              </a:schemeClr>
+            </a:gs>
+          </a:gsLst>
+          <a:lin ang="5400000" scaled="0"/>
+        </a:gradFill>
+        <a:gradFill rotWithShape="1">
+          <a:gsLst>
+            <a:gs pos="0">
+              <a:schemeClr val="phClr">
+                <a:satMod val="103000"/>
+                <a:lumMod val="102000"/>
+                <a:tint val="94000"/>
+              </a:schemeClr>
+            </a:gs>
+            <a:gs pos="50000">
+              <a:schemeClr val="phClr">
+                <a:satMod val="110000"/>
+                <a:lumMod val="100000"/>
+                <a:shade val="100000"/>
+              </a:schemeClr>
+            </a:gs>
+            <a:gs pos="100000">
+              <a:schemeClr val="phClr">
+                <a:lumMod val="99000"/>
+                <a:satMod val="120000"/>
+                <a:shade val="78000"/>
+              </a:schemeClr>
+            </a:gs>
+          </a:gsLst>
+          <a:lin ang="5400000" scaled="0"/>
+        </a:gradFill>
+      </a:fillStyleLst>
+      <a:lnStyleLst>
+        <a:ln w="6350" cap="flat" cmpd="sng" algn="ctr">
+          <a:solidFill>
+            <a:schemeClr val="phClr"/>
+          </a:solidFill>
+          <a:prstDash val="solid"/>
+          <a:miter lim="800000"/>
+        </a:ln>
+        <a:ln w="12700" cap="flat" cmpd="sng" algn="ctr">
+          <a:solidFill>
+            <a:schemeClr val="phClr"/>
+          </a:solidFill>
+          <a:prstDash val="solid"/>
+          <a:miter lim="800000"/>
+        </a:ln>
+        <a:ln w="19050" cap="flat" cmpd="sng" algn="ctr">
+          <a:solidFill>
+            <a:schemeClr val="phClr"/>
+          </a:solidFill>
+          <a:prstDash val="solid"/>
+          <a:miter lim="800000"/>
+        </a:ln>
+      </a:lnStyleLst>
+      <a:effectStyleLst>
+        <a:effectStyle>
+          <a:effectLst/>
+        </a:effectStyle>
+        <a:effectStyle>
+          <a:effectLst/>
+        </a:effectStyle>
+        <a:effectStyle>
+          <a:effectLst>
+            <a:outerShdw blurRad="57150" dist="19050" dir="5400000" algn="ctr" rotWithShape="0">
+              <a:srgbClr val="000000">
+                <a:alpha val="63000"/>
+              </a:srgbClr>
+            </a:outerShdw>
+          </a:effectLst>
+        </a:effectStyle>
+      </a:effectStyleLst>
+      <a:bgFillStyleLst>
+        <a:solidFill>
+          <a:schemeClr val="phClr"/>
+        </a:solidFill>
+        <a:solidFill>
+          <a:schemeClr val="phClr">
+            <a:tint val="95000"/>
+            <a:satMod val="170000"/>
+          </a:schemeClr>
+        </a:solidFill>
+        <a:gradFill rotWithShape="1">
+          <a:gsLst>
+            <a:gs pos="0">
+              <a:schemeClr val="phClr">
+                <a:tint val="93000"/>
+                <a:satMod val="150000"/>
+                <a:shade val="98000"/>
+                <a:lumMod val="102000"/>
+              </a:schemeClr>
+            </a:gs>
+            <a:gs pos="50000">
+              <a:schemeClr val="phClr">
+                <a:tint val="98000"/>
+                <a:satMod val="130000"/>
+                <a:shade val="90000"/>
+                <a:lumMod val="103000"/>
+              </a:schemeClr>
+            </a:gs>
+            <a:gs pos="100000">
+              <a:schemeClr val="phClr">
+                <a:shade val="63000"/>
+                <a:satMod val="120000"/>
+              </a:schemeClr>
+            </a:gs>
+          </a:gsLst>
+          <a:lin ang="5400000" scaled="0"/>
+        </a:gradFill>
+      </a:bgFillStyleLst>
+    </a:fmtScheme>
+  </a:themeElements>
+  <a:objectDefaults/>
+  <a:extraClrSchemeLst/>
+  <a:extLst>
+    <a:ext uri="{05A4C25C-085E-4340-85A3-A5531E510DB2}">
+      <thm15:themeFamily xmlns:thm15="http://schemas.microsoft.com/office/thememl/2012/main" name="Office Theme" id="{62F939B6-93AF-4DB8-9C6B-D6C7DFDC589F}" vid="{4A3C46E8-61CC-4603-A589-7422A47A8E4A}"/>
+    </a:ext>
+  </a:extLst>
+</a:theme>
 </file>